--- a/AutomaticGameLevelGeneration/Presentation.pptx
+++ b/AutomaticGameLevelGeneration/Presentation.pptx
@@ -2,11 +2,34 @@
 <file path=ppt/presentation.xml><?xml version="1.0" encoding="utf-8"?>
 <p:presentation xmlns:a="http://schemas.openxmlformats.org/drawingml/2006/main" xmlns:r="http://schemas.openxmlformats.org/officeDocument/2006/relationships" xmlns:p="http://schemas.openxmlformats.org/presentationml/2006/main" saveSubsetFonts="1">
   <p:sldMasterIdLst>
-    <p:sldMasterId id="2147483648" r:id="rId1"/>
+    <p:sldMasterId id="2147483714" r:id="rId1"/>
   </p:sldMasterIdLst>
+  <p:notesMasterIdLst>
+    <p:notesMasterId r:id="rId24"/>
+  </p:notesMasterIdLst>
   <p:sldIdLst>
     <p:sldId id="256" r:id="rId2"/>
     <p:sldId id="257" r:id="rId3"/>
+    <p:sldId id="258" r:id="rId4"/>
+    <p:sldId id="259" r:id="rId5"/>
+    <p:sldId id="260" r:id="rId6"/>
+    <p:sldId id="261" r:id="rId7"/>
+    <p:sldId id="262" r:id="rId8"/>
+    <p:sldId id="263" r:id="rId9"/>
+    <p:sldId id="264" r:id="rId10"/>
+    <p:sldId id="265" r:id="rId11"/>
+    <p:sldId id="266" r:id="rId12"/>
+    <p:sldId id="267" r:id="rId13"/>
+    <p:sldId id="268" r:id="rId14"/>
+    <p:sldId id="269" r:id="rId15"/>
+    <p:sldId id="270" r:id="rId16"/>
+    <p:sldId id="274" r:id="rId17"/>
+    <p:sldId id="271" r:id="rId18"/>
+    <p:sldId id="272" r:id="rId19"/>
+    <p:sldId id="273" r:id="rId20"/>
+    <p:sldId id="275" r:id="rId21"/>
+    <p:sldId id="276" r:id="rId22"/>
+    <p:sldId id="277" r:id="rId23"/>
   </p:sldIdLst>
   <p:sldSz cx="12192000" cy="6858000"/>
   <p:notesSz cx="6858000" cy="9144000"/>
@@ -105,7 +128,790 @@
       </a:defRPr>
     </a:lvl9pPr>
   </p:defaultTextStyle>
+  <p:extLst>
+    <p:ext uri="{EFAFB233-063F-42B5-8137-9DF3F51BA10A}">
+      <p15:sldGuideLst xmlns:p15="http://schemas.microsoft.com/office/powerpoint/2012/main"/>
+    </p:ext>
+  </p:extLst>
 </p:presentation>
+</file>
+
+<file path=ppt/notesMasters/notesMaster1.xml><?xml version="1.0" encoding="utf-8"?>
+<p:notesMaster xmlns:a="http://schemas.openxmlformats.org/drawingml/2006/main" xmlns:r="http://schemas.openxmlformats.org/officeDocument/2006/relationships" xmlns:p="http://schemas.openxmlformats.org/presentationml/2006/main">
+  <p:cSld>
+    <p:bg>
+      <p:bgRef idx="1001">
+        <a:schemeClr val="bg1"/>
+      </p:bgRef>
+    </p:bg>
+    <p:spTree>
+      <p:nvGrpSpPr>
+        <p:cNvPr id="1" name=""/>
+        <p:cNvGrpSpPr/>
+        <p:nvPr/>
+      </p:nvGrpSpPr>
+      <p:grpSpPr>
+        <a:xfrm>
+          <a:off x="0" y="0"/>
+          <a:ext cx="0" cy="0"/>
+          <a:chOff x="0" y="0"/>
+          <a:chExt cx="0" cy="0"/>
+        </a:xfrm>
+      </p:grpSpPr>
+      <p:sp>
+        <p:nvSpPr>
+          <p:cNvPr id="2" name="Header Placeholder 1"/>
+          <p:cNvSpPr>
+            <a:spLocks noGrp="1"/>
+          </p:cNvSpPr>
+          <p:nvPr>
+            <p:ph type="hdr" sz="quarter"/>
+          </p:nvPr>
+        </p:nvSpPr>
+        <p:spPr>
+          <a:xfrm>
+            <a:off x="0" y="0"/>
+            <a:ext cx="2971800" cy="458788"/>
+          </a:xfrm>
+          <a:prstGeom prst="rect">
+            <a:avLst/>
+          </a:prstGeom>
+        </p:spPr>
+        <p:txBody>
+          <a:bodyPr vert="horz" lIns="91440" tIns="45720" rIns="91440" bIns="45720" rtlCol="0"/>
+          <a:lstStyle>
+            <a:lvl1pPr algn="l">
+              <a:defRPr sz="1200"/>
+            </a:lvl1pPr>
+          </a:lstStyle>
+          <a:p>
+            <a:endParaRPr lang="en-US"/>
+          </a:p>
+        </p:txBody>
+      </p:sp>
+      <p:sp>
+        <p:nvSpPr>
+          <p:cNvPr id="3" name="Date Placeholder 2"/>
+          <p:cNvSpPr>
+            <a:spLocks noGrp="1"/>
+          </p:cNvSpPr>
+          <p:nvPr>
+            <p:ph type="dt" idx="1"/>
+          </p:nvPr>
+        </p:nvSpPr>
+        <p:spPr>
+          <a:xfrm>
+            <a:off x="3884613" y="0"/>
+            <a:ext cx="2971800" cy="458788"/>
+          </a:xfrm>
+          <a:prstGeom prst="rect">
+            <a:avLst/>
+          </a:prstGeom>
+        </p:spPr>
+        <p:txBody>
+          <a:bodyPr vert="horz" lIns="91440" tIns="45720" rIns="91440" bIns="45720" rtlCol="0"/>
+          <a:lstStyle>
+            <a:lvl1pPr algn="r">
+              <a:defRPr sz="1200"/>
+            </a:lvl1pPr>
+          </a:lstStyle>
+          <a:p>
+            <a:fld id="{A0A270BB-E2CD-4B98-9F66-8E60C77FD8FD}" type="datetimeFigureOut">
+              <a:rPr lang="en-US" smtClean="0"/>
+              <a:t>12/7/2016</a:t>
+            </a:fld>
+            <a:endParaRPr lang="en-US"/>
+          </a:p>
+        </p:txBody>
+      </p:sp>
+      <p:sp>
+        <p:nvSpPr>
+          <p:cNvPr id="4" name="Slide Image Placeholder 3"/>
+          <p:cNvSpPr>
+            <a:spLocks noGrp="1" noRot="1" noChangeAspect="1"/>
+          </p:cNvSpPr>
+          <p:nvPr>
+            <p:ph type="sldImg" idx="2"/>
+          </p:nvPr>
+        </p:nvSpPr>
+        <p:spPr>
+          <a:xfrm>
+            <a:off x="685800" y="1143000"/>
+            <a:ext cx="5486400" cy="3086100"/>
+          </a:xfrm>
+          <a:prstGeom prst="rect">
+            <a:avLst/>
+          </a:prstGeom>
+          <a:noFill/>
+          <a:ln w="12700">
+            <a:solidFill>
+              <a:prstClr val="black"/>
+            </a:solidFill>
+          </a:ln>
+        </p:spPr>
+        <p:txBody>
+          <a:bodyPr vert="horz" lIns="91440" tIns="45720" rIns="91440" bIns="45720" rtlCol="0" anchor="ctr"/>
+          <a:lstStyle/>
+          <a:p>
+            <a:endParaRPr lang="en-US"/>
+          </a:p>
+        </p:txBody>
+      </p:sp>
+      <p:sp>
+        <p:nvSpPr>
+          <p:cNvPr id="5" name="Notes Placeholder 4"/>
+          <p:cNvSpPr>
+            <a:spLocks noGrp="1"/>
+          </p:cNvSpPr>
+          <p:nvPr>
+            <p:ph type="body" sz="quarter" idx="3"/>
+          </p:nvPr>
+        </p:nvSpPr>
+        <p:spPr>
+          <a:xfrm>
+            <a:off x="685800" y="4400550"/>
+            <a:ext cx="5486400" cy="3600450"/>
+          </a:xfrm>
+          <a:prstGeom prst="rect">
+            <a:avLst/>
+          </a:prstGeom>
+        </p:spPr>
+        <p:txBody>
+          <a:bodyPr vert="horz" lIns="91440" tIns="45720" rIns="91440" bIns="45720" rtlCol="0"/>
+          <a:lstStyle/>
+          <a:p>
+            <a:pPr lvl="0"/>
+            <a:r>
+              <a:rPr lang="en-US" smtClean="0"/>
+              <a:t>Click to edit Master text styles</a:t>
+            </a:r>
+          </a:p>
+          <a:p>
+            <a:pPr lvl="1"/>
+            <a:r>
+              <a:rPr lang="en-US" smtClean="0"/>
+              <a:t>Second level</a:t>
+            </a:r>
+          </a:p>
+          <a:p>
+            <a:pPr lvl="2"/>
+            <a:r>
+              <a:rPr lang="en-US" smtClean="0"/>
+              <a:t>Third level</a:t>
+            </a:r>
+          </a:p>
+          <a:p>
+            <a:pPr lvl="3"/>
+            <a:r>
+              <a:rPr lang="en-US" smtClean="0"/>
+              <a:t>Fourth level</a:t>
+            </a:r>
+          </a:p>
+          <a:p>
+            <a:pPr lvl="4"/>
+            <a:r>
+              <a:rPr lang="en-US" smtClean="0"/>
+              <a:t>Fifth level</a:t>
+            </a:r>
+            <a:endParaRPr lang="en-US"/>
+          </a:p>
+        </p:txBody>
+      </p:sp>
+      <p:sp>
+        <p:nvSpPr>
+          <p:cNvPr id="6" name="Footer Placeholder 5"/>
+          <p:cNvSpPr>
+            <a:spLocks noGrp="1"/>
+          </p:cNvSpPr>
+          <p:nvPr>
+            <p:ph type="ftr" sz="quarter" idx="4"/>
+          </p:nvPr>
+        </p:nvSpPr>
+        <p:spPr>
+          <a:xfrm>
+            <a:off x="0" y="8685213"/>
+            <a:ext cx="2971800" cy="458787"/>
+          </a:xfrm>
+          <a:prstGeom prst="rect">
+            <a:avLst/>
+          </a:prstGeom>
+        </p:spPr>
+        <p:txBody>
+          <a:bodyPr vert="horz" lIns="91440" tIns="45720" rIns="91440" bIns="45720" rtlCol="0" anchor="b"/>
+          <a:lstStyle>
+            <a:lvl1pPr algn="l">
+              <a:defRPr sz="1200"/>
+            </a:lvl1pPr>
+          </a:lstStyle>
+          <a:p>
+            <a:endParaRPr lang="en-US"/>
+          </a:p>
+        </p:txBody>
+      </p:sp>
+      <p:sp>
+        <p:nvSpPr>
+          <p:cNvPr id="7" name="Slide Number Placeholder 6"/>
+          <p:cNvSpPr>
+            <a:spLocks noGrp="1"/>
+          </p:cNvSpPr>
+          <p:nvPr>
+            <p:ph type="sldNum" sz="quarter" idx="5"/>
+          </p:nvPr>
+        </p:nvSpPr>
+        <p:spPr>
+          <a:xfrm>
+            <a:off x="3884613" y="8685213"/>
+            <a:ext cx="2971800" cy="458787"/>
+          </a:xfrm>
+          <a:prstGeom prst="rect">
+            <a:avLst/>
+          </a:prstGeom>
+        </p:spPr>
+        <p:txBody>
+          <a:bodyPr vert="horz" lIns="91440" tIns="45720" rIns="91440" bIns="45720" rtlCol="0" anchor="b"/>
+          <a:lstStyle>
+            <a:lvl1pPr algn="r">
+              <a:defRPr sz="1200"/>
+            </a:lvl1pPr>
+          </a:lstStyle>
+          <a:p>
+            <a:fld id="{058EC5EB-12FC-4C3F-B659-77F196F648C1}" type="slidenum">
+              <a:rPr lang="en-US" smtClean="0"/>
+              <a:t>‹#›</a:t>
+            </a:fld>
+            <a:endParaRPr lang="en-US"/>
+          </a:p>
+        </p:txBody>
+      </p:sp>
+    </p:spTree>
+    <p:extLst>
+      <p:ext uri="{BB962C8B-B14F-4D97-AF65-F5344CB8AC3E}">
+        <p14:creationId xmlns:p14="http://schemas.microsoft.com/office/powerpoint/2010/main" val="596715825"/>
+      </p:ext>
+    </p:extLst>
+  </p:cSld>
+  <p:clrMap bg1="lt1" tx1="dk1" bg2="lt2" tx2="dk2" accent1="accent1" accent2="accent2" accent3="accent3" accent4="accent4" accent5="accent5" accent6="accent6" hlink="hlink" folHlink="folHlink"/>
+  <p:notesStyle>
+    <a:lvl1pPr marL="0" algn="l" defTabSz="914400" rtl="0" eaLnBrk="1" latinLnBrk="0" hangingPunct="1">
+      <a:defRPr sz="1200" kern="1200">
+        <a:solidFill>
+          <a:schemeClr val="tx1"/>
+        </a:solidFill>
+        <a:latin typeface="+mn-lt"/>
+        <a:ea typeface="+mn-ea"/>
+        <a:cs typeface="+mn-cs"/>
+      </a:defRPr>
+    </a:lvl1pPr>
+    <a:lvl2pPr marL="457200" algn="l" defTabSz="914400" rtl="0" eaLnBrk="1" latinLnBrk="0" hangingPunct="1">
+      <a:defRPr sz="1200" kern="1200">
+        <a:solidFill>
+          <a:schemeClr val="tx1"/>
+        </a:solidFill>
+        <a:latin typeface="+mn-lt"/>
+        <a:ea typeface="+mn-ea"/>
+        <a:cs typeface="+mn-cs"/>
+      </a:defRPr>
+    </a:lvl2pPr>
+    <a:lvl3pPr marL="914400" algn="l" defTabSz="914400" rtl="0" eaLnBrk="1" latinLnBrk="0" hangingPunct="1">
+      <a:defRPr sz="1200" kern="1200">
+        <a:solidFill>
+          <a:schemeClr val="tx1"/>
+        </a:solidFill>
+        <a:latin typeface="+mn-lt"/>
+        <a:ea typeface="+mn-ea"/>
+        <a:cs typeface="+mn-cs"/>
+      </a:defRPr>
+    </a:lvl3pPr>
+    <a:lvl4pPr marL="1371600" algn="l" defTabSz="914400" rtl="0" eaLnBrk="1" latinLnBrk="0" hangingPunct="1">
+      <a:defRPr sz="1200" kern="1200">
+        <a:solidFill>
+          <a:schemeClr val="tx1"/>
+        </a:solidFill>
+        <a:latin typeface="+mn-lt"/>
+        <a:ea typeface="+mn-ea"/>
+        <a:cs typeface="+mn-cs"/>
+      </a:defRPr>
+    </a:lvl4pPr>
+    <a:lvl5pPr marL="1828800" algn="l" defTabSz="914400" rtl="0" eaLnBrk="1" latinLnBrk="0" hangingPunct="1">
+      <a:defRPr sz="1200" kern="1200">
+        <a:solidFill>
+          <a:schemeClr val="tx1"/>
+        </a:solidFill>
+        <a:latin typeface="+mn-lt"/>
+        <a:ea typeface="+mn-ea"/>
+        <a:cs typeface="+mn-cs"/>
+      </a:defRPr>
+    </a:lvl5pPr>
+    <a:lvl6pPr marL="2286000" algn="l" defTabSz="914400" rtl="0" eaLnBrk="1" latinLnBrk="0" hangingPunct="1">
+      <a:defRPr sz="1200" kern="1200">
+        <a:solidFill>
+          <a:schemeClr val="tx1"/>
+        </a:solidFill>
+        <a:latin typeface="+mn-lt"/>
+        <a:ea typeface="+mn-ea"/>
+        <a:cs typeface="+mn-cs"/>
+      </a:defRPr>
+    </a:lvl6pPr>
+    <a:lvl7pPr marL="2743200" algn="l" defTabSz="914400" rtl="0" eaLnBrk="1" latinLnBrk="0" hangingPunct="1">
+      <a:defRPr sz="1200" kern="1200">
+        <a:solidFill>
+          <a:schemeClr val="tx1"/>
+        </a:solidFill>
+        <a:latin typeface="+mn-lt"/>
+        <a:ea typeface="+mn-ea"/>
+        <a:cs typeface="+mn-cs"/>
+      </a:defRPr>
+    </a:lvl7pPr>
+    <a:lvl8pPr marL="3200400" algn="l" defTabSz="914400" rtl="0" eaLnBrk="1" latinLnBrk="0" hangingPunct="1">
+      <a:defRPr sz="1200" kern="1200">
+        <a:solidFill>
+          <a:schemeClr val="tx1"/>
+        </a:solidFill>
+        <a:latin typeface="+mn-lt"/>
+        <a:ea typeface="+mn-ea"/>
+        <a:cs typeface="+mn-cs"/>
+      </a:defRPr>
+    </a:lvl8pPr>
+    <a:lvl9pPr marL="3657600" algn="l" defTabSz="914400" rtl="0" eaLnBrk="1" latinLnBrk="0" hangingPunct="1">
+      <a:defRPr sz="1200" kern="1200">
+        <a:solidFill>
+          <a:schemeClr val="tx1"/>
+        </a:solidFill>
+        <a:latin typeface="+mn-lt"/>
+        <a:ea typeface="+mn-ea"/>
+        <a:cs typeface="+mn-cs"/>
+      </a:defRPr>
+    </a:lvl9pPr>
+  </p:notesStyle>
+</p:notesMaster>
+</file>
+
+<file path=ppt/notesSlides/notesSlide1.xml><?xml version="1.0" encoding="utf-8"?>
+<p:notes xmlns:a="http://schemas.openxmlformats.org/drawingml/2006/main" xmlns:r="http://schemas.openxmlformats.org/officeDocument/2006/relationships" xmlns:p="http://schemas.openxmlformats.org/presentationml/2006/main">
+  <p:cSld>
+    <p:spTree>
+      <p:nvGrpSpPr>
+        <p:cNvPr id="1" name=""/>
+        <p:cNvGrpSpPr/>
+        <p:nvPr/>
+      </p:nvGrpSpPr>
+      <p:grpSpPr>
+        <a:xfrm>
+          <a:off x="0" y="0"/>
+          <a:ext cx="0" cy="0"/>
+          <a:chOff x="0" y="0"/>
+          <a:chExt cx="0" cy="0"/>
+        </a:xfrm>
+      </p:grpSpPr>
+      <p:sp>
+        <p:nvSpPr>
+          <p:cNvPr id="2" name="Slide Image Placeholder 1"/>
+          <p:cNvSpPr>
+            <a:spLocks noGrp="1" noRot="1" noChangeAspect="1"/>
+          </p:cNvSpPr>
+          <p:nvPr>
+            <p:ph type="sldImg"/>
+          </p:nvPr>
+        </p:nvSpPr>
+        <p:spPr/>
+      </p:sp>
+      <p:sp>
+        <p:nvSpPr>
+          <p:cNvPr id="3" name="Notes Placeholder 2"/>
+          <p:cNvSpPr>
+            <a:spLocks noGrp="1"/>
+          </p:cNvSpPr>
+          <p:nvPr>
+            <p:ph type="body" idx="1"/>
+          </p:nvPr>
+        </p:nvSpPr>
+        <p:spPr/>
+        <p:txBody>
+          <a:bodyPr/>
+          <a:lstStyle/>
+          <a:p>
+            <a:r>
+              <a:rPr lang="en-US" dirty="0" smtClean="0"/>
+              <a:t>To be a major slide</a:t>
+            </a:r>
+            <a:endParaRPr lang="en-US" dirty="0"/>
+          </a:p>
+        </p:txBody>
+      </p:sp>
+      <p:sp>
+        <p:nvSpPr>
+          <p:cNvPr id="4" name="Slide Number Placeholder 3"/>
+          <p:cNvSpPr>
+            <a:spLocks noGrp="1"/>
+          </p:cNvSpPr>
+          <p:nvPr>
+            <p:ph type="sldNum" sz="quarter" idx="10"/>
+          </p:nvPr>
+        </p:nvSpPr>
+        <p:spPr/>
+        <p:txBody>
+          <a:bodyPr/>
+          <a:lstStyle/>
+          <a:p>
+            <a:fld id="{058EC5EB-12FC-4C3F-B659-77F196F648C1}" type="slidenum">
+              <a:rPr lang="en-US" smtClean="0"/>
+              <a:t>3</a:t>
+            </a:fld>
+            <a:endParaRPr lang="en-US"/>
+          </a:p>
+        </p:txBody>
+      </p:sp>
+    </p:spTree>
+    <p:extLst>
+      <p:ext uri="{BB962C8B-B14F-4D97-AF65-F5344CB8AC3E}">
+        <p14:creationId xmlns:p14="http://schemas.microsoft.com/office/powerpoint/2010/main" val="3979598569"/>
+      </p:ext>
+    </p:extLst>
+  </p:cSld>
+  <p:clrMapOvr>
+    <a:masterClrMapping/>
+  </p:clrMapOvr>
+</p:notes>
+</file>
+
+<file path=ppt/notesSlides/notesSlide2.xml><?xml version="1.0" encoding="utf-8"?>
+<p:notes xmlns:a="http://schemas.openxmlformats.org/drawingml/2006/main" xmlns:r="http://schemas.openxmlformats.org/officeDocument/2006/relationships" xmlns:p="http://schemas.openxmlformats.org/presentationml/2006/main">
+  <p:cSld>
+    <p:spTree>
+      <p:nvGrpSpPr>
+        <p:cNvPr id="1" name=""/>
+        <p:cNvGrpSpPr/>
+        <p:nvPr/>
+      </p:nvGrpSpPr>
+      <p:grpSpPr>
+        <a:xfrm>
+          <a:off x="0" y="0"/>
+          <a:ext cx="0" cy="0"/>
+          <a:chOff x="0" y="0"/>
+          <a:chExt cx="0" cy="0"/>
+        </a:xfrm>
+      </p:grpSpPr>
+      <p:sp>
+        <p:nvSpPr>
+          <p:cNvPr id="2" name="Slide Image Placeholder 1"/>
+          <p:cNvSpPr>
+            <a:spLocks noGrp="1" noRot="1" noChangeAspect="1"/>
+          </p:cNvSpPr>
+          <p:nvPr>
+            <p:ph type="sldImg"/>
+          </p:nvPr>
+        </p:nvSpPr>
+        <p:spPr/>
+      </p:sp>
+      <p:sp>
+        <p:nvSpPr>
+          <p:cNvPr id="3" name="Notes Placeholder 2"/>
+          <p:cNvSpPr>
+            <a:spLocks noGrp="1"/>
+          </p:cNvSpPr>
+          <p:nvPr>
+            <p:ph type="body" idx="1"/>
+          </p:nvPr>
+        </p:nvSpPr>
+        <p:spPr/>
+        <p:txBody>
+          <a:bodyPr/>
+          <a:lstStyle/>
+          <a:p>
+            <a:r>
+              <a:rPr lang="en-US" dirty="0" smtClean="0"/>
+              <a:t>TO BE a major slide</a:t>
+            </a:r>
+            <a:endParaRPr lang="en-US" dirty="0"/>
+          </a:p>
+        </p:txBody>
+      </p:sp>
+      <p:sp>
+        <p:nvSpPr>
+          <p:cNvPr id="4" name="Slide Number Placeholder 3"/>
+          <p:cNvSpPr>
+            <a:spLocks noGrp="1"/>
+          </p:cNvSpPr>
+          <p:nvPr>
+            <p:ph type="sldNum" sz="quarter" idx="10"/>
+          </p:nvPr>
+        </p:nvSpPr>
+        <p:spPr/>
+        <p:txBody>
+          <a:bodyPr/>
+          <a:lstStyle/>
+          <a:p>
+            <a:fld id="{058EC5EB-12FC-4C3F-B659-77F196F648C1}" type="slidenum">
+              <a:rPr lang="en-US" smtClean="0"/>
+              <a:t>6</a:t>
+            </a:fld>
+            <a:endParaRPr lang="en-US"/>
+          </a:p>
+        </p:txBody>
+      </p:sp>
+    </p:spTree>
+    <p:extLst>
+      <p:ext uri="{BB962C8B-B14F-4D97-AF65-F5344CB8AC3E}">
+        <p14:creationId xmlns:p14="http://schemas.microsoft.com/office/powerpoint/2010/main" val="796634953"/>
+      </p:ext>
+    </p:extLst>
+  </p:cSld>
+  <p:clrMapOvr>
+    <a:masterClrMapping/>
+  </p:clrMapOvr>
+</p:notes>
+</file>
+
+<file path=ppt/notesSlides/notesSlide3.xml><?xml version="1.0" encoding="utf-8"?>
+<p:notes xmlns:a="http://schemas.openxmlformats.org/drawingml/2006/main" xmlns:r="http://schemas.openxmlformats.org/officeDocument/2006/relationships" xmlns:p="http://schemas.openxmlformats.org/presentationml/2006/main">
+  <p:cSld>
+    <p:spTree>
+      <p:nvGrpSpPr>
+        <p:cNvPr id="1" name=""/>
+        <p:cNvGrpSpPr/>
+        <p:nvPr/>
+      </p:nvGrpSpPr>
+      <p:grpSpPr>
+        <a:xfrm>
+          <a:off x="0" y="0"/>
+          <a:ext cx="0" cy="0"/>
+          <a:chOff x="0" y="0"/>
+          <a:chExt cx="0" cy="0"/>
+        </a:xfrm>
+      </p:grpSpPr>
+      <p:sp>
+        <p:nvSpPr>
+          <p:cNvPr id="2" name="Slide Image Placeholder 1"/>
+          <p:cNvSpPr>
+            <a:spLocks noGrp="1" noRot="1" noChangeAspect="1"/>
+          </p:cNvSpPr>
+          <p:nvPr>
+            <p:ph type="sldImg"/>
+          </p:nvPr>
+        </p:nvSpPr>
+        <p:spPr/>
+      </p:sp>
+      <p:sp>
+        <p:nvSpPr>
+          <p:cNvPr id="3" name="Notes Placeholder 2"/>
+          <p:cNvSpPr>
+            <a:spLocks noGrp="1"/>
+          </p:cNvSpPr>
+          <p:nvPr>
+            <p:ph type="body" idx="1"/>
+          </p:nvPr>
+        </p:nvSpPr>
+        <p:spPr/>
+        <p:txBody>
+          <a:bodyPr/>
+          <a:lstStyle/>
+          <a:p>
+            <a:endParaRPr lang="en-US" dirty="0"/>
+          </a:p>
+        </p:txBody>
+      </p:sp>
+      <p:sp>
+        <p:nvSpPr>
+          <p:cNvPr id="4" name="Slide Number Placeholder 3"/>
+          <p:cNvSpPr>
+            <a:spLocks noGrp="1"/>
+          </p:cNvSpPr>
+          <p:nvPr>
+            <p:ph type="sldNum" sz="quarter" idx="10"/>
+          </p:nvPr>
+        </p:nvSpPr>
+        <p:spPr/>
+        <p:txBody>
+          <a:bodyPr/>
+          <a:lstStyle/>
+          <a:p>
+            <a:fld id="{058EC5EB-12FC-4C3F-B659-77F196F648C1}" type="slidenum">
+              <a:rPr lang="en-US" smtClean="0"/>
+              <a:t>7</a:t>
+            </a:fld>
+            <a:endParaRPr lang="en-US"/>
+          </a:p>
+        </p:txBody>
+      </p:sp>
+    </p:spTree>
+    <p:extLst>
+      <p:ext uri="{BB962C8B-B14F-4D97-AF65-F5344CB8AC3E}">
+        <p14:creationId xmlns:p14="http://schemas.microsoft.com/office/powerpoint/2010/main" val="1668587316"/>
+      </p:ext>
+    </p:extLst>
+  </p:cSld>
+  <p:clrMapOvr>
+    <a:masterClrMapping/>
+  </p:clrMapOvr>
+</p:notes>
+</file>
+
+<file path=ppt/notesSlides/notesSlide4.xml><?xml version="1.0" encoding="utf-8"?>
+<p:notes xmlns:a="http://schemas.openxmlformats.org/drawingml/2006/main" xmlns:r="http://schemas.openxmlformats.org/officeDocument/2006/relationships" xmlns:p="http://schemas.openxmlformats.org/presentationml/2006/main">
+  <p:cSld>
+    <p:spTree>
+      <p:nvGrpSpPr>
+        <p:cNvPr id="1" name=""/>
+        <p:cNvGrpSpPr/>
+        <p:nvPr/>
+      </p:nvGrpSpPr>
+      <p:grpSpPr>
+        <a:xfrm>
+          <a:off x="0" y="0"/>
+          <a:ext cx="0" cy="0"/>
+          <a:chOff x="0" y="0"/>
+          <a:chExt cx="0" cy="0"/>
+        </a:xfrm>
+      </p:grpSpPr>
+      <p:sp>
+        <p:nvSpPr>
+          <p:cNvPr id="2" name="Slide Image Placeholder 1"/>
+          <p:cNvSpPr>
+            <a:spLocks noGrp="1" noRot="1" noChangeAspect="1"/>
+          </p:cNvSpPr>
+          <p:nvPr>
+            <p:ph type="sldImg"/>
+          </p:nvPr>
+        </p:nvSpPr>
+        <p:spPr/>
+      </p:sp>
+      <p:sp>
+        <p:nvSpPr>
+          <p:cNvPr id="3" name="Notes Placeholder 2"/>
+          <p:cNvSpPr>
+            <a:spLocks noGrp="1"/>
+          </p:cNvSpPr>
+          <p:nvPr>
+            <p:ph type="body" idx="1"/>
+          </p:nvPr>
+        </p:nvSpPr>
+        <p:spPr/>
+        <p:txBody>
+          <a:bodyPr/>
+          <a:lstStyle/>
+          <a:p>
+            <a:endParaRPr lang="en-US" dirty="0"/>
+          </a:p>
+        </p:txBody>
+      </p:sp>
+      <p:sp>
+        <p:nvSpPr>
+          <p:cNvPr id="4" name="Slide Number Placeholder 3"/>
+          <p:cNvSpPr>
+            <a:spLocks noGrp="1"/>
+          </p:cNvSpPr>
+          <p:nvPr>
+            <p:ph type="sldNum" sz="quarter" idx="10"/>
+          </p:nvPr>
+        </p:nvSpPr>
+        <p:spPr/>
+        <p:txBody>
+          <a:bodyPr/>
+          <a:lstStyle/>
+          <a:p>
+            <a:fld id="{058EC5EB-12FC-4C3F-B659-77F196F648C1}" type="slidenum">
+              <a:rPr lang="en-US" smtClean="0"/>
+              <a:t>17</a:t>
+            </a:fld>
+            <a:endParaRPr lang="en-US"/>
+          </a:p>
+        </p:txBody>
+      </p:sp>
+    </p:spTree>
+    <p:extLst>
+      <p:ext uri="{BB962C8B-B14F-4D97-AF65-F5344CB8AC3E}">
+        <p14:creationId xmlns:p14="http://schemas.microsoft.com/office/powerpoint/2010/main" val="3843776446"/>
+      </p:ext>
+    </p:extLst>
+  </p:cSld>
+  <p:clrMapOvr>
+    <a:masterClrMapping/>
+  </p:clrMapOvr>
+</p:notes>
+</file>
+
+<file path=ppt/notesSlides/notesSlide5.xml><?xml version="1.0" encoding="utf-8"?>
+<p:notes xmlns:a="http://schemas.openxmlformats.org/drawingml/2006/main" xmlns:r="http://schemas.openxmlformats.org/officeDocument/2006/relationships" xmlns:p="http://schemas.openxmlformats.org/presentationml/2006/main">
+  <p:cSld>
+    <p:spTree>
+      <p:nvGrpSpPr>
+        <p:cNvPr id="1" name=""/>
+        <p:cNvGrpSpPr/>
+        <p:nvPr/>
+      </p:nvGrpSpPr>
+      <p:grpSpPr>
+        <a:xfrm>
+          <a:off x="0" y="0"/>
+          <a:ext cx="0" cy="0"/>
+          <a:chOff x="0" y="0"/>
+          <a:chExt cx="0" cy="0"/>
+        </a:xfrm>
+      </p:grpSpPr>
+      <p:sp>
+        <p:nvSpPr>
+          <p:cNvPr id="2" name="Slide Image Placeholder 1"/>
+          <p:cNvSpPr>
+            <a:spLocks noGrp="1" noRot="1" noChangeAspect="1"/>
+          </p:cNvSpPr>
+          <p:nvPr>
+            <p:ph type="sldImg"/>
+          </p:nvPr>
+        </p:nvSpPr>
+        <p:spPr/>
+      </p:sp>
+      <p:sp>
+        <p:nvSpPr>
+          <p:cNvPr id="3" name="Notes Placeholder 2"/>
+          <p:cNvSpPr>
+            <a:spLocks noGrp="1"/>
+          </p:cNvSpPr>
+          <p:nvPr>
+            <p:ph type="body" idx="1"/>
+          </p:nvPr>
+        </p:nvSpPr>
+        <p:spPr/>
+        <p:txBody>
+          <a:bodyPr/>
+          <a:lstStyle/>
+          <a:p>
+            <a:endParaRPr lang="en-US" dirty="0"/>
+          </a:p>
+        </p:txBody>
+      </p:sp>
+      <p:sp>
+        <p:nvSpPr>
+          <p:cNvPr id="4" name="Slide Number Placeholder 3"/>
+          <p:cNvSpPr>
+            <a:spLocks noGrp="1"/>
+          </p:cNvSpPr>
+          <p:nvPr>
+            <p:ph type="sldNum" sz="quarter" idx="10"/>
+          </p:nvPr>
+        </p:nvSpPr>
+        <p:spPr/>
+        <p:txBody>
+          <a:bodyPr/>
+          <a:lstStyle/>
+          <a:p>
+            <a:fld id="{058EC5EB-12FC-4C3F-B659-77F196F648C1}" type="slidenum">
+              <a:rPr lang="en-US" smtClean="0"/>
+              <a:t>20</a:t>
+            </a:fld>
+            <a:endParaRPr lang="en-US"/>
+          </a:p>
+        </p:txBody>
+      </p:sp>
+    </p:spTree>
+    <p:extLst>
+      <p:ext uri="{BB962C8B-B14F-4D97-AF65-F5344CB8AC3E}">
+        <p14:creationId xmlns:p14="http://schemas.microsoft.com/office/powerpoint/2010/main" val="433034864"/>
+      </p:ext>
+    </p:extLst>
+  </p:cSld>
+  <p:clrMapOvr>
+    <a:masterClrMapping/>
+  </p:clrMapOvr>
+</p:notes>
 </file>
 
 <file path=ppt/slideLayouts/slideLayout1.xml><?xml version="1.0" encoding="utf-8"?>
@@ -137,15 +943,15 @@
         </p:nvSpPr>
         <p:spPr>
           <a:xfrm>
-            <a:off x="1524000" y="1122363"/>
-            <a:ext cx="9144000" cy="2387600"/>
+            <a:off x="1154955" y="1447800"/>
+            <a:ext cx="8825658" cy="3329581"/>
           </a:xfrm>
         </p:spPr>
         <p:txBody>
           <a:bodyPr anchor="b"/>
           <a:lstStyle>
-            <a:lvl1pPr algn="ctr">
-              <a:defRPr sz="6000"/>
+            <a:lvl1pPr>
+              <a:defRPr sz="7200"/>
             </a:lvl1pPr>
           </a:lstStyle>
           <a:p>
@@ -153,7 +959,7 @@
               <a:rPr lang="en-US" smtClean="0"/>
               <a:t>Click to edit Master title style</a:t>
             </a:r>
-            <a:endParaRPr lang="en-US"/>
+            <a:endParaRPr lang="en-US" dirty="0"/>
           </a:p>
         </p:txBody>
       </p:sp>
@@ -169,48 +975,100 @@
         </p:nvSpPr>
         <p:spPr>
           <a:xfrm>
-            <a:off x="1524000" y="3602038"/>
-            <a:ext cx="9144000" cy="1655762"/>
+            <a:off x="1154955" y="4777380"/>
+            <a:ext cx="8825658" cy="861420"/>
           </a:xfrm>
         </p:spPr>
         <p:txBody>
-          <a:bodyPr/>
+          <a:bodyPr anchor="t"/>
           <a:lstStyle>
-            <a:lvl1pPr marL="0" indent="0" algn="ctr">
-              <a:buNone/>
-              <a:defRPr sz="2400"/>
+            <a:lvl1pPr marL="0" indent="0" algn="l">
+              <a:buNone/>
+              <a:defRPr cap="all">
+                <a:solidFill>
+                  <a:schemeClr val="accent1"/>
+                </a:solidFill>
+              </a:defRPr>
             </a:lvl1pPr>
             <a:lvl2pPr marL="457200" indent="0" algn="ctr">
               <a:buNone/>
-              <a:defRPr sz="2000"/>
+              <a:defRPr>
+                <a:solidFill>
+                  <a:schemeClr val="tx1">
+                    <a:tint val="75000"/>
+                  </a:schemeClr>
+                </a:solidFill>
+              </a:defRPr>
             </a:lvl2pPr>
             <a:lvl3pPr marL="914400" indent="0" algn="ctr">
               <a:buNone/>
-              <a:defRPr sz="1800"/>
+              <a:defRPr>
+                <a:solidFill>
+                  <a:schemeClr val="tx1">
+                    <a:tint val="75000"/>
+                  </a:schemeClr>
+                </a:solidFill>
+              </a:defRPr>
             </a:lvl3pPr>
             <a:lvl4pPr marL="1371600" indent="0" algn="ctr">
               <a:buNone/>
-              <a:defRPr sz="1600"/>
+              <a:defRPr>
+                <a:solidFill>
+                  <a:schemeClr val="tx1">
+                    <a:tint val="75000"/>
+                  </a:schemeClr>
+                </a:solidFill>
+              </a:defRPr>
             </a:lvl4pPr>
             <a:lvl5pPr marL="1828800" indent="0" algn="ctr">
               <a:buNone/>
-              <a:defRPr sz="1600"/>
+              <a:defRPr>
+                <a:solidFill>
+                  <a:schemeClr val="tx1">
+                    <a:tint val="75000"/>
+                  </a:schemeClr>
+                </a:solidFill>
+              </a:defRPr>
             </a:lvl5pPr>
             <a:lvl6pPr marL="2286000" indent="0" algn="ctr">
               <a:buNone/>
-              <a:defRPr sz="1600"/>
+              <a:defRPr>
+                <a:solidFill>
+                  <a:schemeClr val="tx1">
+                    <a:tint val="75000"/>
+                  </a:schemeClr>
+                </a:solidFill>
+              </a:defRPr>
             </a:lvl6pPr>
             <a:lvl7pPr marL="2743200" indent="0" algn="ctr">
               <a:buNone/>
-              <a:defRPr sz="1600"/>
+              <a:defRPr>
+                <a:solidFill>
+                  <a:schemeClr val="tx1">
+                    <a:tint val="75000"/>
+                  </a:schemeClr>
+                </a:solidFill>
+              </a:defRPr>
             </a:lvl7pPr>
             <a:lvl8pPr marL="3200400" indent="0" algn="ctr">
               <a:buNone/>
-              <a:defRPr sz="1600"/>
+              <a:defRPr>
+                <a:solidFill>
+                  <a:schemeClr val="tx1">
+                    <a:tint val="75000"/>
+                  </a:schemeClr>
+                </a:solidFill>
+              </a:defRPr>
             </a:lvl8pPr>
             <a:lvl9pPr marL="3657600" indent="0" algn="ctr">
               <a:buNone/>
-              <a:defRPr sz="1600"/>
+              <a:defRPr>
+                <a:solidFill>
+                  <a:schemeClr val="tx1">
+                    <a:tint val="75000"/>
+                  </a:schemeClr>
+                </a:solidFill>
+              </a:defRPr>
             </a:lvl9pPr>
           </a:lstStyle>
           <a:p>
@@ -218,7 +1076,7 @@
               <a:rPr lang="en-US" smtClean="0"/>
               <a:t>Click to edit Master subtitle style</a:t>
             </a:r>
-            <a:endParaRPr lang="en-US"/>
+            <a:endParaRPr lang="en-US" dirty="0"/>
           </a:p>
         </p:txBody>
       </p:sp>
@@ -239,7 +1097,7 @@
           <a:p>
             <a:fld id="{C774F0DE-A2F5-41DA-B85A-E3B3E8CB24C6}" type="datetimeFigureOut">
               <a:rPr lang="en-US" smtClean="0"/>
-              <a:t>27-Nov-16</a:t>
+              <a:t>12/7/2016</a:t>
             </a:fld>
             <a:endParaRPr lang="en-US"/>
           </a:p>
@@ -290,7 +1148,7 @@
     </p:spTree>
     <p:extLst>
       <p:ext uri="{BB962C8B-B14F-4D97-AF65-F5344CB8AC3E}">
-        <p14:creationId xmlns:p14="http://schemas.microsoft.com/office/powerpoint/2010/main" val="4266329103"/>
+        <p14:creationId xmlns:p14="http://schemas.microsoft.com/office/powerpoint/2010/main" val="2356764410"/>
       </p:ext>
     </p:extLst>
   </p:cSld>
@@ -301,6 +1159,2532 @@
 </file>
 
 <file path=ppt/slideLayouts/slideLayout10.xml><?xml version="1.0" encoding="utf-8"?>
+<p:sldLayout xmlns:a="http://schemas.openxmlformats.org/drawingml/2006/main" xmlns:r="http://schemas.openxmlformats.org/officeDocument/2006/relationships" xmlns:p="http://schemas.openxmlformats.org/presentationml/2006/main" preserve="1">
+  <p:cSld name="Panoramic Picture with Caption">
+    <p:spTree>
+      <p:nvGrpSpPr>
+        <p:cNvPr id="1" name=""/>
+        <p:cNvGrpSpPr/>
+        <p:nvPr/>
+      </p:nvGrpSpPr>
+      <p:grpSpPr>
+        <a:xfrm>
+          <a:off x="0" y="0"/>
+          <a:ext cx="0" cy="0"/>
+          <a:chOff x="0" y="0"/>
+          <a:chExt cx="0" cy="0"/>
+        </a:xfrm>
+      </p:grpSpPr>
+      <p:sp>
+        <p:nvSpPr>
+          <p:cNvPr id="2" name="Title 1"/>
+          <p:cNvSpPr>
+            <a:spLocks noGrp="1"/>
+          </p:cNvSpPr>
+          <p:nvPr>
+            <p:ph type="title"/>
+          </p:nvPr>
+        </p:nvSpPr>
+        <p:spPr>
+          <a:xfrm>
+            <a:off x="1154956" y="4800587"/>
+            <a:ext cx="8825657" cy="566738"/>
+          </a:xfrm>
+        </p:spPr>
+        <p:txBody>
+          <a:bodyPr anchor="b">
+            <a:normAutofit/>
+          </a:bodyPr>
+          <a:lstStyle>
+            <a:lvl1pPr algn="l">
+              <a:defRPr sz="2400" b="0"/>
+            </a:lvl1pPr>
+          </a:lstStyle>
+          <a:p>
+            <a:r>
+              <a:rPr lang="en-US" smtClean="0"/>
+              <a:t>Click to edit Master title style</a:t>
+            </a:r>
+            <a:endParaRPr lang="en-US" dirty="0"/>
+          </a:p>
+        </p:txBody>
+      </p:sp>
+      <p:sp>
+        <p:nvSpPr>
+          <p:cNvPr id="3" name="Picture Placeholder 2"/>
+          <p:cNvSpPr>
+            <a:spLocks noGrp="1" noChangeAspect="1"/>
+          </p:cNvSpPr>
+          <p:nvPr>
+            <p:ph type="pic" idx="1"/>
+          </p:nvPr>
+        </p:nvSpPr>
+        <p:spPr>
+          <a:xfrm>
+            <a:off x="1154955" y="685800"/>
+            <a:ext cx="8825658" cy="3640666"/>
+          </a:xfrm>
+          <a:prstGeom prst="roundRect">
+            <a:avLst>
+              <a:gd name="adj" fmla="val 1858"/>
+            </a:avLst>
+          </a:prstGeom>
+          <a:effectLst>
+            <a:outerShdw blurRad="50800" dist="50800" dir="5400000" algn="tl" rotWithShape="0">
+              <a:srgbClr val="000000">
+                <a:alpha val="43000"/>
+              </a:srgbClr>
+            </a:outerShdw>
+          </a:effectLst>
+        </p:spPr>
+        <p:txBody>
+          <a:bodyPr anchor="t">
+            <a:normAutofit/>
+          </a:bodyPr>
+          <a:lstStyle>
+            <a:lvl1pPr marL="0" indent="0" algn="ctr">
+              <a:buNone/>
+              <a:defRPr sz="1600"/>
+            </a:lvl1pPr>
+            <a:lvl2pPr marL="457200" indent="0">
+              <a:buNone/>
+              <a:defRPr sz="1600"/>
+            </a:lvl2pPr>
+            <a:lvl3pPr marL="914400" indent="0">
+              <a:buNone/>
+              <a:defRPr sz="1600"/>
+            </a:lvl3pPr>
+            <a:lvl4pPr marL="1371600" indent="0">
+              <a:buNone/>
+              <a:defRPr sz="1600"/>
+            </a:lvl4pPr>
+            <a:lvl5pPr marL="1828800" indent="0">
+              <a:buNone/>
+              <a:defRPr sz="1600"/>
+            </a:lvl5pPr>
+            <a:lvl6pPr marL="2286000" indent="0">
+              <a:buNone/>
+              <a:defRPr sz="1600"/>
+            </a:lvl6pPr>
+            <a:lvl7pPr marL="2743200" indent="0">
+              <a:buNone/>
+              <a:defRPr sz="1600"/>
+            </a:lvl7pPr>
+            <a:lvl8pPr marL="3200400" indent="0">
+              <a:buNone/>
+              <a:defRPr sz="1600"/>
+            </a:lvl8pPr>
+            <a:lvl9pPr marL="3657600" indent="0">
+              <a:buNone/>
+              <a:defRPr sz="1600"/>
+            </a:lvl9pPr>
+          </a:lstStyle>
+          <a:p>
+            <a:r>
+              <a:rPr lang="en-US" smtClean="0"/>
+              <a:t>Click icon to add picture</a:t>
+            </a:r>
+            <a:endParaRPr lang="en-US" dirty="0"/>
+          </a:p>
+        </p:txBody>
+      </p:sp>
+      <p:sp>
+        <p:nvSpPr>
+          <p:cNvPr id="4" name="Text Placeholder 3"/>
+          <p:cNvSpPr>
+            <a:spLocks noGrp="1"/>
+          </p:cNvSpPr>
+          <p:nvPr>
+            <p:ph type="body" sz="half" idx="2"/>
+          </p:nvPr>
+        </p:nvSpPr>
+        <p:spPr>
+          <a:xfrm>
+            <a:off x="1154956" y="5367325"/>
+            <a:ext cx="8825656" cy="493712"/>
+          </a:xfrm>
+        </p:spPr>
+        <p:txBody>
+          <a:bodyPr>
+            <a:normAutofit/>
+          </a:bodyPr>
+          <a:lstStyle>
+            <a:lvl1pPr marL="0" indent="0">
+              <a:buNone/>
+              <a:defRPr sz="1200"/>
+            </a:lvl1pPr>
+            <a:lvl2pPr marL="457200" indent="0">
+              <a:buNone/>
+              <a:defRPr sz="1200"/>
+            </a:lvl2pPr>
+            <a:lvl3pPr marL="914400" indent="0">
+              <a:buNone/>
+              <a:defRPr sz="1000"/>
+            </a:lvl3pPr>
+            <a:lvl4pPr marL="1371600" indent="0">
+              <a:buNone/>
+              <a:defRPr sz="900"/>
+            </a:lvl4pPr>
+            <a:lvl5pPr marL="1828800" indent="0">
+              <a:buNone/>
+              <a:defRPr sz="900"/>
+            </a:lvl5pPr>
+            <a:lvl6pPr marL="2286000" indent="0">
+              <a:buNone/>
+              <a:defRPr sz="900"/>
+            </a:lvl6pPr>
+            <a:lvl7pPr marL="2743200" indent="0">
+              <a:buNone/>
+              <a:defRPr sz="900"/>
+            </a:lvl7pPr>
+            <a:lvl8pPr marL="3200400" indent="0">
+              <a:buNone/>
+              <a:defRPr sz="900"/>
+            </a:lvl8pPr>
+            <a:lvl9pPr marL="3657600" indent="0">
+              <a:buNone/>
+              <a:defRPr sz="900"/>
+            </a:lvl9pPr>
+          </a:lstStyle>
+          <a:p>
+            <a:pPr lvl="0"/>
+            <a:r>
+              <a:rPr lang="en-US" smtClean="0"/>
+              <a:t>Click to edit Master text styles</a:t>
+            </a:r>
+          </a:p>
+        </p:txBody>
+      </p:sp>
+      <p:sp>
+        <p:nvSpPr>
+          <p:cNvPr id="5" name="Date Placeholder 4"/>
+          <p:cNvSpPr>
+            <a:spLocks noGrp="1"/>
+          </p:cNvSpPr>
+          <p:nvPr>
+            <p:ph type="dt" sz="half" idx="10"/>
+          </p:nvPr>
+        </p:nvSpPr>
+        <p:spPr/>
+        <p:txBody>
+          <a:bodyPr/>
+          <a:lstStyle/>
+          <a:p>
+            <a:fld id="{C774F0DE-A2F5-41DA-B85A-E3B3E8CB24C6}" type="datetimeFigureOut">
+              <a:rPr lang="en-US" smtClean="0"/>
+              <a:t>12/7/2016</a:t>
+            </a:fld>
+            <a:endParaRPr lang="en-US"/>
+          </a:p>
+        </p:txBody>
+      </p:sp>
+      <p:sp>
+        <p:nvSpPr>
+          <p:cNvPr id="6" name="Footer Placeholder 5"/>
+          <p:cNvSpPr>
+            <a:spLocks noGrp="1"/>
+          </p:cNvSpPr>
+          <p:nvPr>
+            <p:ph type="ftr" sz="quarter" idx="11"/>
+          </p:nvPr>
+        </p:nvSpPr>
+        <p:spPr/>
+        <p:txBody>
+          <a:bodyPr/>
+          <a:lstStyle/>
+          <a:p>
+            <a:endParaRPr lang="en-US"/>
+          </a:p>
+        </p:txBody>
+      </p:sp>
+      <p:sp>
+        <p:nvSpPr>
+          <p:cNvPr id="7" name="Slide Number Placeholder 6"/>
+          <p:cNvSpPr>
+            <a:spLocks noGrp="1"/>
+          </p:cNvSpPr>
+          <p:nvPr>
+            <p:ph type="sldNum" sz="quarter" idx="12"/>
+          </p:nvPr>
+        </p:nvSpPr>
+        <p:spPr/>
+        <p:txBody>
+          <a:bodyPr/>
+          <a:lstStyle/>
+          <a:p>
+            <a:fld id="{5D4C645C-79E0-422E-B13A-BEF7109FA0D3}" type="slidenum">
+              <a:rPr lang="en-US" smtClean="0"/>
+              <a:t>‹#›</a:t>
+            </a:fld>
+            <a:endParaRPr lang="en-US"/>
+          </a:p>
+        </p:txBody>
+      </p:sp>
+    </p:spTree>
+    <p:extLst>
+      <p:ext uri="{BB962C8B-B14F-4D97-AF65-F5344CB8AC3E}">
+        <p14:creationId xmlns:p14="http://schemas.microsoft.com/office/powerpoint/2010/main" val="1015466606"/>
+      </p:ext>
+    </p:extLst>
+  </p:cSld>
+  <p:clrMapOvr>
+    <a:masterClrMapping/>
+  </p:clrMapOvr>
+</p:sldLayout>
+</file>
+
+<file path=ppt/slideLayouts/slideLayout11.xml><?xml version="1.0" encoding="utf-8"?>
+<p:sldLayout xmlns:a="http://schemas.openxmlformats.org/drawingml/2006/main" xmlns:r="http://schemas.openxmlformats.org/officeDocument/2006/relationships" xmlns:p="http://schemas.openxmlformats.org/presentationml/2006/main" preserve="1">
+  <p:cSld name="Title and Caption">
+    <p:spTree>
+      <p:nvGrpSpPr>
+        <p:cNvPr id="1" name=""/>
+        <p:cNvGrpSpPr/>
+        <p:nvPr/>
+      </p:nvGrpSpPr>
+      <p:grpSpPr>
+        <a:xfrm>
+          <a:off x="0" y="0"/>
+          <a:ext cx="0" cy="0"/>
+          <a:chOff x="0" y="0"/>
+          <a:chExt cx="0" cy="0"/>
+        </a:xfrm>
+      </p:grpSpPr>
+      <p:sp>
+        <p:nvSpPr>
+          <p:cNvPr id="2" name="Title 1"/>
+          <p:cNvSpPr>
+            <a:spLocks noGrp="1"/>
+          </p:cNvSpPr>
+          <p:nvPr>
+            <p:ph type="title"/>
+          </p:nvPr>
+        </p:nvSpPr>
+        <p:spPr>
+          <a:xfrm>
+            <a:off x="1154954" y="1447800"/>
+            <a:ext cx="8825659" cy="1981200"/>
+          </a:xfrm>
+        </p:spPr>
+        <p:txBody>
+          <a:bodyPr/>
+          <a:lstStyle>
+            <a:lvl1pPr>
+              <a:defRPr sz="4800"/>
+            </a:lvl1pPr>
+          </a:lstStyle>
+          <a:p>
+            <a:r>
+              <a:rPr lang="en-US" smtClean="0"/>
+              <a:t>Click to edit Master title style</a:t>
+            </a:r>
+            <a:endParaRPr lang="en-US" dirty="0"/>
+          </a:p>
+        </p:txBody>
+      </p:sp>
+      <p:sp>
+        <p:nvSpPr>
+          <p:cNvPr id="8" name="Text Placeholder 3"/>
+          <p:cNvSpPr>
+            <a:spLocks noGrp="1"/>
+          </p:cNvSpPr>
+          <p:nvPr>
+            <p:ph type="body" sz="half" idx="2"/>
+          </p:nvPr>
+        </p:nvSpPr>
+        <p:spPr>
+          <a:xfrm>
+            <a:off x="1154954" y="3657600"/>
+            <a:ext cx="8825659" cy="2362200"/>
+          </a:xfrm>
+        </p:spPr>
+        <p:txBody>
+          <a:bodyPr anchor="ctr">
+            <a:normAutofit/>
+          </a:bodyPr>
+          <a:lstStyle>
+            <a:lvl1pPr marL="0" indent="0">
+              <a:buNone/>
+              <a:defRPr sz="1800"/>
+            </a:lvl1pPr>
+            <a:lvl2pPr marL="457200" indent="0">
+              <a:buNone/>
+              <a:defRPr sz="1200"/>
+            </a:lvl2pPr>
+            <a:lvl3pPr marL="914400" indent="0">
+              <a:buNone/>
+              <a:defRPr sz="1000"/>
+            </a:lvl3pPr>
+            <a:lvl4pPr marL="1371600" indent="0">
+              <a:buNone/>
+              <a:defRPr sz="900"/>
+            </a:lvl4pPr>
+            <a:lvl5pPr marL="1828800" indent="0">
+              <a:buNone/>
+              <a:defRPr sz="900"/>
+            </a:lvl5pPr>
+            <a:lvl6pPr marL="2286000" indent="0">
+              <a:buNone/>
+              <a:defRPr sz="900"/>
+            </a:lvl6pPr>
+            <a:lvl7pPr marL="2743200" indent="0">
+              <a:buNone/>
+              <a:defRPr sz="900"/>
+            </a:lvl7pPr>
+            <a:lvl8pPr marL="3200400" indent="0">
+              <a:buNone/>
+              <a:defRPr sz="900"/>
+            </a:lvl8pPr>
+            <a:lvl9pPr marL="3657600" indent="0">
+              <a:buNone/>
+              <a:defRPr sz="900"/>
+            </a:lvl9pPr>
+          </a:lstStyle>
+          <a:p>
+            <a:pPr lvl="0"/>
+            <a:r>
+              <a:rPr lang="en-US" smtClean="0"/>
+              <a:t>Click to edit Master text styles</a:t>
+            </a:r>
+          </a:p>
+        </p:txBody>
+      </p:sp>
+      <p:sp>
+        <p:nvSpPr>
+          <p:cNvPr id="4" name="Date Placeholder 3"/>
+          <p:cNvSpPr>
+            <a:spLocks noGrp="1"/>
+          </p:cNvSpPr>
+          <p:nvPr>
+            <p:ph type="dt" sz="half" idx="10"/>
+          </p:nvPr>
+        </p:nvSpPr>
+        <p:spPr/>
+        <p:txBody>
+          <a:bodyPr/>
+          <a:lstStyle/>
+          <a:p>
+            <a:fld id="{C774F0DE-A2F5-41DA-B85A-E3B3E8CB24C6}" type="datetimeFigureOut">
+              <a:rPr lang="en-US" smtClean="0"/>
+              <a:t>12/7/2016</a:t>
+            </a:fld>
+            <a:endParaRPr lang="en-US"/>
+          </a:p>
+        </p:txBody>
+      </p:sp>
+      <p:sp>
+        <p:nvSpPr>
+          <p:cNvPr id="5" name="Footer Placeholder 4"/>
+          <p:cNvSpPr>
+            <a:spLocks noGrp="1"/>
+          </p:cNvSpPr>
+          <p:nvPr>
+            <p:ph type="ftr" sz="quarter" idx="11"/>
+          </p:nvPr>
+        </p:nvSpPr>
+        <p:spPr/>
+        <p:txBody>
+          <a:bodyPr/>
+          <a:lstStyle/>
+          <a:p>
+            <a:endParaRPr lang="en-US"/>
+          </a:p>
+        </p:txBody>
+      </p:sp>
+      <p:sp>
+        <p:nvSpPr>
+          <p:cNvPr id="6" name="Slide Number Placeholder 5"/>
+          <p:cNvSpPr>
+            <a:spLocks noGrp="1"/>
+          </p:cNvSpPr>
+          <p:nvPr>
+            <p:ph type="sldNum" sz="quarter" idx="12"/>
+          </p:nvPr>
+        </p:nvSpPr>
+        <p:spPr/>
+        <p:txBody>
+          <a:bodyPr/>
+          <a:lstStyle/>
+          <a:p>
+            <a:fld id="{5D4C645C-79E0-422E-B13A-BEF7109FA0D3}" type="slidenum">
+              <a:rPr lang="en-US" smtClean="0"/>
+              <a:t>‹#›</a:t>
+            </a:fld>
+            <a:endParaRPr lang="en-US"/>
+          </a:p>
+        </p:txBody>
+      </p:sp>
+    </p:spTree>
+    <p:extLst>
+      <p:ext uri="{BB962C8B-B14F-4D97-AF65-F5344CB8AC3E}">
+        <p14:creationId xmlns:p14="http://schemas.microsoft.com/office/powerpoint/2010/main" val="4049219302"/>
+      </p:ext>
+    </p:extLst>
+  </p:cSld>
+  <p:clrMapOvr>
+    <a:masterClrMapping/>
+  </p:clrMapOvr>
+</p:sldLayout>
+</file>
+
+<file path=ppt/slideLayouts/slideLayout12.xml><?xml version="1.0" encoding="utf-8"?>
+<p:sldLayout xmlns:a="http://schemas.openxmlformats.org/drawingml/2006/main" xmlns:r="http://schemas.openxmlformats.org/officeDocument/2006/relationships" xmlns:p="http://schemas.openxmlformats.org/presentationml/2006/main" preserve="1">
+  <p:cSld name="Quote with Caption">
+    <p:spTree>
+      <p:nvGrpSpPr>
+        <p:cNvPr id="1" name=""/>
+        <p:cNvGrpSpPr/>
+        <p:nvPr/>
+      </p:nvGrpSpPr>
+      <p:grpSpPr>
+        <a:xfrm>
+          <a:off x="0" y="0"/>
+          <a:ext cx="0" cy="0"/>
+          <a:chOff x="0" y="0"/>
+          <a:chExt cx="0" cy="0"/>
+        </a:xfrm>
+      </p:grpSpPr>
+      <p:sp>
+        <p:nvSpPr>
+          <p:cNvPr id="2" name="Title 1"/>
+          <p:cNvSpPr>
+            <a:spLocks noGrp="1"/>
+          </p:cNvSpPr>
+          <p:nvPr>
+            <p:ph type="title"/>
+          </p:nvPr>
+        </p:nvSpPr>
+        <p:spPr>
+          <a:xfrm>
+            <a:off x="1574801" y="1447800"/>
+            <a:ext cx="7999315" cy="2323374"/>
+          </a:xfrm>
+        </p:spPr>
+        <p:txBody>
+          <a:bodyPr/>
+          <a:lstStyle>
+            <a:lvl1pPr>
+              <a:defRPr sz="4800"/>
+            </a:lvl1pPr>
+          </a:lstStyle>
+          <a:p>
+            <a:r>
+              <a:rPr lang="en-US" smtClean="0"/>
+              <a:t>Click to edit Master title style</a:t>
+            </a:r>
+            <a:endParaRPr lang="en-US" dirty="0"/>
+          </a:p>
+        </p:txBody>
+      </p:sp>
+      <p:sp>
+        <p:nvSpPr>
+          <p:cNvPr id="14" name="Text Placeholder 3"/>
+          <p:cNvSpPr>
+            <a:spLocks noGrp="1"/>
+          </p:cNvSpPr>
+          <p:nvPr>
+            <p:ph type="body" sz="half" idx="13"/>
+          </p:nvPr>
+        </p:nvSpPr>
+        <p:spPr>
+          <a:xfrm>
+            <a:off x="1930400" y="3771174"/>
+            <a:ext cx="7279649" cy="342174"/>
+          </a:xfrm>
+        </p:spPr>
+        <p:txBody>
+          <a:bodyPr anchor="t">
+            <a:normAutofit/>
+          </a:bodyPr>
+          <a:lstStyle>
+            <a:lvl1pPr marL="0" indent="0">
+              <a:buNone/>
+              <a:defRPr lang="en-US" sz="1400" b="0" i="0" kern="1200" cap="small" dirty="0">
+                <a:solidFill>
+                  <a:schemeClr val="accent1"/>
+                </a:solidFill>
+                <a:latin typeface="+mj-lt"/>
+                <a:ea typeface="+mj-ea"/>
+                <a:cs typeface="+mj-cs"/>
+              </a:defRPr>
+            </a:lvl1pPr>
+            <a:lvl2pPr marL="457200" indent="0">
+              <a:buNone/>
+              <a:defRPr sz="1200"/>
+            </a:lvl2pPr>
+            <a:lvl3pPr marL="914400" indent="0">
+              <a:buNone/>
+              <a:defRPr sz="1000"/>
+            </a:lvl3pPr>
+            <a:lvl4pPr marL="1371600" indent="0">
+              <a:buNone/>
+              <a:defRPr sz="900"/>
+            </a:lvl4pPr>
+            <a:lvl5pPr marL="1828800" indent="0">
+              <a:buNone/>
+              <a:defRPr sz="900"/>
+            </a:lvl5pPr>
+            <a:lvl6pPr marL="2286000" indent="0">
+              <a:buNone/>
+              <a:defRPr sz="900"/>
+            </a:lvl6pPr>
+            <a:lvl7pPr marL="2743200" indent="0">
+              <a:buNone/>
+              <a:defRPr sz="900"/>
+            </a:lvl7pPr>
+            <a:lvl8pPr marL="3200400" indent="0">
+              <a:buNone/>
+              <a:defRPr sz="900"/>
+            </a:lvl8pPr>
+            <a:lvl9pPr marL="3657600" indent="0">
+              <a:buNone/>
+              <a:defRPr sz="900"/>
+            </a:lvl9pPr>
+          </a:lstStyle>
+          <a:p>
+            <a:pPr lvl="0"/>
+            <a:r>
+              <a:rPr lang="en-US" smtClean="0"/>
+              <a:t>Click to edit Master text styles</a:t>
+            </a:r>
+          </a:p>
+        </p:txBody>
+      </p:sp>
+      <p:sp>
+        <p:nvSpPr>
+          <p:cNvPr id="10" name="Text Placeholder 3"/>
+          <p:cNvSpPr>
+            <a:spLocks noGrp="1"/>
+          </p:cNvSpPr>
+          <p:nvPr>
+            <p:ph type="body" sz="half" idx="2"/>
+          </p:nvPr>
+        </p:nvSpPr>
+        <p:spPr>
+          <a:xfrm>
+            <a:off x="1154954" y="4350657"/>
+            <a:ext cx="8825659" cy="1676400"/>
+          </a:xfrm>
+        </p:spPr>
+        <p:txBody>
+          <a:bodyPr anchor="ctr">
+            <a:normAutofit/>
+          </a:bodyPr>
+          <a:lstStyle>
+            <a:lvl1pPr marL="0" indent="0">
+              <a:buNone/>
+              <a:defRPr sz="1800"/>
+            </a:lvl1pPr>
+            <a:lvl2pPr marL="457200" indent="0">
+              <a:buNone/>
+              <a:defRPr sz="1200"/>
+            </a:lvl2pPr>
+            <a:lvl3pPr marL="914400" indent="0">
+              <a:buNone/>
+              <a:defRPr sz="1000"/>
+            </a:lvl3pPr>
+            <a:lvl4pPr marL="1371600" indent="0">
+              <a:buNone/>
+              <a:defRPr sz="900"/>
+            </a:lvl4pPr>
+            <a:lvl5pPr marL="1828800" indent="0">
+              <a:buNone/>
+              <a:defRPr sz="900"/>
+            </a:lvl5pPr>
+            <a:lvl6pPr marL="2286000" indent="0">
+              <a:buNone/>
+              <a:defRPr sz="900"/>
+            </a:lvl6pPr>
+            <a:lvl7pPr marL="2743200" indent="0">
+              <a:buNone/>
+              <a:defRPr sz="900"/>
+            </a:lvl7pPr>
+            <a:lvl8pPr marL="3200400" indent="0">
+              <a:buNone/>
+              <a:defRPr sz="900"/>
+            </a:lvl8pPr>
+            <a:lvl9pPr marL="3657600" indent="0">
+              <a:buNone/>
+              <a:defRPr sz="900"/>
+            </a:lvl9pPr>
+          </a:lstStyle>
+          <a:p>
+            <a:pPr lvl="0"/>
+            <a:r>
+              <a:rPr lang="en-US" smtClean="0"/>
+              <a:t>Click to edit Master text styles</a:t>
+            </a:r>
+          </a:p>
+        </p:txBody>
+      </p:sp>
+      <p:sp>
+        <p:nvSpPr>
+          <p:cNvPr id="4" name="Date Placeholder 3"/>
+          <p:cNvSpPr>
+            <a:spLocks noGrp="1"/>
+          </p:cNvSpPr>
+          <p:nvPr>
+            <p:ph type="dt" sz="half" idx="10"/>
+          </p:nvPr>
+        </p:nvSpPr>
+        <p:spPr/>
+        <p:txBody>
+          <a:bodyPr/>
+          <a:lstStyle/>
+          <a:p>
+            <a:fld id="{C774F0DE-A2F5-41DA-B85A-E3B3E8CB24C6}" type="datetimeFigureOut">
+              <a:rPr lang="en-US" smtClean="0"/>
+              <a:t>12/7/2016</a:t>
+            </a:fld>
+            <a:endParaRPr lang="en-US"/>
+          </a:p>
+        </p:txBody>
+      </p:sp>
+      <p:sp>
+        <p:nvSpPr>
+          <p:cNvPr id="5" name="Footer Placeholder 4"/>
+          <p:cNvSpPr>
+            <a:spLocks noGrp="1"/>
+          </p:cNvSpPr>
+          <p:nvPr>
+            <p:ph type="ftr" sz="quarter" idx="11"/>
+          </p:nvPr>
+        </p:nvSpPr>
+        <p:spPr/>
+        <p:txBody>
+          <a:bodyPr/>
+          <a:lstStyle/>
+          <a:p>
+            <a:endParaRPr lang="en-US"/>
+          </a:p>
+        </p:txBody>
+      </p:sp>
+      <p:sp>
+        <p:nvSpPr>
+          <p:cNvPr id="6" name="Slide Number Placeholder 5"/>
+          <p:cNvSpPr>
+            <a:spLocks noGrp="1"/>
+          </p:cNvSpPr>
+          <p:nvPr>
+            <p:ph type="sldNum" sz="quarter" idx="12"/>
+          </p:nvPr>
+        </p:nvSpPr>
+        <p:spPr/>
+        <p:txBody>
+          <a:bodyPr/>
+          <a:lstStyle/>
+          <a:p>
+            <a:fld id="{5D4C645C-79E0-422E-B13A-BEF7109FA0D3}" type="slidenum">
+              <a:rPr lang="en-US" smtClean="0"/>
+              <a:t>‹#›</a:t>
+            </a:fld>
+            <a:endParaRPr lang="en-US"/>
+          </a:p>
+        </p:txBody>
+      </p:sp>
+      <p:sp>
+        <p:nvSpPr>
+          <p:cNvPr id="9" name="TextBox 8"/>
+          <p:cNvSpPr txBox="1"/>
+          <p:nvPr/>
+        </p:nvSpPr>
+        <p:spPr>
+          <a:xfrm>
+            <a:off x="898295" y="971253"/>
+            <a:ext cx="801912" cy="1969770"/>
+          </a:xfrm>
+          <a:prstGeom prst="rect">
+            <a:avLst/>
+          </a:prstGeom>
+          <a:noFill/>
+        </p:spPr>
+        <p:txBody>
+          <a:bodyPr wrap="square" rtlCol="0">
+            <a:spAutoFit/>
+          </a:bodyPr>
+          <a:lstStyle>
+            <a:defPPr>
+              <a:defRPr lang="en-US"/>
+            </a:defPPr>
+            <a:lvl1pPr algn="r">
+              <a:defRPr sz="12200" b="0" i="0">
+                <a:solidFill>
+                  <a:schemeClr val="accent1"/>
+                </a:solidFill>
+                <a:latin typeface="Arial"/>
+                <a:ea typeface="+mj-ea"/>
+                <a:cs typeface="+mj-cs"/>
+              </a:defRPr>
+            </a:lvl1pPr>
+          </a:lstStyle>
+          <a:p>
+            <a:pPr lvl="0"/>
+            <a:r>
+              <a:rPr lang="en-US" dirty="0"/>
+              <a:t>“</a:t>
+            </a:r>
+          </a:p>
+        </p:txBody>
+      </p:sp>
+      <p:sp>
+        <p:nvSpPr>
+          <p:cNvPr id="13" name="TextBox 12"/>
+          <p:cNvSpPr txBox="1"/>
+          <p:nvPr/>
+        </p:nvSpPr>
+        <p:spPr>
+          <a:xfrm>
+            <a:off x="9330490" y="2613787"/>
+            <a:ext cx="801912" cy="1969770"/>
+          </a:xfrm>
+          <a:prstGeom prst="rect">
+            <a:avLst/>
+          </a:prstGeom>
+          <a:noFill/>
+        </p:spPr>
+        <p:txBody>
+          <a:bodyPr wrap="square" rtlCol="0">
+            <a:spAutoFit/>
+          </a:bodyPr>
+          <a:lstStyle>
+            <a:defPPr>
+              <a:defRPr lang="en-US"/>
+            </a:defPPr>
+            <a:lvl1pPr algn="r">
+              <a:defRPr sz="12200" b="0" i="0">
+                <a:solidFill>
+                  <a:schemeClr val="accent1"/>
+                </a:solidFill>
+                <a:latin typeface="Arial"/>
+                <a:ea typeface="+mj-ea"/>
+                <a:cs typeface="+mj-cs"/>
+              </a:defRPr>
+            </a:lvl1pPr>
+          </a:lstStyle>
+          <a:p>
+            <a:pPr lvl="0"/>
+            <a:r>
+              <a:rPr lang="en-US" dirty="0"/>
+              <a:t>”</a:t>
+            </a:r>
+          </a:p>
+        </p:txBody>
+      </p:sp>
+    </p:spTree>
+    <p:extLst>
+      <p:ext uri="{BB962C8B-B14F-4D97-AF65-F5344CB8AC3E}">
+        <p14:creationId xmlns:p14="http://schemas.microsoft.com/office/powerpoint/2010/main" val="793302753"/>
+      </p:ext>
+    </p:extLst>
+  </p:cSld>
+  <p:clrMapOvr>
+    <a:masterClrMapping/>
+  </p:clrMapOvr>
+</p:sldLayout>
+</file>
+
+<file path=ppt/slideLayouts/slideLayout13.xml><?xml version="1.0" encoding="utf-8"?>
+<p:sldLayout xmlns:a="http://schemas.openxmlformats.org/drawingml/2006/main" xmlns:r="http://schemas.openxmlformats.org/officeDocument/2006/relationships" xmlns:p="http://schemas.openxmlformats.org/presentationml/2006/main" preserve="1">
+  <p:cSld name="Name Card">
+    <p:spTree>
+      <p:nvGrpSpPr>
+        <p:cNvPr id="1" name=""/>
+        <p:cNvGrpSpPr/>
+        <p:nvPr/>
+      </p:nvGrpSpPr>
+      <p:grpSpPr>
+        <a:xfrm>
+          <a:off x="0" y="0"/>
+          <a:ext cx="0" cy="0"/>
+          <a:chOff x="0" y="0"/>
+          <a:chExt cx="0" cy="0"/>
+        </a:xfrm>
+      </p:grpSpPr>
+      <p:sp>
+        <p:nvSpPr>
+          <p:cNvPr id="2" name="Title 1"/>
+          <p:cNvSpPr>
+            <a:spLocks noGrp="1"/>
+          </p:cNvSpPr>
+          <p:nvPr>
+            <p:ph type="title"/>
+          </p:nvPr>
+        </p:nvSpPr>
+        <p:spPr>
+          <a:xfrm>
+            <a:off x="1154954" y="3124201"/>
+            <a:ext cx="8825660" cy="1653180"/>
+          </a:xfrm>
+        </p:spPr>
+        <p:txBody>
+          <a:bodyPr anchor="b"/>
+          <a:lstStyle>
+            <a:lvl1pPr algn="l">
+              <a:defRPr sz="4000" b="0" cap="none"/>
+            </a:lvl1pPr>
+          </a:lstStyle>
+          <a:p>
+            <a:r>
+              <a:rPr lang="en-US" smtClean="0"/>
+              <a:t>Click to edit Master title style</a:t>
+            </a:r>
+            <a:endParaRPr lang="en-US" dirty="0"/>
+          </a:p>
+        </p:txBody>
+      </p:sp>
+      <p:sp>
+        <p:nvSpPr>
+          <p:cNvPr id="3" name="Text Placeholder 2"/>
+          <p:cNvSpPr>
+            <a:spLocks noGrp="1"/>
+          </p:cNvSpPr>
+          <p:nvPr>
+            <p:ph type="body" idx="1"/>
+          </p:nvPr>
+        </p:nvSpPr>
+        <p:spPr>
+          <a:xfrm>
+            <a:off x="1154954" y="4777381"/>
+            <a:ext cx="8825659" cy="860400"/>
+          </a:xfrm>
+        </p:spPr>
+        <p:txBody>
+          <a:bodyPr anchor="t"/>
+          <a:lstStyle>
+            <a:lvl1pPr marL="0" indent="0" algn="l">
+              <a:buNone/>
+              <a:defRPr sz="2000" cap="none">
+                <a:solidFill>
+                  <a:schemeClr val="accent1"/>
+                </a:solidFill>
+              </a:defRPr>
+            </a:lvl1pPr>
+            <a:lvl2pPr marL="457200" indent="0">
+              <a:buNone/>
+              <a:defRPr sz="1800">
+                <a:solidFill>
+                  <a:schemeClr val="tx1">
+                    <a:tint val="75000"/>
+                  </a:schemeClr>
+                </a:solidFill>
+              </a:defRPr>
+            </a:lvl2pPr>
+            <a:lvl3pPr marL="914400" indent="0">
+              <a:buNone/>
+              <a:defRPr sz="1600">
+                <a:solidFill>
+                  <a:schemeClr val="tx1">
+                    <a:tint val="75000"/>
+                  </a:schemeClr>
+                </a:solidFill>
+              </a:defRPr>
+            </a:lvl3pPr>
+            <a:lvl4pPr marL="1371600" indent="0">
+              <a:buNone/>
+              <a:defRPr sz="1400">
+                <a:solidFill>
+                  <a:schemeClr val="tx1">
+                    <a:tint val="75000"/>
+                  </a:schemeClr>
+                </a:solidFill>
+              </a:defRPr>
+            </a:lvl4pPr>
+            <a:lvl5pPr marL="1828800" indent="0">
+              <a:buNone/>
+              <a:defRPr sz="1400">
+                <a:solidFill>
+                  <a:schemeClr val="tx1">
+                    <a:tint val="75000"/>
+                  </a:schemeClr>
+                </a:solidFill>
+              </a:defRPr>
+            </a:lvl5pPr>
+            <a:lvl6pPr marL="2286000" indent="0">
+              <a:buNone/>
+              <a:defRPr sz="1400">
+                <a:solidFill>
+                  <a:schemeClr val="tx1">
+                    <a:tint val="75000"/>
+                  </a:schemeClr>
+                </a:solidFill>
+              </a:defRPr>
+            </a:lvl6pPr>
+            <a:lvl7pPr marL="2743200" indent="0">
+              <a:buNone/>
+              <a:defRPr sz="1400">
+                <a:solidFill>
+                  <a:schemeClr val="tx1">
+                    <a:tint val="75000"/>
+                  </a:schemeClr>
+                </a:solidFill>
+              </a:defRPr>
+            </a:lvl7pPr>
+            <a:lvl8pPr marL="3200400" indent="0">
+              <a:buNone/>
+              <a:defRPr sz="1400">
+                <a:solidFill>
+                  <a:schemeClr val="tx1">
+                    <a:tint val="75000"/>
+                  </a:schemeClr>
+                </a:solidFill>
+              </a:defRPr>
+            </a:lvl8pPr>
+            <a:lvl9pPr marL="3657600" indent="0">
+              <a:buNone/>
+              <a:defRPr sz="1400">
+                <a:solidFill>
+                  <a:schemeClr val="tx1">
+                    <a:tint val="75000"/>
+                  </a:schemeClr>
+                </a:solidFill>
+              </a:defRPr>
+            </a:lvl9pPr>
+          </a:lstStyle>
+          <a:p>
+            <a:pPr lvl="0"/>
+            <a:r>
+              <a:rPr lang="en-US" smtClean="0"/>
+              <a:t>Click to edit Master text styles</a:t>
+            </a:r>
+          </a:p>
+        </p:txBody>
+      </p:sp>
+      <p:sp>
+        <p:nvSpPr>
+          <p:cNvPr id="4" name="Date Placeholder 3"/>
+          <p:cNvSpPr>
+            <a:spLocks noGrp="1"/>
+          </p:cNvSpPr>
+          <p:nvPr>
+            <p:ph type="dt" sz="half" idx="10"/>
+          </p:nvPr>
+        </p:nvSpPr>
+        <p:spPr/>
+        <p:txBody>
+          <a:bodyPr/>
+          <a:lstStyle/>
+          <a:p>
+            <a:fld id="{C774F0DE-A2F5-41DA-B85A-E3B3E8CB24C6}" type="datetimeFigureOut">
+              <a:rPr lang="en-US" smtClean="0"/>
+              <a:t>12/7/2016</a:t>
+            </a:fld>
+            <a:endParaRPr lang="en-US"/>
+          </a:p>
+        </p:txBody>
+      </p:sp>
+      <p:sp>
+        <p:nvSpPr>
+          <p:cNvPr id="5" name="Footer Placeholder 4"/>
+          <p:cNvSpPr>
+            <a:spLocks noGrp="1"/>
+          </p:cNvSpPr>
+          <p:nvPr>
+            <p:ph type="ftr" sz="quarter" idx="11"/>
+          </p:nvPr>
+        </p:nvSpPr>
+        <p:spPr/>
+        <p:txBody>
+          <a:bodyPr/>
+          <a:lstStyle/>
+          <a:p>
+            <a:endParaRPr lang="en-US"/>
+          </a:p>
+        </p:txBody>
+      </p:sp>
+      <p:sp>
+        <p:nvSpPr>
+          <p:cNvPr id="6" name="Slide Number Placeholder 5"/>
+          <p:cNvSpPr>
+            <a:spLocks noGrp="1"/>
+          </p:cNvSpPr>
+          <p:nvPr>
+            <p:ph type="sldNum" sz="quarter" idx="12"/>
+          </p:nvPr>
+        </p:nvSpPr>
+        <p:spPr/>
+        <p:txBody>
+          <a:bodyPr/>
+          <a:lstStyle/>
+          <a:p>
+            <a:fld id="{5D4C645C-79E0-422E-B13A-BEF7109FA0D3}" type="slidenum">
+              <a:rPr lang="en-US" smtClean="0"/>
+              <a:t>‹#›</a:t>
+            </a:fld>
+            <a:endParaRPr lang="en-US"/>
+          </a:p>
+        </p:txBody>
+      </p:sp>
+    </p:spTree>
+    <p:extLst>
+      <p:ext uri="{BB962C8B-B14F-4D97-AF65-F5344CB8AC3E}">
+        <p14:creationId xmlns:p14="http://schemas.microsoft.com/office/powerpoint/2010/main" val="333218932"/>
+      </p:ext>
+    </p:extLst>
+  </p:cSld>
+  <p:clrMapOvr>
+    <a:masterClrMapping/>
+  </p:clrMapOvr>
+</p:sldLayout>
+</file>
+
+<file path=ppt/slideLayouts/slideLayout14.xml><?xml version="1.0" encoding="utf-8"?>
+<p:sldLayout xmlns:a="http://schemas.openxmlformats.org/drawingml/2006/main" xmlns:r="http://schemas.openxmlformats.org/officeDocument/2006/relationships" xmlns:p="http://schemas.openxmlformats.org/presentationml/2006/main" preserve="1">
+  <p:cSld name="3 Column">
+    <p:spTree>
+      <p:nvGrpSpPr>
+        <p:cNvPr id="1" name=""/>
+        <p:cNvGrpSpPr/>
+        <p:nvPr/>
+      </p:nvGrpSpPr>
+      <p:grpSpPr>
+        <a:xfrm>
+          <a:off x="0" y="0"/>
+          <a:ext cx="0" cy="0"/>
+          <a:chOff x="0" y="0"/>
+          <a:chExt cx="0" cy="0"/>
+        </a:xfrm>
+      </p:grpSpPr>
+      <p:sp>
+        <p:nvSpPr>
+          <p:cNvPr id="2" name="Title 1"/>
+          <p:cNvSpPr>
+            <a:spLocks noGrp="1"/>
+          </p:cNvSpPr>
+          <p:nvPr>
+            <p:ph type="title"/>
+          </p:nvPr>
+        </p:nvSpPr>
+        <p:spPr/>
+        <p:txBody>
+          <a:bodyPr/>
+          <a:lstStyle>
+            <a:lvl1pPr>
+              <a:defRPr sz="4200"/>
+            </a:lvl1pPr>
+          </a:lstStyle>
+          <a:p>
+            <a:r>
+              <a:rPr lang="en-US" smtClean="0"/>
+              <a:t>Click to edit Master title style</a:t>
+            </a:r>
+            <a:endParaRPr lang="en-US" dirty="0"/>
+          </a:p>
+        </p:txBody>
+      </p:sp>
+      <p:sp>
+        <p:nvSpPr>
+          <p:cNvPr id="3" name="Text Placeholder 2"/>
+          <p:cNvSpPr>
+            <a:spLocks noGrp="1"/>
+          </p:cNvSpPr>
+          <p:nvPr>
+            <p:ph type="body" idx="1"/>
+          </p:nvPr>
+        </p:nvSpPr>
+        <p:spPr>
+          <a:xfrm>
+            <a:off x="632947" y="1981200"/>
+            <a:ext cx="2946866" cy="576262"/>
+          </a:xfrm>
+        </p:spPr>
+        <p:txBody>
+          <a:bodyPr anchor="b">
+            <a:noAutofit/>
+          </a:bodyPr>
+          <a:lstStyle>
+            <a:lvl1pPr marL="0" indent="0">
+              <a:buNone/>
+              <a:defRPr sz="2400" b="0">
+                <a:solidFill>
+                  <a:schemeClr val="accent1"/>
+                </a:solidFill>
+              </a:defRPr>
+            </a:lvl1pPr>
+            <a:lvl2pPr marL="457200" indent="0">
+              <a:buNone/>
+              <a:defRPr sz="2000" b="1"/>
+            </a:lvl2pPr>
+            <a:lvl3pPr marL="914400" indent="0">
+              <a:buNone/>
+              <a:defRPr sz="1800" b="1"/>
+            </a:lvl3pPr>
+            <a:lvl4pPr marL="1371600" indent="0">
+              <a:buNone/>
+              <a:defRPr sz="1600" b="1"/>
+            </a:lvl4pPr>
+            <a:lvl5pPr marL="1828800" indent="0">
+              <a:buNone/>
+              <a:defRPr sz="1600" b="1"/>
+            </a:lvl5pPr>
+            <a:lvl6pPr marL="2286000" indent="0">
+              <a:buNone/>
+              <a:defRPr sz="1600" b="1"/>
+            </a:lvl6pPr>
+            <a:lvl7pPr marL="2743200" indent="0">
+              <a:buNone/>
+              <a:defRPr sz="1600" b="1"/>
+            </a:lvl7pPr>
+            <a:lvl8pPr marL="3200400" indent="0">
+              <a:buNone/>
+              <a:defRPr sz="1600" b="1"/>
+            </a:lvl8pPr>
+            <a:lvl9pPr marL="3657600" indent="0">
+              <a:buNone/>
+              <a:defRPr sz="1600" b="1"/>
+            </a:lvl9pPr>
+          </a:lstStyle>
+          <a:p>
+            <a:pPr lvl="0"/>
+            <a:r>
+              <a:rPr lang="en-US" smtClean="0"/>
+              <a:t>Click to edit Master text styles</a:t>
+            </a:r>
+          </a:p>
+        </p:txBody>
+      </p:sp>
+      <p:sp>
+        <p:nvSpPr>
+          <p:cNvPr id="16" name="Text Placeholder 3"/>
+          <p:cNvSpPr>
+            <a:spLocks noGrp="1"/>
+          </p:cNvSpPr>
+          <p:nvPr>
+            <p:ph type="body" sz="half" idx="15"/>
+          </p:nvPr>
+        </p:nvSpPr>
+        <p:spPr>
+          <a:xfrm>
+            <a:off x="652463" y="2667000"/>
+            <a:ext cx="2927350" cy="3589338"/>
+          </a:xfrm>
+        </p:spPr>
+        <p:txBody>
+          <a:bodyPr anchor="t">
+            <a:normAutofit/>
+          </a:bodyPr>
+          <a:lstStyle>
+            <a:lvl1pPr marL="0" indent="0">
+              <a:buNone/>
+              <a:defRPr sz="1400"/>
+            </a:lvl1pPr>
+            <a:lvl2pPr marL="457200" indent="0">
+              <a:buNone/>
+              <a:defRPr sz="1200"/>
+            </a:lvl2pPr>
+            <a:lvl3pPr marL="914400" indent="0">
+              <a:buNone/>
+              <a:defRPr sz="1000"/>
+            </a:lvl3pPr>
+            <a:lvl4pPr marL="1371600" indent="0">
+              <a:buNone/>
+              <a:defRPr sz="900"/>
+            </a:lvl4pPr>
+            <a:lvl5pPr marL="1828800" indent="0">
+              <a:buNone/>
+              <a:defRPr sz="900"/>
+            </a:lvl5pPr>
+            <a:lvl6pPr marL="2286000" indent="0">
+              <a:buNone/>
+              <a:defRPr sz="900"/>
+            </a:lvl6pPr>
+            <a:lvl7pPr marL="2743200" indent="0">
+              <a:buNone/>
+              <a:defRPr sz="900"/>
+            </a:lvl7pPr>
+            <a:lvl8pPr marL="3200400" indent="0">
+              <a:buNone/>
+              <a:defRPr sz="900"/>
+            </a:lvl8pPr>
+            <a:lvl9pPr marL="3657600" indent="0">
+              <a:buNone/>
+              <a:defRPr sz="900"/>
+            </a:lvl9pPr>
+          </a:lstStyle>
+          <a:p>
+            <a:pPr lvl="0"/>
+            <a:r>
+              <a:rPr lang="en-US" smtClean="0"/>
+              <a:t>Click to edit Master text styles</a:t>
+            </a:r>
+          </a:p>
+        </p:txBody>
+      </p:sp>
+      <p:sp>
+        <p:nvSpPr>
+          <p:cNvPr id="5" name="Text Placeholder 4"/>
+          <p:cNvSpPr>
+            <a:spLocks noGrp="1"/>
+          </p:cNvSpPr>
+          <p:nvPr>
+            <p:ph type="body" sz="quarter" idx="3"/>
+          </p:nvPr>
+        </p:nvSpPr>
+        <p:spPr>
+          <a:xfrm>
+            <a:off x="3883659" y="1981200"/>
+            <a:ext cx="2936241" cy="576262"/>
+          </a:xfrm>
+        </p:spPr>
+        <p:txBody>
+          <a:bodyPr anchor="b">
+            <a:noAutofit/>
+          </a:bodyPr>
+          <a:lstStyle>
+            <a:lvl1pPr marL="0" indent="0">
+              <a:buNone/>
+              <a:defRPr sz="2400" b="0">
+                <a:solidFill>
+                  <a:schemeClr val="accent1"/>
+                </a:solidFill>
+              </a:defRPr>
+            </a:lvl1pPr>
+            <a:lvl2pPr marL="457200" indent="0">
+              <a:buNone/>
+              <a:defRPr sz="2000" b="1"/>
+            </a:lvl2pPr>
+            <a:lvl3pPr marL="914400" indent="0">
+              <a:buNone/>
+              <a:defRPr sz="1800" b="1"/>
+            </a:lvl3pPr>
+            <a:lvl4pPr marL="1371600" indent="0">
+              <a:buNone/>
+              <a:defRPr sz="1600" b="1"/>
+            </a:lvl4pPr>
+            <a:lvl5pPr marL="1828800" indent="0">
+              <a:buNone/>
+              <a:defRPr sz="1600" b="1"/>
+            </a:lvl5pPr>
+            <a:lvl6pPr marL="2286000" indent="0">
+              <a:buNone/>
+              <a:defRPr sz="1600" b="1"/>
+            </a:lvl6pPr>
+            <a:lvl7pPr marL="2743200" indent="0">
+              <a:buNone/>
+              <a:defRPr sz="1600" b="1"/>
+            </a:lvl7pPr>
+            <a:lvl8pPr marL="3200400" indent="0">
+              <a:buNone/>
+              <a:defRPr sz="1600" b="1"/>
+            </a:lvl8pPr>
+            <a:lvl9pPr marL="3657600" indent="0">
+              <a:buNone/>
+              <a:defRPr sz="1600" b="1"/>
+            </a:lvl9pPr>
+          </a:lstStyle>
+          <a:p>
+            <a:pPr lvl="0"/>
+            <a:r>
+              <a:rPr lang="en-US" smtClean="0"/>
+              <a:t>Click to edit Master text styles</a:t>
+            </a:r>
+          </a:p>
+        </p:txBody>
+      </p:sp>
+      <p:sp>
+        <p:nvSpPr>
+          <p:cNvPr id="19" name="Text Placeholder 3"/>
+          <p:cNvSpPr>
+            <a:spLocks noGrp="1"/>
+          </p:cNvSpPr>
+          <p:nvPr>
+            <p:ph type="body" sz="half" idx="16"/>
+          </p:nvPr>
+        </p:nvSpPr>
+        <p:spPr>
+          <a:xfrm>
+            <a:off x="3873106" y="2667000"/>
+            <a:ext cx="2946794" cy="3589338"/>
+          </a:xfrm>
+        </p:spPr>
+        <p:txBody>
+          <a:bodyPr anchor="t">
+            <a:normAutofit/>
+          </a:bodyPr>
+          <a:lstStyle>
+            <a:lvl1pPr marL="0" indent="0">
+              <a:buNone/>
+              <a:defRPr sz="1400"/>
+            </a:lvl1pPr>
+            <a:lvl2pPr marL="457200" indent="0">
+              <a:buNone/>
+              <a:defRPr sz="1200"/>
+            </a:lvl2pPr>
+            <a:lvl3pPr marL="914400" indent="0">
+              <a:buNone/>
+              <a:defRPr sz="1000"/>
+            </a:lvl3pPr>
+            <a:lvl4pPr marL="1371600" indent="0">
+              <a:buNone/>
+              <a:defRPr sz="900"/>
+            </a:lvl4pPr>
+            <a:lvl5pPr marL="1828800" indent="0">
+              <a:buNone/>
+              <a:defRPr sz="900"/>
+            </a:lvl5pPr>
+            <a:lvl6pPr marL="2286000" indent="0">
+              <a:buNone/>
+              <a:defRPr sz="900"/>
+            </a:lvl6pPr>
+            <a:lvl7pPr marL="2743200" indent="0">
+              <a:buNone/>
+              <a:defRPr sz="900"/>
+            </a:lvl7pPr>
+            <a:lvl8pPr marL="3200400" indent="0">
+              <a:buNone/>
+              <a:defRPr sz="900"/>
+            </a:lvl8pPr>
+            <a:lvl9pPr marL="3657600" indent="0">
+              <a:buNone/>
+              <a:defRPr sz="900"/>
+            </a:lvl9pPr>
+          </a:lstStyle>
+          <a:p>
+            <a:pPr lvl="0"/>
+            <a:r>
+              <a:rPr lang="en-US" smtClean="0"/>
+              <a:t>Click to edit Master text styles</a:t>
+            </a:r>
+          </a:p>
+        </p:txBody>
+      </p:sp>
+      <p:sp>
+        <p:nvSpPr>
+          <p:cNvPr id="14" name="Text Placeholder 4"/>
+          <p:cNvSpPr>
+            <a:spLocks noGrp="1"/>
+          </p:cNvSpPr>
+          <p:nvPr>
+            <p:ph type="body" sz="quarter" idx="13"/>
+          </p:nvPr>
+        </p:nvSpPr>
+        <p:spPr>
+          <a:xfrm>
+            <a:off x="7124700" y="1981200"/>
+            <a:ext cx="2932113" cy="576262"/>
+          </a:xfrm>
+        </p:spPr>
+        <p:txBody>
+          <a:bodyPr anchor="b">
+            <a:noAutofit/>
+          </a:bodyPr>
+          <a:lstStyle>
+            <a:lvl1pPr marL="0" indent="0">
+              <a:buNone/>
+              <a:defRPr sz="2400" b="0">
+                <a:solidFill>
+                  <a:schemeClr val="accent1"/>
+                </a:solidFill>
+              </a:defRPr>
+            </a:lvl1pPr>
+            <a:lvl2pPr marL="457200" indent="0">
+              <a:buNone/>
+              <a:defRPr sz="2000" b="1"/>
+            </a:lvl2pPr>
+            <a:lvl3pPr marL="914400" indent="0">
+              <a:buNone/>
+              <a:defRPr sz="1800" b="1"/>
+            </a:lvl3pPr>
+            <a:lvl4pPr marL="1371600" indent="0">
+              <a:buNone/>
+              <a:defRPr sz="1600" b="1"/>
+            </a:lvl4pPr>
+            <a:lvl5pPr marL="1828800" indent="0">
+              <a:buNone/>
+              <a:defRPr sz="1600" b="1"/>
+            </a:lvl5pPr>
+            <a:lvl6pPr marL="2286000" indent="0">
+              <a:buNone/>
+              <a:defRPr sz="1600" b="1"/>
+            </a:lvl6pPr>
+            <a:lvl7pPr marL="2743200" indent="0">
+              <a:buNone/>
+              <a:defRPr sz="1600" b="1"/>
+            </a:lvl7pPr>
+            <a:lvl8pPr marL="3200400" indent="0">
+              <a:buNone/>
+              <a:defRPr sz="1600" b="1"/>
+            </a:lvl8pPr>
+            <a:lvl9pPr marL="3657600" indent="0">
+              <a:buNone/>
+              <a:defRPr sz="1600" b="1"/>
+            </a:lvl9pPr>
+          </a:lstStyle>
+          <a:p>
+            <a:pPr lvl="0"/>
+            <a:r>
+              <a:rPr lang="en-US" smtClean="0"/>
+              <a:t>Click to edit Master text styles</a:t>
+            </a:r>
+          </a:p>
+        </p:txBody>
+      </p:sp>
+      <p:sp>
+        <p:nvSpPr>
+          <p:cNvPr id="20" name="Text Placeholder 3"/>
+          <p:cNvSpPr>
+            <a:spLocks noGrp="1"/>
+          </p:cNvSpPr>
+          <p:nvPr>
+            <p:ph type="body" sz="half" idx="17"/>
+          </p:nvPr>
+        </p:nvSpPr>
+        <p:spPr>
+          <a:xfrm>
+            <a:off x="7124700" y="2667000"/>
+            <a:ext cx="2932113" cy="3589338"/>
+          </a:xfrm>
+        </p:spPr>
+        <p:txBody>
+          <a:bodyPr anchor="t">
+            <a:normAutofit/>
+          </a:bodyPr>
+          <a:lstStyle>
+            <a:lvl1pPr marL="0" indent="0">
+              <a:buNone/>
+              <a:defRPr sz="1400"/>
+            </a:lvl1pPr>
+            <a:lvl2pPr marL="457200" indent="0">
+              <a:buNone/>
+              <a:defRPr sz="1200"/>
+            </a:lvl2pPr>
+            <a:lvl3pPr marL="914400" indent="0">
+              <a:buNone/>
+              <a:defRPr sz="1000"/>
+            </a:lvl3pPr>
+            <a:lvl4pPr marL="1371600" indent="0">
+              <a:buNone/>
+              <a:defRPr sz="900"/>
+            </a:lvl4pPr>
+            <a:lvl5pPr marL="1828800" indent="0">
+              <a:buNone/>
+              <a:defRPr sz="900"/>
+            </a:lvl5pPr>
+            <a:lvl6pPr marL="2286000" indent="0">
+              <a:buNone/>
+              <a:defRPr sz="900"/>
+            </a:lvl6pPr>
+            <a:lvl7pPr marL="2743200" indent="0">
+              <a:buNone/>
+              <a:defRPr sz="900"/>
+            </a:lvl7pPr>
+            <a:lvl8pPr marL="3200400" indent="0">
+              <a:buNone/>
+              <a:defRPr sz="900"/>
+            </a:lvl8pPr>
+            <a:lvl9pPr marL="3657600" indent="0">
+              <a:buNone/>
+              <a:defRPr sz="900"/>
+            </a:lvl9pPr>
+          </a:lstStyle>
+          <a:p>
+            <a:pPr lvl="0"/>
+            <a:r>
+              <a:rPr lang="en-US" smtClean="0"/>
+              <a:t>Click to edit Master text styles</a:t>
+            </a:r>
+          </a:p>
+        </p:txBody>
+      </p:sp>
+      <p:cxnSp>
+        <p:nvCxnSpPr>
+          <p:cNvPr id="17" name="Straight Connector 16"/>
+          <p:cNvCxnSpPr/>
+          <p:nvPr/>
+        </p:nvCxnSpPr>
+        <p:spPr>
+          <a:xfrm>
+            <a:off x="3726142" y="2133600"/>
+            <a:ext cx="0" cy="3962400"/>
+          </a:xfrm>
+          <a:prstGeom prst="line">
+            <a:avLst/>
+          </a:prstGeom>
+          <a:ln w="12700" cmpd="sng">
+            <a:solidFill>
+              <a:schemeClr val="accent1">
+                <a:alpha val="40000"/>
+              </a:schemeClr>
+            </a:solidFill>
+          </a:ln>
+        </p:spPr>
+        <p:style>
+          <a:lnRef idx="2">
+            <a:schemeClr val="accent1"/>
+          </a:lnRef>
+          <a:fillRef idx="0">
+            <a:schemeClr val="accent1"/>
+          </a:fillRef>
+          <a:effectRef idx="1">
+            <a:schemeClr val="accent1"/>
+          </a:effectRef>
+          <a:fontRef idx="minor">
+            <a:schemeClr val="tx1"/>
+          </a:fontRef>
+        </p:style>
+      </p:cxnSp>
+      <p:cxnSp>
+        <p:nvCxnSpPr>
+          <p:cNvPr id="18" name="Straight Connector 17"/>
+          <p:cNvCxnSpPr/>
+          <p:nvPr/>
+        </p:nvCxnSpPr>
+        <p:spPr>
+          <a:xfrm>
+            <a:off x="6962227" y="2133600"/>
+            <a:ext cx="0" cy="3966882"/>
+          </a:xfrm>
+          <a:prstGeom prst="line">
+            <a:avLst/>
+          </a:prstGeom>
+          <a:ln w="12700" cmpd="sng">
+            <a:solidFill>
+              <a:schemeClr val="accent1">
+                <a:alpha val="40000"/>
+              </a:schemeClr>
+            </a:solidFill>
+          </a:ln>
+        </p:spPr>
+        <p:style>
+          <a:lnRef idx="2">
+            <a:schemeClr val="accent1"/>
+          </a:lnRef>
+          <a:fillRef idx="0">
+            <a:schemeClr val="accent1"/>
+          </a:fillRef>
+          <a:effectRef idx="1">
+            <a:schemeClr val="accent1"/>
+          </a:effectRef>
+          <a:fontRef idx="minor">
+            <a:schemeClr val="tx1"/>
+          </a:fontRef>
+        </p:style>
+      </p:cxnSp>
+      <p:sp>
+        <p:nvSpPr>
+          <p:cNvPr id="7" name="Date Placeholder 3"/>
+          <p:cNvSpPr>
+            <a:spLocks noGrp="1"/>
+          </p:cNvSpPr>
+          <p:nvPr>
+            <p:ph type="dt" sz="half" idx="10"/>
+          </p:nvPr>
+        </p:nvSpPr>
+        <p:spPr/>
+        <p:txBody>
+          <a:bodyPr/>
+          <a:lstStyle/>
+          <a:p>
+            <a:fld id="{C774F0DE-A2F5-41DA-B85A-E3B3E8CB24C6}" type="datetimeFigureOut">
+              <a:rPr lang="en-US" smtClean="0"/>
+              <a:t>12/7/2016</a:t>
+            </a:fld>
+            <a:endParaRPr lang="en-US"/>
+          </a:p>
+        </p:txBody>
+      </p:sp>
+      <p:sp>
+        <p:nvSpPr>
+          <p:cNvPr id="4" name="Footer Placeholder 4"/>
+          <p:cNvSpPr>
+            <a:spLocks noGrp="1"/>
+          </p:cNvSpPr>
+          <p:nvPr>
+            <p:ph type="ftr" sz="quarter" idx="11"/>
+          </p:nvPr>
+        </p:nvSpPr>
+        <p:spPr/>
+        <p:txBody>
+          <a:bodyPr/>
+          <a:lstStyle/>
+          <a:p>
+            <a:endParaRPr lang="en-US"/>
+          </a:p>
+        </p:txBody>
+      </p:sp>
+      <p:sp>
+        <p:nvSpPr>
+          <p:cNvPr id="6" name="Slide Number Placeholder 5"/>
+          <p:cNvSpPr>
+            <a:spLocks noGrp="1"/>
+          </p:cNvSpPr>
+          <p:nvPr>
+            <p:ph type="sldNum" sz="quarter" idx="12"/>
+          </p:nvPr>
+        </p:nvSpPr>
+        <p:spPr/>
+        <p:txBody>
+          <a:bodyPr/>
+          <a:lstStyle/>
+          <a:p>
+            <a:fld id="{5D4C645C-79E0-422E-B13A-BEF7109FA0D3}" type="slidenum">
+              <a:rPr lang="en-US" smtClean="0"/>
+              <a:t>‹#›</a:t>
+            </a:fld>
+            <a:endParaRPr lang="en-US"/>
+          </a:p>
+        </p:txBody>
+      </p:sp>
+    </p:spTree>
+    <p:extLst>
+      <p:ext uri="{BB962C8B-B14F-4D97-AF65-F5344CB8AC3E}">
+        <p14:creationId xmlns:p14="http://schemas.microsoft.com/office/powerpoint/2010/main" val="4229296537"/>
+      </p:ext>
+    </p:extLst>
+  </p:cSld>
+  <p:clrMapOvr>
+    <a:masterClrMapping/>
+  </p:clrMapOvr>
+</p:sldLayout>
+</file>
+
+<file path=ppt/slideLayouts/slideLayout15.xml><?xml version="1.0" encoding="utf-8"?>
+<p:sldLayout xmlns:a="http://schemas.openxmlformats.org/drawingml/2006/main" xmlns:r="http://schemas.openxmlformats.org/officeDocument/2006/relationships" xmlns:p="http://schemas.openxmlformats.org/presentationml/2006/main" preserve="1">
+  <p:cSld name="3 Picture Column">
+    <p:spTree>
+      <p:nvGrpSpPr>
+        <p:cNvPr id="1" name=""/>
+        <p:cNvGrpSpPr/>
+        <p:nvPr/>
+      </p:nvGrpSpPr>
+      <p:grpSpPr>
+        <a:xfrm>
+          <a:off x="0" y="0"/>
+          <a:ext cx="0" cy="0"/>
+          <a:chOff x="0" y="0"/>
+          <a:chExt cx="0" cy="0"/>
+        </a:xfrm>
+      </p:grpSpPr>
+      <p:sp>
+        <p:nvSpPr>
+          <p:cNvPr id="2" name="Title 1"/>
+          <p:cNvSpPr>
+            <a:spLocks noGrp="1"/>
+          </p:cNvSpPr>
+          <p:nvPr>
+            <p:ph type="title"/>
+          </p:nvPr>
+        </p:nvSpPr>
+        <p:spPr/>
+        <p:txBody>
+          <a:bodyPr/>
+          <a:lstStyle>
+            <a:lvl1pPr>
+              <a:defRPr sz="4200"/>
+            </a:lvl1pPr>
+          </a:lstStyle>
+          <a:p>
+            <a:r>
+              <a:rPr lang="en-US" smtClean="0"/>
+              <a:t>Click to edit Master title style</a:t>
+            </a:r>
+            <a:endParaRPr lang="en-US" dirty="0"/>
+          </a:p>
+        </p:txBody>
+      </p:sp>
+      <p:sp>
+        <p:nvSpPr>
+          <p:cNvPr id="3" name="Text Placeholder 2"/>
+          <p:cNvSpPr>
+            <a:spLocks noGrp="1"/>
+          </p:cNvSpPr>
+          <p:nvPr>
+            <p:ph type="body" idx="1"/>
+          </p:nvPr>
+        </p:nvSpPr>
+        <p:spPr>
+          <a:xfrm>
+            <a:off x="652463" y="4250949"/>
+            <a:ext cx="2940050" cy="576262"/>
+          </a:xfrm>
+        </p:spPr>
+        <p:txBody>
+          <a:bodyPr anchor="b">
+            <a:noAutofit/>
+          </a:bodyPr>
+          <a:lstStyle>
+            <a:lvl1pPr marL="0" indent="0">
+              <a:buNone/>
+              <a:defRPr sz="2400" b="0">
+                <a:solidFill>
+                  <a:schemeClr val="accent1"/>
+                </a:solidFill>
+              </a:defRPr>
+            </a:lvl1pPr>
+            <a:lvl2pPr marL="457200" indent="0">
+              <a:buNone/>
+              <a:defRPr sz="2000" b="1"/>
+            </a:lvl2pPr>
+            <a:lvl3pPr marL="914400" indent="0">
+              <a:buNone/>
+              <a:defRPr sz="1800" b="1"/>
+            </a:lvl3pPr>
+            <a:lvl4pPr marL="1371600" indent="0">
+              <a:buNone/>
+              <a:defRPr sz="1600" b="1"/>
+            </a:lvl4pPr>
+            <a:lvl5pPr marL="1828800" indent="0">
+              <a:buNone/>
+              <a:defRPr sz="1600" b="1"/>
+            </a:lvl5pPr>
+            <a:lvl6pPr marL="2286000" indent="0">
+              <a:buNone/>
+              <a:defRPr sz="1600" b="1"/>
+            </a:lvl6pPr>
+            <a:lvl7pPr marL="2743200" indent="0">
+              <a:buNone/>
+              <a:defRPr sz="1600" b="1"/>
+            </a:lvl7pPr>
+            <a:lvl8pPr marL="3200400" indent="0">
+              <a:buNone/>
+              <a:defRPr sz="1600" b="1"/>
+            </a:lvl8pPr>
+            <a:lvl9pPr marL="3657600" indent="0">
+              <a:buNone/>
+              <a:defRPr sz="1600" b="1"/>
+            </a:lvl9pPr>
+          </a:lstStyle>
+          <a:p>
+            <a:pPr lvl="0"/>
+            <a:r>
+              <a:rPr lang="en-US" smtClean="0"/>
+              <a:t>Click to edit Master text styles</a:t>
+            </a:r>
+          </a:p>
+        </p:txBody>
+      </p:sp>
+      <p:sp>
+        <p:nvSpPr>
+          <p:cNvPr id="29" name="Picture Placeholder 2"/>
+          <p:cNvSpPr>
+            <a:spLocks noGrp="1" noChangeAspect="1"/>
+          </p:cNvSpPr>
+          <p:nvPr>
+            <p:ph type="pic" idx="15"/>
+          </p:nvPr>
+        </p:nvSpPr>
+        <p:spPr>
+          <a:xfrm>
+            <a:off x="652463" y="2209800"/>
+            <a:ext cx="2940050" cy="1524000"/>
+          </a:xfrm>
+          <a:prstGeom prst="roundRect">
+            <a:avLst>
+              <a:gd name="adj" fmla="val 1858"/>
+            </a:avLst>
+          </a:prstGeom>
+          <a:effectLst>
+            <a:outerShdw blurRad="50800" dist="50800" dir="5400000" algn="tl" rotWithShape="0">
+              <a:srgbClr val="000000">
+                <a:alpha val="43000"/>
+              </a:srgbClr>
+            </a:outerShdw>
+          </a:effectLst>
+        </p:spPr>
+        <p:txBody>
+          <a:bodyPr anchor="t">
+            <a:normAutofit/>
+          </a:bodyPr>
+          <a:lstStyle>
+            <a:lvl1pPr marL="0" indent="0" algn="ctr">
+              <a:buNone/>
+              <a:defRPr sz="1600"/>
+            </a:lvl1pPr>
+            <a:lvl2pPr marL="457200" indent="0">
+              <a:buNone/>
+              <a:defRPr sz="1600"/>
+            </a:lvl2pPr>
+            <a:lvl3pPr marL="914400" indent="0">
+              <a:buNone/>
+              <a:defRPr sz="1600"/>
+            </a:lvl3pPr>
+            <a:lvl4pPr marL="1371600" indent="0">
+              <a:buNone/>
+              <a:defRPr sz="1600"/>
+            </a:lvl4pPr>
+            <a:lvl5pPr marL="1828800" indent="0">
+              <a:buNone/>
+              <a:defRPr sz="1600"/>
+            </a:lvl5pPr>
+            <a:lvl6pPr marL="2286000" indent="0">
+              <a:buNone/>
+              <a:defRPr sz="1600"/>
+            </a:lvl6pPr>
+            <a:lvl7pPr marL="2743200" indent="0">
+              <a:buNone/>
+              <a:defRPr sz="1600"/>
+            </a:lvl7pPr>
+            <a:lvl8pPr marL="3200400" indent="0">
+              <a:buNone/>
+              <a:defRPr sz="1600"/>
+            </a:lvl8pPr>
+            <a:lvl9pPr marL="3657600" indent="0">
+              <a:buNone/>
+              <a:defRPr sz="1600"/>
+            </a:lvl9pPr>
+          </a:lstStyle>
+          <a:p>
+            <a:r>
+              <a:rPr lang="en-US" smtClean="0"/>
+              <a:t>Click icon to add picture</a:t>
+            </a:r>
+            <a:endParaRPr lang="en-US" dirty="0"/>
+          </a:p>
+        </p:txBody>
+      </p:sp>
+      <p:sp>
+        <p:nvSpPr>
+          <p:cNvPr id="22" name="Text Placeholder 3"/>
+          <p:cNvSpPr>
+            <a:spLocks noGrp="1"/>
+          </p:cNvSpPr>
+          <p:nvPr>
+            <p:ph type="body" sz="half" idx="18"/>
+          </p:nvPr>
+        </p:nvSpPr>
+        <p:spPr>
+          <a:xfrm>
+            <a:off x="652463" y="4827211"/>
+            <a:ext cx="2940050" cy="659189"/>
+          </a:xfrm>
+        </p:spPr>
+        <p:txBody>
+          <a:bodyPr anchor="t">
+            <a:normAutofit/>
+          </a:bodyPr>
+          <a:lstStyle>
+            <a:lvl1pPr marL="0" indent="0">
+              <a:buNone/>
+              <a:defRPr sz="1400"/>
+            </a:lvl1pPr>
+            <a:lvl2pPr marL="457200" indent="0">
+              <a:buNone/>
+              <a:defRPr sz="1200"/>
+            </a:lvl2pPr>
+            <a:lvl3pPr marL="914400" indent="0">
+              <a:buNone/>
+              <a:defRPr sz="1000"/>
+            </a:lvl3pPr>
+            <a:lvl4pPr marL="1371600" indent="0">
+              <a:buNone/>
+              <a:defRPr sz="900"/>
+            </a:lvl4pPr>
+            <a:lvl5pPr marL="1828800" indent="0">
+              <a:buNone/>
+              <a:defRPr sz="900"/>
+            </a:lvl5pPr>
+            <a:lvl6pPr marL="2286000" indent="0">
+              <a:buNone/>
+              <a:defRPr sz="900"/>
+            </a:lvl6pPr>
+            <a:lvl7pPr marL="2743200" indent="0">
+              <a:buNone/>
+              <a:defRPr sz="900"/>
+            </a:lvl7pPr>
+            <a:lvl8pPr marL="3200400" indent="0">
+              <a:buNone/>
+              <a:defRPr sz="900"/>
+            </a:lvl8pPr>
+            <a:lvl9pPr marL="3657600" indent="0">
+              <a:buNone/>
+              <a:defRPr sz="900"/>
+            </a:lvl9pPr>
+          </a:lstStyle>
+          <a:p>
+            <a:pPr lvl="0"/>
+            <a:r>
+              <a:rPr lang="en-US" smtClean="0"/>
+              <a:t>Click to edit Master text styles</a:t>
+            </a:r>
+          </a:p>
+        </p:txBody>
+      </p:sp>
+      <p:sp>
+        <p:nvSpPr>
+          <p:cNvPr id="5" name="Text Placeholder 4"/>
+          <p:cNvSpPr>
+            <a:spLocks noGrp="1"/>
+          </p:cNvSpPr>
+          <p:nvPr>
+            <p:ph type="body" sz="quarter" idx="3"/>
+          </p:nvPr>
+        </p:nvSpPr>
+        <p:spPr>
+          <a:xfrm>
+            <a:off x="3889375" y="4250949"/>
+            <a:ext cx="2930525" cy="576262"/>
+          </a:xfrm>
+        </p:spPr>
+        <p:txBody>
+          <a:bodyPr anchor="b">
+            <a:noAutofit/>
+          </a:bodyPr>
+          <a:lstStyle>
+            <a:lvl1pPr marL="0" indent="0">
+              <a:buNone/>
+              <a:defRPr sz="2400" b="0">
+                <a:solidFill>
+                  <a:schemeClr val="accent1"/>
+                </a:solidFill>
+              </a:defRPr>
+            </a:lvl1pPr>
+            <a:lvl2pPr marL="457200" indent="0">
+              <a:buNone/>
+              <a:defRPr sz="2000" b="1"/>
+            </a:lvl2pPr>
+            <a:lvl3pPr marL="914400" indent="0">
+              <a:buNone/>
+              <a:defRPr sz="1800" b="1"/>
+            </a:lvl3pPr>
+            <a:lvl4pPr marL="1371600" indent="0">
+              <a:buNone/>
+              <a:defRPr sz="1600" b="1"/>
+            </a:lvl4pPr>
+            <a:lvl5pPr marL="1828800" indent="0">
+              <a:buNone/>
+              <a:defRPr sz="1600" b="1"/>
+            </a:lvl5pPr>
+            <a:lvl6pPr marL="2286000" indent="0">
+              <a:buNone/>
+              <a:defRPr sz="1600" b="1"/>
+            </a:lvl6pPr>
+            <a:lvl7pPr marL="2743200" indent="0">
+              <a:buNone/>
+              <a:defRPr sz="1600" b="1"/>
+            </a:lvl7pPr>
+            <a:lvl8pPr marL="3200400" indent="0">
+              <a:buNone/>
+              <a:defRPr sz="1600" b="1"/>
+            </a:lvl8pPr>
+            <a:lvl9pPr marL="3657600" indent="0">
+              <a:buNone/>
+              <a:defRPr sz="1600" b="1"/>
+            </a:lvl9pPr>
+          </a:lstStyle>
+          <a:p>
+            <a:pPr lvl="0"/>
+            <a:r>
+              <a:rPr lang="en-US" smtClean="0"/>
+              <a:t>Click to edit Master text styles</a:t>
+            </a:r>
+          </a:p>
+        </p:txBody>
+      </p:sp>
+      <p:sp>
+        <p:nvSpPr>
+          <p:cNvPr id="30" name="Picture Placeholder 2"/>
+          <p:cNvSpPr>
+            <a:spLocks noGrp="1" noChangeAspect="1"/>
+          </p:cNvSpPr>
+          <p:nvPr>
+            <p:ph type="pic" idx="21"/>
+          </p:nvPr>
+        </p:nvSpPr>
+        <p:spPr>
+          <a:xfrm>
+            <a:off x="3889374" y="2209800"/>
+            <a:ext cx="2930525" cy="1524000"/>
+          </a:xfrm>
+          <a:prstGeom prst="roundRect">
+            <a:avLst>
+              <a:gd name="adj" fmla="val 1858"/>
+            </a:avLst>
+          </a:prstGeom>
+          <a:effectLst>
+            <a:outerShdw blurRad="50800" dist="50800" dir="5400000" algn="tl" rotWithShape="0">
+              <a:srgbClr val="000000">
+                <a:alpha val="43000"/>
+              </a:srgbClr>
+            </a:outerShdw>
+          </a:effectLst>
+        </p:spPr>
+        <p:txBody>
+          <a:bodyPr anchor="t">
+            <a:normAutofit/>
+          </a:bodyPr>
+          <a:lstStyle>
+            <a:lvl1pPr marL="0" indent="0" algn="ctr">
+              <a:buNone/>
+              <a:defRPr sz="1600"/>
+            </a:lvl1pPr>
+            <a:lvl2pPr marL="457200" indent="0">
+              <a:buNone/>
+              <a:defRPr sz="1600"/>
+            </a:lvl2pPr>
+            <a:lvl3pPr marL="914400" indent="0">
+              <a:buNone/>
+              <a:defRPr sz="1600"/>
+            </a:lvl3pPr>
+            <a:lvl4pPr marL="1371600" indent="0">
+              <a:buNone/>
+              <a:defRPr sz="1600"/>
+            </a:lvl4pPr>
+            <a:lvl5pPr marL="1828800" indent="0">
+              <a:buNone/>
+              <a:defRPr sz="1600"/>
+            </a:lvl5pPr>
+            <a:lvl6pPr marL="2286000" indent="0">
+              <a:buNone/>
+              <a:defRPr sz="1600"/>
+            </a:lvl6pPr>
+            <a:lvl7pPr marL="2743200" indent="0">
+              <a:buNone/>
+              <a:defRPr sz="1600"/>
+            </a:lvl7pPr>
+            <a:lvl8pPr marL="3200400" indent="0">
+              <a:buNone/>
+              <a:defRPr sz="1600"/>
+            </a:lvl8pPr>
+            <a:lvl9pPr marL="3657600" indent="0">
+              <a:buNone/>
+              <a:defRPr sz="1600"/>
+            </a:lvl9pPr>
+          </a:lstStyle>
+          <a:p>
+            <a:r>
+              <a:rPr lang="en-US" smtClean="0"/>
+              <a:t>Click icon to add picture</a:t>
+            </a:r>
+            <a:endParaRPr lang="en-US" dirty="0"/>
+          </a:p>
+        </p:txBody>
+      </p:sp>
+      <p:sp>
+        <p:nvSpPr>
+          <p:cNvPr id="23" name="Text Placeholder 3"/>
+          <p:cNvSpPr>
+            <a:spLocks noGrp="1"/>
+          </p:cNvSpPr>
+          <p:nvPr>
+            <p:ph type="body" sz="half" idx="19"/>
+          </p:nvPr>
+        </p:nvSpPr>
+        <p:spPr>
+          <a:xfrm>
+            <a:off x="3888022" y="4827210"/>
+            <a:ext cx="2934406" cy="659189"/>
+          </a:xfrm>
+        </p:spPr>
+        <p:txBody>
+          <a:bodyPr anchor="t">
+            <a:normAutofit/>
+          </a:bodyPr>
+          <a:lstStyle>
+            <a:lvl1pPr marL="0" indent="0">
+              <a:buNone/>
+              <a:defRPr sz="1400"/>
+            </a:lvl1pPr>
+            <a:lvl2pPr marL="457200" indent="0">
+              <a:buNone/>
+              <a:defRPr sz="1200"/>
+            </a:lvl2pPr>
+            <a:lvl3pPr marL="914400" indent="0">
+              <a:buNone/>
+              <a:defRPr sz="1000"/>
+            </a:lvl3pPr>
+            <a:lvl4pPr marL="1371600" indent="0">
+              <a:buNone/>
+              <a:defRPr sz="900"/>
+            </a:lvl4pPr>
+            <a:lvl5pPr marL="1828800" indent="0">
+              <a:buNone/>
+              <a:defRPr sz="900"/>
+            </a:lvl5pPr>
+            <a:lvl6pPr marL="2286000" indent="0">
+              <a:buNone/>
+              <a:defRPr sz="900"/>
+            </a:lvl6pPr>
+            <a:lvl7pPr marL="2743200" indent="0">
+              <a:buNone/>
+              <a:defRPr sz="900"/>
+            </a:lvl7pPr>
+            <a:lvl8pPr marL="3200400" indent="0">
+              <a:buNone/>
+              <a:defRPr sz="900"/>
+            </a:lvl8pPr>
+            <a:lvl9pPr marL="3657600" indent="0">
+              <a:buNone/>
+              <a:defRPr sz="900"/>
+            </a:lvl9pPr>
+          </a:lstStyle>
+          <a:p>
+            <a:pPr lvl="0"/>
+            <a:r>
+              <a:rPr lang="en-US" smtClean="0"/>
+              <a:t>Click to edit Master text styles</a:t>
+            </a:r>
+          </a:p>
+        </p:txBody>
+      </p:sp>
+      <p:sp>
+        <p:nvSpPr>
+          <p:cNvPr id="14" name="Text Placeholder 4"/>
+          <p:cNvSpPr>
+            <a:spLocks noGrp="1"/>
+          </p:cNvSpPr>
+          <p:nvPr>
+            <p:ph type="body" sz="quarter" idx="13"/>
+          </p:nvPr>
+        </p:nvSpPr>
+        <p:spPr>
+          <a:xfrm>
+            <a:off x="7124700" y="4250949"/>
+            <a:ext cx="2932113" cy="576262"/>
+          </a:xfrm>
+        </p:spPr>
+        <p:txBody>
+          <a:bodyPr anchor="b">
+            <a:noAutofit/>
+          </a:bodyPr>
+          <a:lstStyle>
+            <a:lvl1pPr marL="0" indent="0">
+              <a:buNone/>
+              <a:defRPr sz="2400" b="0">
+                <a:solidFill>
+                  <a:schemeClr val="accent1"/>
+                </a:solidFill>
+              </a:defRPr>
+            </a:lvl1pPr>
+            <a:lvl2pPr marL="457200" indent="0">
+              <a:buNone/>
+              <a:defRPr sz="2000" b="1"/>
+            </a:lvl2pPr>
+            <a:lvl3pPr marL="914400" indent="0">
+              <a:buNone/>
+              <a:defRPr sz="1800" b="1"/>
+            </a:lvl3pPr>
+            <a:lvl4pPr marL="1371600" indent="0">
+              <a:buNone/>
+              <a:defRPr sz="1600" b="1"/>
+            </a:lvl4pPr>
+            <a:lvl5pPr marL="1828800" indent="0">
+              <a:buNone/>
+              <a:defRPr sz="1600" b="1"/>
+            </a:lvl5pPr>
+            <a:lvl6pPr marL="2286000" indent="0">
+              <a:buNone/>
+              <a:defRPr sz="1600" b="1"/>
+            </a:lvl6pPr>
+            <a:lvl7pPr marL="2743200" indent="0">
+              <a:buNone/>
+              <a:defRPr sz="1600" b="1"/>
+            </a:lvl7pPr>
+            <a:lvl8pPr marL="3200400" indent="0">
+              <a:buNone/>
+              <a:defRPr sz="1600" b="1"/>
+            </a:lvl8pPr>
+            <a:lvl9pPr marL="3657600" indent="0">
+              <a:buNone/>
+              <a:defRPr sz="1600" b="1"/>
+            </a:lvl9pPr>
+          </a:lstStyle>
+          <a:p>
+            <a:pPr lvl="0"/>
+            <a:r>
+              <a:rPr lang="en-US" smtClean="0"/>
+              <a:t>Click to edit Master text styles</a:t>
+            </a:r>
+          </a:p>
+        </p:txBody>
+      </p:sp>
+      <p:sp>
+        <p:nvSpPr>
+          <p:cNvPr id="31" name="Picture Placeholder 2"/>
+          <p:cNvSpPr>
+            <a:spLocks noGrp="1" noChangeAspect="1"/>
+          </p:cNvSpPr>
+          <p:nvPr>
+            <p:ph type="pic" idx="22"/>
+          </p:nvPr>
+        </p:nvSpPr>
+        <p:spPr>
+          <a:xfrm>
+            <a:off x="7124699" y="2209800"/>
+            <a:ext cx="2932113" cy="1524000"/>
+          </a:xfrm>
+          <a:prstGeom prst="roundRect">
+            <a:avLst>
+              <a:gd name="adj" fmla="val 1858"/>
+            </a:avLst>
+          </a:prstGeom>
+          <a:effectLst>
+            <a:outerShdw blurRad="50800" dist="50800" dir="5400000" algn="tl" rotWithShape="0">
+              <a:srgbClr val="000000">
+                <a:alpha val="43000"/>
+              </a:srgbClr>
+            </a:outerShdw>
+          </a:effectLst>
+        </p:spPr>
+        <p:txBody>
+          <a:bodyPr anchor="t">
+            <a:normAutofit/>
+          </a:bodyPr>
+          <a:lstStyle>
+            <a:lvl1pPr marL="0" indent="0" algn="ctr">
+              <a:buNone/>
+              <a:defRPr sz="1600"/>
+            </a:lvl1pPr>
+            <a:lvl2pPr marL="457200" indent="0">
+              <a:buNone/>
+              <a:defRPr sz="1600"/>
+            </a:lvl2pPr>
+            <a:lvl3pPr marL="914400" indent="0">
+              <a:buNone/>
+              <a:defRPr sz="1600"/>
+            </a:lvl3pPr>
+            <a:lvl4pPr marL="1371600" indent="0">
+              <a:buNone/>
+              <a:defRPr sz="1600"/>
+            </a:lvl4pPr>
+            <a:lvl5pPr marL="1828800" indent="0">
+              <a:buNone/>
+              <a:defRPr sz="1600"/>
+            </a:lvl5pPr>
+            <a:lvl6pPr marL="2286000" indent="0">
+              <a:buNone/>
+              <a:defRPr sz="1600"/>
+            </a:lvl6pPr>
+            <a:lvl7pPr marL="2743200" indent="0">
+              <a:buNone/>
+              <a:defRPr sz="1600"/>
+            </a:lvl7pPr>
+            <a:lvl8pPr marL="3200400" indent="0">
+              <a:buNone/>
+              <a:defRPr sz="1600"/>
+            </a:lvl8pPr>
+            <a:lvl9pPr marL="3657600" indent="0">
+              <a:buNone/>
+              <a:defRPr sz="1600"/>
+            </a:lvl9pPr>
+          </a:lstStyle>
+          <a:p>
+            <a:r>
+              <a:rPr lang="en-US" smtClean="0"/>
+              <a:t>Click icon to add picture</a:t>
+            </a:r>
+            <a:endParaRPr lang="en-US" dirty="0"/>
+          </a:p>
+        </p:txBody>
+      </p:sp>
+      <p:sp>
+        <p:nvSpPr>
+          <p:cNvPr id="24" name="Text Placeholder 3"/>
+          <p:cNvSpPr>
+            <a:spLocks noGrp="1"/>
+          </p:cNvSpPr>
+          <p:nvPr>
+            <p:ph type="body" sz="half" idx="20"/>
+          </p:nvPr>
+        </p:nvSpPr>
+        <p:spPr>
+          <a:xfrm>
+            <a:off x="7124575" y="4827208"/>
+            <a:ext cx="2935997" cy="659189"/>
+          </a:xfrm>
+        </p:spPr>
+        <p:txBody>
+          <a:bodyPr anchor="t">
+            <a:normAutofit/>
+          </a:bodyPr>
+          <a:lstStyle>
+            <a:lvl1pPr marL="0" indent="0">
+              <a:buNone/>
+              <a:defRPr sz="1400"/>
+            </a:lvl1pPr>
+            <a:lvl2pPr marL="457200" indent="0">
+              <a:buNone/>
+              <a:defRPr sz="1200"/>
+            </a:lvl2pPr>
+            <a:lvl3pPr marL="914400" indent="0">
+              <a:buNone/>
+              <a:defRPr sz="1000"/>
+            </a:lvl3pPr>
+            <a:lvl4pPr marL="1371600" indent="0">
+              <a:buNone/>
+              <a:defRPr sz="900"/>
+            </a:lvl4pPr>
+            <a:lvl5pPr marL="1828800" indent="0">
+              <a:buNone/>
+              <a:defRPr sz="900"/>
+            </a:lvl5pPr>
+            <a:lvl6pPr marL="2286000" indent="0">
+              <a:buNone/>
+              <a:defRPr sz="900"/>
+            </a:lvl6pPr>
+            <a:lvl7pPr marL="2743200" indent="0">
+              <a:buNone/>
+              <a:defRPr sz="900"/>
+            </a:lvl7pPr>
+            <a:lvl8pPr marL="3200400" indent="0">
+              <a:buNone/>
+              <a:defRPr sz="900"/>
+            </a:lvl8pPr>
+            <a:lvl9pPr marL="3657600" indent="0">
+              <a:buNone/>
+              <a:defRPr sz="900"/>
+            </a:lvl9pPr>
+          </a:lstStyle>
+          <a:p>
+            <a:pPr lvl="0"/>
+            <a:r>
+              <a:rPr lang="en-US" smtClean="0"/>
+              <a:t>Click to edit Master text styles</a:t>
+            </a:r>
+          </a:p>
+        </p:txBody>
+      </p:sp>
+      <p:cxnSp>
+        <p:nvCxnSpPr>
+          <p:cNvPr id="17" name="Straight Connector 16"/>
+          <p:cNvCxnSpPr/>
+          <p:nvPr/>
+        </p:nvCxnSpPr>
+        <p:spPr>
+          <a:xfrm>
+            <a:off x="3726142" y="2133600"/>
+            <a:ext cx="0" cy="3962400"/>
+          </a:xfrm>
+          <a:prstGeom prst="line">
+            <a:avLst/>
+          </a:prstGeom>
+          <a:ln w="12700" cmpd="sng">
+            <a:solidFill>
+              <a:schemeClr val="accent1">
+                <a:alpha val="40000"/>
+              </a:schemeClr>
+            </a:solidFill>
+          </a:ln>
+        </p:spPr>
+        <p:style>
+          <a:lnRef idx="2">
+            <a:schemeClr val="accent1"/>
+          </a:lnRef>
+          <a:fillRef idx="0">
+            <a:schemeClr val="accent1"/>
+          </a:fillRef>
+          <a:effectRef idx="1">
+            <a:schemeClr val="accent1"/>
+          </a:effectRef>
+          <a:fontRef idx="minor">
+            <a:schemeClr val="tx1"/>
+          </a:fontRef>
+        </p:style>
+      </p:cxnSp>
+      <p:cxnSp>
+        <p:nvCxnSpPr>
+          <p:cNvPr id="18" name="Straight Connector 17"/>
+          <p:cNvCxnSpPr/>
+          <p:nvPr/>
+        </p:nvCxnSpPr>
+        <p:spPr>
+          <a:xfrm>
+            <a:off x="6962227" y="2133600"/>
+            <a:ext cx="0" cy="3966882"/>
+          </a:xfrm>
+          <a:prstGeom prst="line">
+            <a:avLst/>
+          </a:prstGeom>
+          <a:ln w="12700" cmpd="sng">
+            <a:solidFill>
+              <a:schemeClr val="accent1">
+                <a:alpha val="40000"/>
+              </a:schemeClr>
+            </a:solidFill>
+          </a:ln>
+        </p:spPr>
+        <p:style>
+          <a:lnRef idx="2">
+            <a:schemeClr val="accent1"/>
+          </a:lnRef>
+          <a:fillRef idx="0">
+            <a:schemeClr val="accent1"/>
+          </a:fillRef>
+          <a:effectRef idx="1">
+            <a:schemeClr val="accent1"/>
+          </a:effectRef>
+          <a:fontRef idx="minor">
+            <a:schemeClr val="tx1"/>
+          </a:fontRef>
+        </p:style>
+      </p:cxnSp>
+      <p:sp>
+        <p:nvSpPr>
+          <p:cNvPr id="7" name="Date Placeholder 3"/>
+          <p:cNvSpPr>
+            <a:spLocks noGrp="1"/>
+          </p:cNvSpPr>
+          <p:nvPr>
+            <p:ph type="dt" sz="half" idx="10"/>
+          </p:nvPr>
+        </p:nvSpPr>
+        <p:spPr/>
+        <p:txBody>
+          <a:bodyPr/>
+          <a:lstStyle/>
+          <a:p>
+            <a:fld id="{C774F0DE-A2F5-41DA-B85A-E3B3E8CB24C6}" type="datetimeFigureOut">
+              <a:rPr lang="en-US" smtClean="0"/>
+              <a:t>12/7/2016</a:t>
+            </a:fld>
+            <a:endParaRPr lang="en-US"/>
+          </a:p>
+        </p:txBody>
+      </p:sp>
+      <p:sp>
+        <p:nvSpPr>
+          <p:cNvPr id="4" name="Footer Placeholder 4"/>
+          <p:cNvSpPr>
+            <a:spLocks noGrp="1"/>
+          </p:cNvSpPr>
+          <p:nvPr>
+            <p:ph type="ftr" sz="quarter" idx="11"/>
+          </p:nvPr>
+        </p:nvSpPr>
+        <p:spPr/>
+        <p:txBody>
+          <a:bodyPr/>
+          <a:lstStyle/>
+          <a:p>
+            <a:endParaRPr lang="en-US"/>
+          </a:p>
+        </p:txBody>
+      </p:sp>
+      <p:sp>
+        <p:nvSpPr>
+          <p:cNvPr id="6" name="Slide Number Placeholder 5"/>
+          <p:cNvSpPr>
+            <a:spLocks noGrp="1"/>
+          </p:cNvSpPr>
+          <p:nvPr>
+            <p:ph type="sldNum" sz="quarter" idx="12"/>
+          </p:nvPr>
+        </p:nvSpPr>
+        <p:spPr/>
+        <p:txBody>
+          <a:bodyPr/>
+          <a:lstStyle/>
+          <a:p>
+            <a:fld id="{5D4C645C-79E0-422E-B13A-BEF7109FA0D3}" type="slidenum">
+              <a:rPr lang="en-US" smtClean="0"/>
+              <a:t>‹#›</a:t>
+            </a:fld>
+            <a:endParaRPr lang="en-US"/>
+          </a:p>
+        </p:txBody>
+      </p:sp>
+    </p:spTree>
+    <p:extLst>
+      <p:ext uri="{BB962C8B-B14F-4D97-AF65-F5344CB8AC3E}">
+        <p14:creationId xmlns:p14="http://schemas.microsoft.com/office/powerpoint/2010/main" val="813083759"/>
+      </p:ext>
+    </p:extLst>
+  </p:cSld>
+  <p:clrMapOvr>
+    <a:masterClrMapping/>
+  </p:clrMapOvr>
+</p:sldLayout>
+</file>
+
+<file path=ppt/slideLayouts/slideLayout16.xml><?xml version="1.0" encoding="utf-8"?>
 <p:sldLayout xmlns:a="http://schemas.openxmlformats.org/drawingml/2006/main" xmlns:r="http://schemas.openxmlformats.org/officeDocument/2006/relationships" xmlns:p="http://schemas.openxmlformats.org/presentationml/2006/main" type="vertTx" preserve="1">
   <p:cSld name="Title and Vertical Text">
     <p:spTree>
@@ -336,7 +3720,7 @@
               <a:rPr lang="en-US" smtClean="0"/>
               <a:t>Click to edit Master title style</a:t>
             </a:r>
-            <a:endParaRPr lang="en-US"/>
+            <a:endParaRPr lang="en-US" dirty="0"/>
           </a:p>
         </p:txBody>
       </p:sp>
@@ -352,7 +3736,7 @@
         </p:nvSpPr>
         <p:spPr/>
         <p:txBody>
-          <a:bodyPr vert="eaVert"/>
+          <a:bodyPr vert="eaVert" anchor="t" anchorCtr="0"/>
           <a:lstStyle/>
           <a:p>
             <a:pPr lvl="0"/>
@@ -388,7 +3772,7 @@
               <a:rPr lang="en-US" smtClean="0"/>
               <a:t>Fifth level</a:t>
             </a:r>
-            <a:endParaRPr lang="en-US"/>
+            <a:endParaRPr lang="en-US" dirty="0"/>
           </a:p>
         </p:txBody>
       </p:sp>
@@ -409,7 +3793,7 @@
           <a:p>
             <a:fld id="{C774F0DE-A2F5-41DA-B85A-E3B3E8CB24C6}" type="datetimeFigureOut">
               <a:rPr lang="en-US" smtClean="0"/>
-              <a:t>27-Nov-16</a:t>
+              <a:t>12/7/2016</a:t>
             </a:fld>
             <a:endParaRPr lang="en-US"/>
           </a:p>
@@ -460,7 +3844,7 @@
     </p:spTree>
     <p:extLst>
       <p:ext uri="{BB962C8B-B14F-4D97-AF65-F5344CB8AC3E}">
-        <p14:creationId xmlns:p14="http://schemas.microsoft.com/office/powerpoint/2010/main" val="68343462"/>
+        <p14:creationId xmlns:p14="http://schemas.microsoft.com/office/powerpoint/2010/main" val="3691590088"/>
       </p:ext>
     </p:extLst>
   </p:cSld>
@@ -470,7 +3854,7 @@
 </p:sldLayout>
 </file>
 
-<file path=ppt/slideLayouts/slideLayout11.xml><?xml version="1.0" encoding="utf-8"?>
+<file path=ppt/slideLayouts/slideLayout17.xml><?xml version="1.0" encoding="utf-8"?>
 <p:sldLayout xmlns:a="http://schemas.openxmlformats.org/drawingml/2006/main" xmlns:r="http://schemas.openxmlformats.org/officeDocument/2006/relationships" xmlns:p="http://schemas.openxmlformats.org/presentationml/2006/main" type="vertTitleAndTx" preserve="1">
   <p:cSld name="Vertical Title and Text">
     <p:spTree>
@@ -499,19 +3883,19 @@
         </p:nvSpPr>
         <p:spPr>
           <a:xfrm>
-            <a:off x="8724900" y="365125"/>
-            <a:ext cx="2628900" cy="5811838"/>
+            <a:off x="8304212" y="430213"/>
+            <a:ext cx="1752601" cy="5826125"/>
           </a:xfrm>
         </p:spPr>
         <p:txBody>
-          <a:bodyPr vert="eaVert"/>
+          <a:bodyPr vert="eaVert" anchor="b" anchorCtr="0"/>
           <a:lstStyle/>
           <a:p>
             <a:r>
               <a:rPr lang="en-US" smtClean="0"/>
               <a:t>Click to edit Master title style</a:t>
             </a:r>
-            <a:endParaRPr lang="en-US"/>
+            <a:endParaRPr lang="en-US" dirty="0"/>
           </a:p>
         </p:txBody>
       </p:sp>
@@ -527,8 +3911,8 @@
         </p:nvSpPr>
         <p:spPr>
           <a:xfrm>
-            <a:off x="838200" y="365125"/>
-            <a:ext cx="7734300" cy="5811838"/>
+            <a:off x="652463" y="887414"/>
+            <a:ext cx="7423149" cy="5368924"/>
           </a:xfrm>
         </p:spPr>
         <p:txBody>
@@ -568,7 +3952,7 @@
               <a:rPr lang="en-US" smtClean="0"/>
               <a:t>Fifth level</a:t>
             </a:r>
-            <a:endParaRPr lang="en-US"/>
+            <a:endParaRPr lang="en-US" dirty="0"/>
           </a:p>
         </p:txBody>
       </p:sp>
@@ -589,7 +3973,7 @@
           <a:p>
             <a:fld id="{C774F0DE-A2F5-41DA-B85A-E3B3E8CB24C6}" type="datetimeFigureOut">
               <a:rPr lang="en-US" smtClean="0"/>
-              <a:t>27-Nov-16</a:t>
+              <a:t>12/7/2016</a:t>
             </a:fld>
             <a:endParaRPr lang="en-US"/>
           </a:p>
@@ -640,7 +4024,7 @@
     </p:spTree>
     <p:extLst>
       <p:ext uri="{BB962C8B-B14F-4D97-AF65-F5344CB8AC3E}">
-        <p14:creationId xmlns:p14="http://schemas.microsoft.com/office/powerpoint/2010/main" val="3547744131"/>
+        <p14:creationId xmlns:p14="http://schemas.microsoft.com/office/powerpoint/2010/main" val="2854147890"/>
       </p:ext>
     </p:extLst>
   </p:cSld>
@@ -686,7 +4070,7 @@
               <a:rPr lang="en-US" smtClean="0"/>
               <a:t>Click to edit Master title style</a:t>
             </a:r>
-            <a:endParaRPr lang="en-US"/>
+            <a:endParaRPr lang="en-US" dirty="0"/>
           </a:p>
         </p:txBody>
       </p:sp>
@@ -738,7 +4122,7 @@
               <a:rPr lang="en-US" smtClean="0"/>
               <a:t>Fifth level</a:t>
             </a:r>
-            <a:endParaRPr lang="en-US"/>
+            <a:endParaRPr lang="en-US" dirty="0"/>
           </a:p>
         </p:txBody>
       </p:sp>
@@ -759,7 +4143,7 @@
           <a:p>
             <a:fld id="{C774F0DE-A2F5-41DA-B85A-E3B3E8CB24C6}" type="datetimeFigureOut">
               <a:rPr lang="en-US" smtClean="0"/>
-              <a:t>27-Nov-16</a:t>
+              <a:t>12/7/2016</a:t>
             </a:fld>
             <a:endParaRPr lang="en-US"/>
           </a:p>
@@ -810,7 +4194,7 @@
     </p:spTree>
     <p:extLst>
       <p:ext uri="{BB962C8B-B14F-4D97-AF65-F5344CB8AC3E}">
-        <p14:creationId xmlns:p14="http://schemas.microsoft.com/office/powerpoint/2010/main" val="1937778004"/>
+        <p14:creationId xmlns:p14="http://schemas.microsoft.com/office/powerpoint/2010/main" val="3041888420"/>
       </p:ext>
     </p:extLst>
   </p:cSld>
@@ -849,15 +4233,15 @@
         </p:nvSpPr>
         <p:spPr>
           <a:xfrm>
-            <a:off x="831850" y="1709738"/>
-            <a:ext cx="10515600" cy="2852737"/>
+            <a:off x="1154956" y="2861733"/>
+            <a:ext cx="8825657" cy="1915647"/>
           </a:xfrm>
         </p:spPr>
         <p:txBody>
           <a:bodyPr anchor="b"/>
           <a:lstStyle>
-            <a:lvl1pPr>
-              <a:defRPr sz="6000"/>
+            <a:lvl1pPr algn="l">
+              <a:defRPr sz="4000" b="0" cap="none"/>
             </a:lvl1pPr>
           </a:lstStyle>
           <a:p>
@@ -865,7 +4249,7 @@
               <a:rPr lang="en-US" smtClean="0"/>
               <a:t>Click to edit Master title style</a:t>
             </a:r>
-            <a:endParaRPr lang="en-US"/>
+            <a:endParaRPr lang="en-US" dirty="0"/>
           </a:p>
         </p:txBody>
       </p:sp>
@@ -881,26 +4265,24 @@
         </p:nvSpPr>
         <p:spPr>
           <a:xfrm>
-            <a:off x="831850" y="4589463"/>
-            <a:ext cx="10515600" cy="1500187"/>
+            <a:off x="1154955" y="4777381"/>
+            <a:ext cx="8825658" cy="860400"/>
           </a:xfrm>
         </p:spPr>
         <p:txBody>
-          <a:bodyPr/>
+          <a:bodyPr anchor="t"/>
           <a:lstStyle>
-            <a:lvl1pPr marL="0" indent="0">
-              <a:buNone/>
-              <a:defRPr sz="2400">
+            <a:lvl1pPr marL="0" indent="0" algn="l">
+              <a:buNone/>
+              <a:defRPr sz="2000" cap="all">
                 <a:solidFill>
-                  <a:schemeClr val="tx1">
-                    <a:tint val="75000"/>
-                  </a:schemeClr>
+                  <a:schemeClr val="accent1"/>
                 </a:solidFill>
               </a:defRPr>
             </a:lvl1pPr>
             <a:lvl2pPr marL="457200" indent="0">
               <a:buNone/>
-              <a:defRPr sz="2000">
+              <a:defRPr sz="1800">
                 <a:solidFill>
                   <a:schemeClr val="tx1">
                     <a:tint val="75000"/>
@@ -910,7 +4292,7 @@
             </a:lvl2pPr>
             <a:lvl3pPr marL="914400" indent="0">
               <a:buNone/>
-              <a:defRPr sz="1800">
+              <a:defRPr sz="1600">
                 <a:solidFill>
                   <a:schemeClr val="tx1">
                     <a:tint val="75000"/>
@@ -920,7 +4302,7 @@
             </a:lvl3pPr>
             <a:lvl4pPr marL="1371600" indent="0">
               <a:buNone/>
-              <a:defRPr sz="1600">
+              <a:defRPr sz="1400">
                 <a:solidFill>
                   <a:schemeClr val="tx1">
                     <a:tint val="75000"/>
@@ -930,7 +4312,7 @@
             </a:lvl4pPr>
             <a:lvl5pPr marL="1828800" indent="0">
               <a:buNone/>
-              <a:defRPr sz="1600">
+              <a:defRPr sz="1400">
                 <a:solidFill>
                   <a:schemeClr val="tx1">
                     <a:tint val="75000"/>
@@ -940,7 +4322,7 @@
             </a:lvl5pPr>
             <a:lvl6pPr marL="2286000" indent="0">
               <a:buNone/>
-              <a:defRPr sz="1600">
+              <a:defRPr sz="1400">
                 <a:solidFill>
                   <a:schemeClr val="tx1">
                     <a:tint val="75000"/>
@@ -950,7 +4332,7 @@
             </a:lvl6pPr>
             <a:lvl7pPr marL="2743200" indent="0">
               <a:buNone/>
-              <a:defRPr sz="1600">
+              <a:defRPr sz="1400">
                 <a:solidFill>
                   <a:schemeClr val="tx1">
                     <a:tint val="75000"/>
@@ -960,7 +4342,7 @@
             </a:lvl7pPr>
             <a:lvl8pPr marL="3200400" indent="0">
               <a:buNone/>
-              <a:defRPr sz="1600">
+              <a:defRPr sz="1400">
                 <a:solidFill>
                   <a:schemeClr val="tx1">
                     <a:tint val="75000"/>
@@ -970,7 +4352,7 @@
             </a:lvl8pPr>
             <a:lvl9pPr marL="3657600" indent="0">
               <a:buNone/>
-              <a:defRPr sz="1600">
+              <a:defRPr sz="1400">
                 <a:solidFill>
                   <a:schemeClr val="tx1">
                     <a:tint val="75000"/>
@@ -1005,7 +4387,7 @@
           <a:p>
             <a:fld id="{C774F0DE-A2F5-41DA-B85A-E3B3E8CB24C6}" type="datetimeFigureOut">
               <a:rPr lang="en-US" smtClean="0"/>
-              <a:t>27-Nov-16</a:t>
+              <a:t>12/7/2016</a:t>
             </a:fld>
             <a:endParaRPr lang="en-US"/>
           </a:p>
@@ -1056,7 +4438,7 @@
     </p:spTree>
     <p:extLst>
       <p:ext uri="{BB962C8B-B14F-4D97-AF65-F5344CB8AC3E}">
-        <p14:creationId xmlns:p14="http://schemas.microsoft.com/office/powerpoint/2010/main" val="1908499648"/>
+        <p14:creationId xmlns:p14="http://schemas.microsoft.com/office/powerpoint/2010/main" val="1657638500"/>
       </p:ext>
     </p:extLst>
   </p:cSld>
@@ -1102,7 +4484,7 @@
               <a:rPr lang="en-US" smtClean="0"/>
               <a:t>Click to edit Master title style</a:t>
             </a:r>
-            <a:endParaRPr lang="en-US"/>
+            <a:endParaRPr lang="en-US" dirty="0"/>
           </a:p>
         </p:txBody>
       </p:sp>
@@ -1118,13 +4500,43 @@
         </p:nvSpPr>
         <p:spPr>
           <a:xfrm>
-            <a:off x="838200" y="1825625"/>
-            <a:ext cx="5181600" cy="4351338"/>
+            <a:off x="1103312" y="2060575"/>
+            <a:ext cx="4396339" cy="4195763"/>
           </a:xfrm>
         </p:spPr>
         <p:txBody>
-          <a:bodyPr/>
-          <a:lstStyle/>
+          <a:bodyPr>
+            <a:normAutofit/>
+          </a:bodyPr>
+          <a:lstStyle>
+            <a:lvl1pPr>
+              <a:defRPr sz="1800"/>
+            </a:lvl1pPr>
+            <a:lvl2pPr>
+              <a:defRPr sz="1600"/>
+            </a:lvl2pPr>
+            <a:lvl3pPr>
+              <a:defRPr sz="1400"/>
+            </a:lvl3pPr>
+            <a:lvl4pPr>
+              <a:defRPr sz="1200"/>
+            </a:lvl4pPr>
+            <a:lvl5pPr>
+              <a:defRPr sz="1200"/>
+            </a:lvl5pPr>
+            <a:lvl6pPr>
+              <a:defRPr sz="1200"/>
+            </a:lvl6pPr>
+            <a:lvl7pPr>
+              <a:defRPr sz="1200"/>
+            </a:lvl7pPr>
+            <a:lvl8pPr>
+              <a:defRPr sz="1200"/>
+            </a:lvl8pPr>
+            <a:lvl9pPr>
+              <a:defRPr sz="1200"/>
+            </a:lvl9pPr>
+          </a:lstStyle>
           <a:p>
             <a:pPr lvl="0"/>
             <a:r>
@@ -1159,7 +4571,7 @@
               <a:rPr lang="en-US" smtClean="0"/>
               <a:t>Fifth level</a:t>
             </a:r>
-            <a:endParaRPr lang="en-US"/>
+            <a:endParaRPr lang="en-US" dirty="0"/>
           </a:p>
         </p:txBody>
       </p:sp>
@@ -1175,13 +4587,43 @@
         </p:nvSpPr>
         <p:spPr>
           <a:xfrm>
-            <a:off x="6172200" y="1825625"/>
-            <a:ext cx="5181600" cy="4351338"/>
+            <a:off x="5654493" y="2056092"/>
+            <a:ext cx="4396341" cy="4200245"/>
           </a:xfrm>
         </p:spPr>
         <p:txBody>
-          <a:bodyPr/>
-          <a:lstStyle/>
+          <a:bodyPr>
+            <a:normAutofit/>
+          </a:bodyPr>
+          <a:lstStyle>
+            <a:lvl1pPr>
+              <a:defRPr sz="1800"/>
+            </a:lvl1pPr>
+            <a:lvl2pPr>
+              <a:defRPr sz="1600"/>
+            </a:lvl2pPr>
+            <a:lvl3pPr>
+              <a:defRPr sz="1400"/>
+            </a:lvl3pPr>
+            <a:lvl4pPr>
+              <a:defRPr sz="1200"/>
+            </a:lvl4pPr>
+            <a:lvl5pPr>
+              <a:defRPr sz="1200"/>
+            </a:lvl5pPr>
+            <a:lvl6pPr>
+              <a:defRPr sz="1200"/>
+            </a:lvl6pPr>
+            <a:lvl7pPr>
+              <a:defRPr sz="1200"/>
+            </a:lvl7pPr>
+            <a:lvl8pPr>
+              <a:defRPr sz="1200"/>
+            </a:lvl8pPr>
+            <a:lvl9pPr>
+              <a:defRPr sz="1200"/>
+            </a:lvl9pPr>
+          </a:lstStyle>
           <a:p>
             <a:pPr lvl="0"/>
             <a:r>
@@ -1216,7 +4658,7 @@
               <a:rPr lang="en-US" smtClean="0"/>
               <a:t>Fifth level</a:t>
             </a:r>
-            <a:endParaRPr lang="en-US"/>
+            <a:endParaRPr lang="en-US" dirty="0"/>
           </a:p>
         </p:txBody>
       </p:sp>
@@ -1237,7 +4679,7 @@
           <a:p>
             <a:fld id="{C774F0DE-A2F5-41DA-B85A-E3B3E8CB24C6}" type="datetimeFigureOut">
               <a:rPr lang="en-US" smtClean="0"/>
-              <a:t>27-Nov-16</a:t>
+              <a:t>12/7/2016</a:t>
             </a:fld>
             <a:endParaRPr lang="en-US"/>
           </a:p>
@@ -1288,7 +4730,7 @@
     </p:spTree>
     <p:extLst>
       <p:ext uri="{BB962C8B-B14F-4D97-AF65-F5344CB8AC3E}">
-        <p14:creationId xmlns:p14="http://schemas.microsoft.com/office/powerpoint/2010/main" val="2913761639"/>
+        <p14:creationId xmlns:p14="http://schemas.microsoft.com/office/powerpoint/2010/main" val="1895311979"/>
       </p:ext>
     </p:extLst>
   </p:cSld>
@@ -1325,46 +4767,51 @@
             <p:ph type="title"/>
           </p:nvPr>
         </p:nvSpPr>
+        <p:spPr/>
+        <p:txBody>
+          <a:bodyPr/>
+          <a:lstStyle>
+            <a:lvl1pPr>
+              <a:defRPr/>
+            </a:lvl1pPr>
+          </a:lstStyle>
+          <a:p>
+            <a:r>
+              <a:rPr lang="en-US" smtClean="0"/>
+              <a:t>Click to edit Master title style</a:t>
+            </a:r>
+            <a:endParaRPr lang="en-US" dirty="0"/>
+          </a:p>
+        </p:txBody>
+      </p:sp>
+      <p:sp>
+        <p:nvSpPr>
+          <p:cNvPr id="3" name="Text Placeholder 2"/>
+          <p:cNvSpPr>
+            <a:spLocks noGrp="1"/>
+          </p:cNvSpPr>
+          <p:nvPr>
+            <p:ph type="body" idx="1"/>
+          </p:nvPr>
+        </p:nvSpPr>
         <p:spPr>
           <a:xfrm>
-            <a:off x="839788" y="365125"/>
-            <a:ext cx="10515600" cy="1325563"/>
+            <a:off x="1103313" y="1905000"/>
+            <a:ext cx="4396338" cy="576262"/>
           </a:xfrm>
         </p:spPr>
         <p:txBody>
-          <a:bodyPr/>
-          <a:lstStyle/>
-          <a:p>
-            <a:r>
-              <a:rPr lang="en-US" smtClean="0"/>
-              <a:t>Click to edit Master title style</a:t>
-            </a:r>
-            <a:endParaRPr lang="en-US"/>
-          </a:p>
-        </p:txBody>
-      </p:sp>
-      <p:sp>
-        <p:nvSpPr>
-          <p:cNvPr id="3" name="Text Placeholder 2"/>
-          <p:cNvSpPr>
-            <a:spLocks noGrp="1"/>
-          </p:cNvSpPr>
-          <p:nvPr>
-            <p:ph type="body" idx="1"/>
-          </p:nvPr>
-        </p:nvSpPr>
-        <p:spPr>
-          <a:xfrm>
-            <a:off x="839788" y="1681163"/>
-            <a:ext cx="5157787" cy="823912"/>
-          </a:xfrm>
-        </p:spPr>
-        <p:txBody>
-          <a:bodyPr anchor="b"/>
+          <a:bodyPr anchor="b">
+            <a:noAutofit/>
+          </a:bodyPr>
           <a:lstStyle>
             <a:lvl1pPr marL="0" indent="0">
               <a:buNone/>
-              <a:defRPr sz="2400" b="1"/>
+              <a:defRPr sz="2400" b="0">
+                <a:solidFill>
+                  <a:schemeClr val="accent1"/>
+                </a:solidFill>
+              </a:defRPr>
             </a:lvl1pPr>
             <a:lvl2pPr marL="457200" indent="0">
               <a:buNone/>
@@ -1420,13 +4867,43 @@
         </p:nvSpPr>
         <p:spPr>
           <a:xfrm>
-            <a:off x="839788" y="2505075"/>
-            <a:ext cx="5157787" cy="3684588"/>
+            <a:off x="1103312" y="2514600"/>
+            <a:ext cx="4396339" cy="3741738"/>
           </a:xfrm>
         </p:spPr>
         <p:txBody>
-          <a:bodyPr/>
-          <a:lstStyle/>
+          <a:bodyPr>
+            <a:normAutofit/>
+          </a:bodyPr>
+          <a:lstStyle>
+            <a:lvl1pPr>
+              <a:defRPr sz="1800"/>
+            </a:lvl1pPr>
+            <a:lvl2pPr>
+              <a:defRPr sz="1600"/>
+            </a:lvl2pPr>
+            <a:lvl3pPr>
+              <a:defRPr sz="1400"/>
+            </a:lvl3pPr>
+            <a:lvl4pPr>
+              <a:defRPr sz="1200"/>
+            </a:lvl4pPr>
+            <a:lvl5pPr>
+              <a:defRPr sz="1200"/>
+            </a:lvl5pPr>
+            <a:lvl6pPr>
+              <a:defRPr sz="1200"/>
+            </a:lvl6pPr>
+            <a:lvl7pPr>
+              <a:defRPr sz="1200"/>
+            </a:lvl7pPr>
+            <a:lvl8pPr>
+              <a:defRPr sz="1200"/>
+            </a:lvl8pPr>
+            <a:lvl9pPr>
+              <a:defRPr sz="1200"/>
+            </a:lvl9pPr>
+          </a:lstStyle>
           <a:p>
             <a:pPr lvl="0"/>
             <a:r>
@@ -1461,7 +4938,7 @@
               <a:rPr lang="en-US" smtClean="0"/>
               <a:t>Fifth level</a:t>
             </a:r>
-            <a:endParaRPr lang="en-US"/>
+            <a:endParaRPr lang="en-US" dirty="0"/>
           </a:p>
         </p:txBody>
       </p:sp>
@@ -1477,16 +4954,22 @@
         </p:nvSpPr>
         <p:spPr>
           <a:xfrm>
-            <a:off x="6172200" y="1681163"/>
-            <a:ext cx="5183188" cy="823912"/>
+            <a:off x="5654495" y="1905000"/>
+            <a:ext cx="4396339" cy="576262"/>
           </a:xfrm>
         </p:spPr>
         <p:txBody>
-          <a:bodyPr anchor="b"/>
+          <a:bodyPr anchor="b">
+            <a:noAutofit/>
+          </a:bodyPr>
           <a:lstStyle>
             <a:lvl1pPr marL="0" indent="0">
               <a:buNone/>
-              <a:defRPr sz="2400" b="1"/>
+              <a:defRPr sz="2400" b="0">
+                <a:solidFill>
+                  <a:schemeClr val="accent1"/>
+                </a:solidFill>
+              </a:defRPr>
             </a:lvl1pPr>
             <a:lvl2pPr marL="457200" indent="0">
               <a:buNone/>
@@ -1542,13 +5025,43 @@
         </p:nvSpPr>
         <p:spPr>
           <a:xfrm>
-            <a:off x="6172200" y="2505075"/>
-            <a:ext cx="5183188" cy="3684588"/>
+            <a:off x="5654495" y="2514600"/>
+            <a:ext cx="4396339" cy="3741738"/>
           </a:xfrm>
         </p:spPr>
         <p:txBody>
-          <a:bodyPr/>
-          <a:lstStyle/>
+          <a:bodyPr>
+            <a:normAutofit/>
+          </a:bodyPr>
+          <a:lstStyle>
+            <a:lvl1pPr>
+              <a:defRPr sz="1800"/>
+            </a:lvl1pPr>
+            <a:lvl2pPr>
+              <a:defRPr sz="1600"/>
+            </a:lvl2pPr>
+            <a:lvl3pPr>
+              <a:defRPr sz="1400"/>
+            </a:lvl3pPr>
+            <a:lvl4pPr>
+              <a:defRPr sz="1200"/>
+            </a:lvl4pPr>
+            <a:lvl5pPr>
+              <a:defRPr sz="1200"/>
+            </a:lvl5pPr>
+            <a:lvl6pPr>
+              <a:defRPr sz="1200"/>
+            </a:lvl6pPr>
+            <a:lvl7pPr>
+              <a:defRPr sz="1200"/>
+            </a:lvl7pPr>
+            <a:lvl8pPr>
+              <a:defRPr sz="1200"/>
+            </a:lvl8pPr>
+            <a:lvl9pPr>
+              <a:defRPr sz="1200"/>
+            </a:lvl9pPr>
+          </a:lstStyle>
           <a:p>
             <a:pPr lvl="0"/>
             <a:r>
@@ -1583,7 +5096,7 @@
               <a:rPr lang="en-US" smtClean="0"/>
               <a:t>Fifth level</a:t>
             </a:r>
-            <a:endParaRPr lang="en-US"/>
+            <a:endParaRPr lang="en-US" dirty="0"/>
           </a:p>
         </p:txBody>
       </p:sp>
@@ -1604,7 +5117,7 @@
           <a:p>
             <a:fld id="{C774F0DE-A2F5-41DA-B85A-E3B3E8CB24C6}" type="datetimeFigureOut">
               <a:rPr lang="en-US" smtClean="0"/>
-              <a:t>27-Nov-16</a:t>
+              <a:t>12/7/2016</a:t>
             </a:fld>
             <a:endParaRPr lang="en-US"/>
           </a:p>
@@ -1655,7 +5168,7 @@
     </p:spTree>
     <p:extLst>
       <p:ext uri="{BB962C8B-B14F-4D97-AF65-F5344CB8AC3E}">
-        <p14:creationId xmlns:p14="http://schemas.microsoft.com/office/powerpoint/2010/main" val="2905199806"/>
+        <p14:creationId xmlns:p14="http://schemas.microsoft.com/office/powerpoint/2010/main" val="1274532277"/>
       </p:ext>
     </p:extLst>
   </p:cSld>
@@ -1701,13 +5214,13 @@
               <a:rPr lang="en-US" smtClean="0"/>
               <a:t>Click to edit Master title style</a:t>
             </a:r>
-            <a:endParaRPr lang="en-US"/>
-          </a:p>
-        </p:txBody>
-      </p:sp>
-      <p:sp>
-        <p:nvSpPr>
-          <p:cNvPr id="3" name="Date Placeholder 2"/>
+            <a:endParaRPr lang="en-US" dirty="0"/>
+          </a:p>
+        </p:txBody>
+      </p:sp>
+      <p:sp>
+        <p:nvSpPr>
+          <p:cNvPr id="7" name="Date Placeholder 2"/>
           <p:cNvSpPr>
             <a:spLocks noGrp="1"/>
           </p:cNvSpPr>
@@ -1722,7 +5235,7 @@
           <a:p>
             <a:fld id="{C774F0DE-A2F5-41DA-B85A-E3B3E8CB24C6}" type="datetimeFigureOut">
               <a:rPr lang="en-US" smtClean="0"/>
-              <a:t>27-Nov-16</a:t>
+              <a:t>12/7/2016</a:t>
             </a:fld>
             <a:endParaRPr lang="en-US"/>
           </a:p>
@@ -1730,7 +5243,7 @@
       </p:sp>
       <p:sp>
         <p:nvSpPr>
-          <p:cNvPr id="4" name="Footer Placeholder 3"/>
+          <p:cNvPr id="5" name="Footer Placeholder 3"/>
           <p:cNvSpPr>
             <a:spLocks noGrp="1"/>
           </p:cNvSpPr>
@@ -1749,7 +5262,7 @@
       </p:sp>
       <p:sp>
         <p:nvSpPr>
-          <p:cNvPr id="5" name="Slide Number Placeholder 4"/>
+          <p:cNvPr id="6" name="Slide Number Placeholder 4"/>
           <p:cNvSpPr>
             <a:spLocks noGrp="1"/>
           </p:cNvSpPr>
@@ -1773,7 +5286,7 @@
     </p:spTree>
     <p:extLst>
       <p:ext uri="{BB962C8B-B14F-4D97-AF65-F5344CB8AC3E}">
-        <p14:creationId xmlns:p14="http://schemas.microsoft.com/office/powerpoint/2010/main" val="2985242357"/>
+        <p14:creationId xmlns:p14="http://schemas.microsoft.com/office/powerpoint/2010/main" val="1264769095"/>
       </p:ext>
     </p:extLst>
   </p:cSld>
@@ -1802,7 +5315,7 @@
       </p:grpSpPr>
       <p:sp>
         <p:nvSpPr>
-          <p:cNvPr id="2" name="Date Placeholder 1"/>
+          <p:cNvPr id="7" name="Date Placeholder 1"/>
           <p:cNvSpPr>
             <a:spLocks noGrp="1"/>
           </p:cNvSpPr>
@@ -1817,7 +5330,7 @@
           <a:p>
             <a:fld id="{C774F0DE-A2F5-41DA-B85A-E3B3E8CB24C6}" type="datetimeFigureOut">
               <a:rPr lang="en-US" smtClean="0"/>
-              <a:t>27-Nov-16</a:t>
+              <a:t>12/7/2016</a:t>
             </a:fld>
             <a:endParaRPr lang="en-US"/>
           </a:p>
@@ -1825,7 +5338,7 @@
       </p:sp>
       <p:sp>
         <p:nvSpPr>
-          <p:cNvPr id="3" name="Footer Placeholder 2"/>
+          <p:cNvPr id="5" name="Footer Placeholder 2"/>
           <p:cNvSpPr>
             <a:spLocks noGrp="1"/>
           </p:cNvSpPr>
@@ -1844,7 +5357,7 @@
       </p:sp>
       <p:sp>
         <p:nvSpPr>
-          <p:cNvPr id="4" name="Slide Number Placeholder 3"/>
+          <p:cNvPr id="6" name="Slide Number Placeholder 3"/>
           <p:cNvSpPr>
             <a:spLocks noGrp="1"/>
           </p:cNvSpPr>
@@ -1868,7 +5381,7 @@
     </p:spTree>
     <p:extLst>
       <p:ext uri="{BB962C8B-B14F-4D97-AF65-F5344CB8AC3E}">
-        <p14:creationId xmlns:p14="http://schemas.microsoft.com/office/powerpoint/2010/main" val="1688151438"/>
+        <p14:creationId xmlns:p14="http://schemas.microsoft.com/office/powerpoint/2010/main" val="696152442"/>
       </p:ext>
     </p:extLst>
   </p:cSld>
@@ -1907,15 +5420,15 @@
         </p:nvSpPr>
         <p:spPr>
           <a:xfrm>
-            <a:off x="839788" y="457200"/>
-            <a:ext cx="3932237" cy="1600200"/>
+            <a:off x="1154954" y="1447800"/>
+            <a:ext cx="3401064" cy="1447800"/>
           </a:xfrm>
         </p:spPr>
         <p:txBody>
           <a:bodyPr anchor="b"/>
           <a:lstStyle>
-            <a:lvl1pPr>
-              <a:defRPr sz="3200"/>
+            <a:lvl1pPr algn="l">
+              <a:defRPr sz="2400" b="0"/>
             </a:lvl1pPr>
           </a:lstStyle>
           <a:p>
@@ -1923,7 +5436,7 @@
               <a:rPr lang="en-US" smtClean="0"/>
               <a:t>Click to edit Master title style</a:t>
             </a:r>
-            <a:endParaRPr lang="en-US"/>
+            <a:endParaRPr lang="en-US" dirty="0"/>
           </a:p>
         </p:txBody>
       </p:sp>
@@ -1939,39 +5452,41 @@
         </p:nvSpPr>
         <p:spPr>
           <a:xfrm>
-            <a:off x="5183188" y="987425"/>
-            <a:ext cx="6172200" cy="4873625"/>
+            <a:off x="4784616" y="1447800"/>
+            <a:ext cx="5195997" cy="4572000"/>
           </a:xfrm>
         </p:spPr>
         <p:txBody>
-          <a:bodyPr/>
+          <a:bodyPr anchor="ctr">
+            <a:normAutofit/>
+          </a:bodyPr>
           <a:lstStyle>
             <a:lvl1pPr>
-              <a:defRPr sz="3200"/>
+              <a:defRPr sz="2000"/>
             </a:lvl1pPr>
             <a:lvl2pPr>
-              <a:defRPr sz="2800"/>
+              <a:defRPr sz="1800"/>
             </a:lvl2pPr>
             <a:lvl3pPr>
-              <a:defRPr sz="2400"/>
+              <a:defRPr sz="1600"/>
             </a:lvl3pPr>
             <a:lvl4pPr>
-              <a:defRPr sz="2000"/>
+              <a:defRPr sz="1400"/>
             </a:lvl4pPr>
             <a:lvl5pPr>
-              <a:defRPr sz="2000"/>
+              <a:defRPr sz="1400"/>
             </a:lvl5pPr>
             <a:lvl6pPr>
-              <a:defRPr sz="2000"/>
+              <a:defRPr sz="1400"/>
             </a:lvl6pPr>
             <a:lvl7pPr>
-              <a:defRPr sz="2000"/>
+              <a:defRPr sz="1400"/>
             </a:lvl7pPr>
             <a:lvl8pPr>
-              <a:defRPr sz="2000"/>
+              <a:defRPr sz="1400"/>
             </a:lvl8pPr>
             <a:lvl9pPr>
-              <a:defRPr sz="2000"/>
+              <a:defRPr sz="1400"/>
             </a:lvl9pPr>
           </a:lstStyle>
           <a:p>
@@ -2008,7 +5523,7 @@
               <a:rPr lang="en-US" smtClean="0"/>
               <a:t>Fifth level</a:t>
             </a:r>
-            <a:endParaRPr lang="en-US"/>
+            <a:endParaRPr lang="en-US" dirty="0"/>
           </a:p>
         </p:txBody>
       </p:sp>
@@ -2024,8 +5539,8 @@
         </p:nvSpPr>
         <p:spPr>
           <a:xfrm>
-            <a:off x="839788" y="2057400"/>
-            <a:ext cx="3932237" cy="3811588"/>
+            <a:off x="1154954" y="3129280"/>
+            <a:ext cx="3401063" cy="2895599"/>
           </a:xfrm>
         </p:spPr>
         <p:txBody>
@@ -2033,39 +5548,39 @@
           <a:lstStyle>
             <a:lvl1pPr marL="0" indent="0">
               <a:buNone/>
-              <a:defRPr sz="1600"/>
+              <a:defRPr sz="1400"/>
             </a:lvl1pPr>
             <a:lvl2pPr marL="457200" indent="0">
               <a:buNone/>
-              <a:defRPr sz="1400"/>
+              <a:defRPr sz="1200"/>
             </a:lvl2pPr>
             <a:lvl3pPr marL="914400" indent="0">
               <a:buNone/>
-              <a:defRPr sz="1200"/>
+              <a:defRPr sz="1000"/>
             </a:lvl3pPr>
             <a:lvl4pPr marL="1371600" indent="0">
               <a:buNone/>
-              <a:defRPr sz="1000"/>
+              <a:defRPr sz="900"/>
             </a:lvl4pPr>
             <a:lvl5pPr marL="1828800" indent="0">
               <a:buNone/>
-              <a:defRPr sz="1000"/>
+              <a:defRPr sz="900"/>
             </a:lvl5pPr>
             <a:lvl6pPr marL="2286000" indent="0">
               <a:buNone/>
-              <a:defRPr sz="1000"/>
+              <a:defRPr sz="900"/>
             </a:lvl6pPr>
             <a:lvl7pPr marL="2743200" indent="0">
               <a:buNone/>
-              <a:defRPr sz="1000"/>
+              <a:defRPr sz="900"/>
             </a:lvl7pPr>
             <a:lvl8pPr marL="3200400" indent="0">
               <a:buNone/>
-              <a:defRPr sz="1000"/>
+              <a:defRPr sz="900"/>
             </a:lvl8pPr>
             <a:lvl9pPr marL="3657600" indent="0">
               <a:buNone/>
-              <a:defRPr sz="1000"/>
+              <a:defRPr sz="900"/>
             </a:lvl9pPr>
           </a:lstStyle>
           <a:p>
@@ -2079,7 +5594,7 @@
       </p:sp>
       <p:sp>
         <p:nvSpPr>
-          <p:cNvPr id="5" name="Date Placeholder 4"/>
+          <p:cNvPr id="7" name="Date Placeholder 4"/>
           <p:cNvSpPr>
             <a:spLocks noGrp="1"/>
           </p:cNvSpPr>
@@ -2094,7 +5609,7 @@
           <a:p>
             <a:fld id="{C774F0DE-A2F5-41DA-B85A-E3B3E8CB24C6}" type="datetimeFigureOut">
               <a:rPr lang="en-US" smtClean="0"/>
-              <a:t>27-Nov-16</a:t>
+              <a:t>12/7/2016</a:t>
             </a:fld>
             <a:endParaRPr lang="en-US"/>
           </a:p>
@@ -2102,7 +5617,7 @@
       </p:sp>
       <p:sp>
         <p:nvSpPr>
-          <p:cNvPr id="6" name="Footer Placeholder 5"/>
+          <p:cNvPr id="5" name="Footer Placeholder 5"/>
           <p:cNvSpPr>
             <a:spLocks noGrp="1"/>
           </p:cNvSpPr>
@@ -2121,7 +5636,7 @@
       </p:sp>
       <p:sp>
         <p:nvSpPr>
-          <p:cNvPr id="7" name="Slide Number Placeholder 6"/>
+          <p:cNvPr id="6" name="Slide Number Placeholder 6"/>
           <p:cNvSpPr>
             <a:spLocks noGrp="1"/>
           </p:cNvSpPr>
@@ -2145,7 +5660,7 @@
     </p:spTree>
     <p:extLst>
       <p:ext uri="{BB962C8B-B14F-4D97-AF65-F5344CB8AC3E}">
-        <p14:creationId xmlns:p14="http://schemas.microsoft.com/office/powerpoint/2010/main" val="1230255029"/>
+        <p14:creationId xmlns:p14="http://schemas.microsoft.com/office/powerpoint/2010/main" val="1543832937"/>
       </p:ext>
     </p:extLst>
   </p:cSld>
@@ -2184,15 +5699,17 @@
         </p:nvSpPr>
         <p:spPr>
           <a:xfrm>
-            <a:off x="839788" y="457200"/>
-            <a:ext cx="3932237" cy="1600200"/>
+            <a:off x="1153907" y="1854192"/>
+            <a:ext cx="5092906" cy="1574808"/>
           </a:xfrm>
         </p:spPr>
         <p:txBody>
-          <a:bodyPr anchor="b"/>
+          <a:bodyPr anchor="b">
+            <a:normAutofit/>
+          </a:bodyPr>
           <a:lstStyle>
-            <a:lvl1pPr>
-              <a:defRPr sz="3200"/>
+            <a:lvl1pPr algn="l">
+              <a:defRPr sz="3600" b="0"/>
             </a:lvl1pPr>
           </a:lstStyle>
           <a:p>
@@ -2200,7 +5717,7 @@
               <a:rPr lang="en-US" smtClean="0"/>
               <a:t>Click to edit Master title style</a:t>
             </a:r>
-            <a:endParaRPr lang="en-US"/>
+            <a:endParaRPr lang="en-US" dirty="0"/>
           </a:p>
         </p:txBody>
       </p:sp>
@@ -2208,7 +5725,7 @@
         <p:nvSpPr>
           <p:cNvPr id="3" name="Picture Placeholder 2"/>
           <p:cNvSpPr>
-            <a:spLocks noGrp="1"/>
+            <a:spLocks noGrp="1" noChangeAspect="1"/>
           </p:cNvSpPr>
           <p:nvPr>
             <p:ph type="pic" idx="1"/>
@@ -2216,112 +5733,132 @@
         </p:nvSpPr>
         <p:spPr>
           <a:xfrm>
-            <a:off x="5183188" y="987425"/>
-            <a:ext cx="6172200" cy="4873625"/>
+            <a:off x="6949546" y="1143000"/>
+            <a:ext cx="3200400" cy="4572000"/>
           </a:xfrm>
+          <a:prstGeom prst="roundRect">
+            <a:avLst>
+              <a:gd name="adj" fmla="val 1858"/>
+            </a:avLst>
+          </a:prstGeom>
+          <a:effectLst>
+            <a:outerShdw blurRad="50800" dist="50800" dir="5400000" algn="tl" rotWithShape="0">
+              <a:srgbClr val="000000">
+                <a:alpha val="43000"/>
+              </a:srgbClr>
+            </a:outerShdw>
+          </a:effectLst>
         </p:spPr>
         <p:txBody>
-          <a:bodyPr/>
+          <a:bodyPr anchor="t">
+            <a:normAutofit/>
+          </a:bodyPr>
           <a:lstStyle>
-            <a:lvl1pPr marL="0" indent="0">
-              <a:buNone/>
-              <a:defRPr sz="3200"/>
-            </a:lvl1pPr>
-            <a:lvl2pPr marL="457200" indent="0">
-              <a:buNone/>
-              <a:defRPr sz="2800"/>
-            </a:lvl2pPr>
-            <a:lvl3pPr marL="914400" indent="0">
-              <a:buNone/>
-              <a:defRPr sz="2400"/>
-            </a:lvl3pPr>
-            <a:lvl4pPr marL="1371600" indent="0">
-              <a:buNone/>
-              <a:defRPr sz="2000"/>
-            </a:lvl4pPr>
-            <a:lvl5pPr marL="1828800" indent="0">
-              <a:buNone/>
-              <a:defRPr sz="2000"/>
-            </a:lvl5pPr>
-            <a:lvl6pPr marL="2286000" indent="0">
-              <a:buNone/>
-              <a:defRPr sz="2000"/>
-            </a:lvl6pPr>
-            <a:lvl7pPr marL="2743200" indent="0">
-              <a:buNone/>
-              <a:defRPr sz="2000"/>
-            </a:lvl7pPr>
-            <a:lvl8pPr marL="3200400" indent="0">
-              <a:buNone/>
-              <a:defRPr sz="2000"/>
-            </a:lvl8pPr>
-            <a:lvl9pPr marL="3657600" indent="0">
-              <a:buNone/>
-              <a:defRPr sz="2000"/>
-            </a:lvl9pPr>
-          </a:lstStyle>
-          <a:p>
-            <a:endParaRPr lang="en-US"/>
-          </a:p>
-        </p:txBody>
-      </p:sp>
-      <p:sp>
-        <p:nvSpPr>
-          <p:cNvPr id="4" name="Text Placeholder 3"/>
-          <p:cNvSpPr>
-            <a:spLocks noGrp="1"/>
-          </p:cNvSpPr>
-          <p:nvPr>
-            <p:ph type="body" sz="half" idx="2"/>
-          </p:nvPr>
-        </p:nvSpPr>
-        <p:spPr>
-          <a:xfrm>
-            <a:off x="839788" y="2057400"/>
-            <a:ext cx="3932237" cy="3811588"/>
-          </a:xfrm>
-        </p:spPr>
-        <p:txBody>
-          <a:bodyPr/>
-          <a:lstStyle>
-            <a:lvl1pPr marL="0" indent="0">
+            <a:lvl1pPr marL="0" indent="0" algn="ctr">
               <a:buNone/>
               <a:defRPr sz="1600"/>
             </a:lvl1pPr>
             <a:lvl2pPr marL="457200" indent="0">
               <a:buNone/>
-              <a:defRPr sz="1400"/>
+              <a:defRPr sz="1600"/>
             </a:lvl2pPr>
             <a:lvl3pPr marL="914400" indent="0">
               <a:buNone/>
-              <a:defRPr sz="1200"/>
+              <a:defRPr sz="1600"/>
             </a:lvl3pPr>
             <a:lvl4pPr marL="1371600" indent="0">
               <a:buNone/>
-              <a:defRPr sz="1000"/>
+              <a:defRPr sz="1600"/>
             </a:lvl4pPr>
             <a:lvl5pPr marL="1828800" indent="0">
               <a:buNone/>
-              <a:defRPr sz="1000"/>
+              <a:defRPr sz="1600"/>
             </a:lvl5pPr>
             <a:lvl6pPr marL="2286000" indent="0">
               <a:buNone/>
-              <a:defRPr sz="1000"/>
+              <a:defRPr sz="1600"/>
             </a:lvl6pPr>
             <a:lvl7pPr marL="2743200" indent="0">
               <a:buNone/>
-              <a:defRPr sz="1000"/>
+              <a:defRPr sz="1600"/>
             </a:lvl7pPr>
             <a:lvl8pPr marL="3200400" indent="0">
               <a:buNone/>
-              <a:defRPr sz="1000"/>
+              <a:defRPr sz="1600"/>
             </a:lvl8pPr>
             <a:lvl9pPr marL="3657600" indent="0">
               <a:buNone/>
-              <a:defRPr sz="1000"/>
+              <a:defRPr sz="1600"/>
             </a:lvl9pPr>
           </a:lstStyle>
           <a:p>
+            <a:r>
+              <a:rPr lang="en-US" smtClean="0"/>
+              <a:t>Click icon to add picture</a:t>
+            </a:r>
+            <a:endParaRPr lang="en-US" dirty="0"/>
+          </a:p>
+        </p:txBody>
+      </p:sp>
+      <p:sp>
+        <p:nvSpPr>
+          <p:cNvPr id="4" name="Text Placeholder 3"/>
+          <p:cNvSpPr>
+            <a:spLocks noGrp="1"/>
+          </p:cNvSpPr>
+          <p:nvPr>
+            <p:ph type="body" sz="half" idx="2"/>
+          </p:nvPr>
+        </p:nvSpPr>
+        <p:spPr>
+          <a:xfrm>
+            <a:off x="1154954" y="3657600"/>
+            <a:ext cx="5084979" cy="1371600"/>
+          </a:xfrm>
+        </p:spPr>
+        <p:txBody>
+          <a:bodyPr>
+            <a:normAutofit/>
+          </a:bodyPr>
+          <a:lstStyle>
+            <a:lvl1pPr marL="0" indent="0">
+              <a:buNone/>
+              <a:defRPr sz="1400"/>
+            </a:lvl1pPr>
+            <a:lvl2pPr marL="457200" indent="0">
+              <a:buNone/>
+              <a:defRPr sz="1200"/>
+            </a:lvl2pPr>
+            <a:lvl3pPr marL="914400" indent="0">
+              <a:buNone/>
+              <a:defRPr sz="1000"/>
+            </a:lvl3pPr>
+            <a:lvl4pPr marL="1371600" indent="0">
+              <a:buNone/>
+              <a:defRPr sz="900"/>
+            </a:lvl4pPr>
+            <a:lvl5pPr marL="1828800" indent="0">
+              <a:buNone/>
+              <a:defRPr sz="900"/>
+            </a:lvl5pPr>
+            <a:lvl6pPr marL="2286000" indent="0">
+              <a:buNone/>
+              <a:defRPr sz="900"/>
+            </a:lvl6pPr>
+            <a:lvl7pPr marL="2743200" indent="0">
+              <a:buNone/>
+              <a:defRPr sz="900"/>
+            </a:lvl7pPr>
+            <a:lvl8pPr marL="3200400" indent="0">
+              <a:buNone/>
+              <a:defRPr sz="900"/>
+            </a:lvl8pPr>
+            <a:lvl9pPr marL="3657600" indent="0">
+              <a:buNone/>
+              <a:defRPr sz="900"/>
+            </a:lvl9pPr>
+          </a:lstStyle>
+          <a:p>
             <a:pPr lvl="0"/>
             <a:r>
               <a:rPr lang="en-US" smtClean="0"/>
@@ -2347,7 +5884,7 @@
           <a:p>
             <a:fld id="{C774F0DE-A2F5-41DA-B85A-E3B3E8CB24C6}" type="datetimeFigureOut">
               <a:rPr lang="en-US" smtClean="0"/>
-              <a:t>27-Nov-16</a:t>
+              <a:t>12/7/2016</a:t>
             </a:fld>
             <a:endParaRPr lang="en-US"/>
           </a:p>
@@ -2398,7 +5935,7 @@
     </p:spTree>
     <p:extLst>
       <p:ext uri="{BB962C8B-B14F-4D97-AF65-F5344CB8AC3E}">
-        <p14:creationId xmlns:p14="http://schemas.microsoft.com/office/powerpoint/2010/main" val="1704637882"/>
+        <p14:creationId xmlns:p14="http://schemas.microsoft.com/office/powerpoint/2010/main" val="3914575162"/>
       </p:ext>
     </p:extLst>
   </p:cSld>
@@ -2412,8 +5949,8 @@
 <p:sldMaster xmlns:a="http://schemas.openxmlformats.org/drawingml/2006/main" xmlns:r="http://schemas.openxmlformats.org/officeDocument/2006/relationships" xmlns:p="http://schemas.openxmlformats.org/presentationml/2006/main">
   <p:cSld>
     <p:bg>
-      <p:bgRef idx="1001">
-        <a:schemeClr val="bg1"/>
+      <p:bgRef idx="1003">
+        <a:schemeClr val="bg2"/>
       </p:bgRef>
     </p:bg>
     <p:spTree>
@@ -2430,125 +5967,420 @@
           <a:chExt cx="0" cy="0"/>
         </a:xfrm>
       </p:grpSpPr>
-      <p:sp>
-        <p:nvSpPr>
-          <p:cNvPr id="2" name="Title Placeholder 1"/>
-          <p:cNvSpPr>
-            <a:spLocks noGrp="1"/>
-          </p:cNvSpPr>
-          <p:nvPr>
-            <p:ph type="title"/>
-          </p:nvPr>
-        </p:nvSpPr>
+      <p:pic>
+        <p:nvPicPr>
+          <p:cNvPr id="8" name="Picture 7"/>
+          <p:cNvPicPr>
+            <a:picLocks noChangeAspect="1"/>
+          </p:cNvPicPr>
+          <p:nvPr/>
+        </p:nvPicPr>
+        <p:blipFill rotWithShape="1">
+          <a:blip r:embed="rId19">
+            <a:extLst>
+              <a:ext uri="{28A0092B-C50C-407E-A947-70E740481C1C}">
+                <a14:useLocalDpi xmlns:a14="http://schemas.microsoft.com/office/drawing/2010/main" val="0"/>
+              </a:ext>
+            </a:extLst>
+          </a:blip>
+          <a:srcRect l="3613"/>
+          <a:stretch/>
+        </p:blipFill>
         <p:spPr>
           <a:xfrm>
-            <a:off x="838200" y="365125"/>
-            <a:ext cx="10515600" cy="1325563"/>
+            <a:off x="0" y="2669685"/>
+            <a:ext cx="4037012" cy="4188315"/>
           </a:xfrm>
           <a:prstGeom prst="rect">
             <a:avLst/>
           </a:prstGeom>
         </p:spPr>
-        <p:txBody>
-          <a:bodyPr vert="horz" lIns="91440" tIns="45720" rIns="91440" bIns="45720" rtlCol="0" anchor="ctr">
-            <a:normAutofit/>
-          </a:bodyPr>
-          <a:lstStyle/>
-          <a:p>
-            <a:r>
-              <a:rPr lang="en-US" smtClean="0"/>
-              <a:t>Click to edit Master title style</a:t>
-            </a:r>
-            <a:endParaRPr lang="en-US"/>
-          </a:p>
-        </p:txBody>
-      </p:sp>
-      <p:sp>
-        <p:nvSpPr>
-          <p:cNvPr id="3" name="Text Placeholder 2"/>
-          <p:cNvSpPr>
-            <a:spLocks noGrp="1"/>
-          </p:cNvSpPr>
-          <p:nvPr>
-            <p:ph type="body" idx="1"/>
-          </p:nvPr>
-        </p:nvSpPr>
+      </p:pic>
+      <p:pic>
+        <p:nvPicPr>
+          <p:cNvPr id="7" name="Picture 6"/>
+          <p:cNvPicPr>
+            <a:picLocks noChangeAspect="1"/>
+          </p:cNvPicPr>
+          <p:nvPr/>
+        </p:nvPicPr>
+        <p:blipFill rotWithShape="1">
+          <a:blip r:embed="rId20">
+            <a:extLst>
+              <a:ext uri="{28A0092B-C50C-407E-A947-70E740481C1C}">
+                <a14:useLocalDpi xmlns:a14="http://schemas.microsoft.com/office/drawing/2010/main" val="0"/>
+              </a:ext>
+            </a:extLst>
+          </a:blip>
+          <a:srcRect l="35640"/>
+          <a:stretch/>
+        </p:blipFill>
         <p:spPr>
           <a:xfrm>
-            <a:off x="838200" y="1825625"/>
-            <a:ext cx="10515600" cy="4351338"/>
+            <a:off x="0" y="2892347"/>
+            <a:ext cx="1522412" cy="2365453"/>
           </a:xfrm>
           <a:prstGeom prst="rect">
             <a:avLst/>
           </a:prstGeom>
         </p:spPr>
-        <p:txBody>
-          <a:bodyPr vert="horz" lIns="91440" tIns="45720" rIns="91440" bIns="45720" rtlCol="0">
-            <a:normAutofit/>
-          </a:bodyPr>
-          <a:lstStyle/>
-          <a:p>
-            <a:pPr lvl="0"/>
-            <a:r>
-              <a:rPr lang="en-US" smtClean="0"/>
-              <a:t>Click to edit Master text styles</a:t>
-            </a:r>
-          </a:p>
-          <a:p>
-            <a:pPr lvl="1"/>
-            <a:r>
-              <a:rPr lang="en-US" smtClean="0"/>
-              <a:t>Second level</a:t>
-            </a:r>
-          </a:p>
-          <a:p>
-            <a:pPr lvl="2"/>
-            <a:r>
-              <a:rPr lang="en-US" smtClean="0"/>
-              <a:t>Third level</a:t>
-            </a:r>
-          </a:p>
-          <a:p>
-            <a:pPr lvl="3"/>
-            <a:r>
-              <a:rPr lang="en-US" smtClean="0"/>
-              <a:t>Fourth level</a:t>
-            </a:r>
-          </a:p>
-          <a:p>
-            <a:pPr lvl="4"/>
-            <a:r>
-              <a:rPr lang="en-US" smtClean="0"/>
-              <a:t>Fifth level</a:t>
-            </a:r>
-            <a:endParaRPr lang="en-US"/>
-          </a:p>
-        </p:txBody>
-      </p:sp>
-      <p:sp>
-        <p:nvSpPr>
-          <p:cNvPr id="4" name="Date Placeholder 3"/>
-          <p:cNvSpPr>
-            <a:spLocks noGrp="1"/>
-          </p:cNvSpPr>
-          <p:nvPr>
-            <p:ph type="dt" sz="half" idx="2"/>
-          </p:nvPr>
+      </p:pic>
+      <p:sp>
+        <p:nvSpPr>
+          <p:cNvPr id="16" name="Oval 15"/>
+          <p:cNvSpPr/>
+          <p:nvPr/>
         </p:nvSpPr>
         <p:spPr>
           <a:xfrm>
-            <a:off x="838200" y="6356350"/>
-            <a:ext cx="2743200" cy="365125"/>
+            <a:off x="8609012" y="1676400"/>
+            <a:ext cx="2819400" cy="2819400"/>
+          </a:xfrm>
+          <a:prstGeom prst="ellipse">
+            <a:avLst/>
+          </a:prstGeom>
+          <a:gradFill flip="none" rotWithShape="1">
+            <a:gsLst>
+              <a:gs pos="0">
+                <a:schemeClr val="bg2">
+                  <a:lumMod val="40000"/>
+                  <a:lumOff val="60000"/>
+                  <a:alpha val="7000"/>
+                </a:schemeClr>
+              </a:gs>
+              <a:gs pos="69000">
+                <a:schemeClr val="bg2">
+                  <a:lumMod val="40000"/>
+                  <a:lumOff val="60000"/>
+                  <a:alpha val="0"/>
+                </a:schemeClr>
+              </a:gs>
+              <a:gs pos="36000">
+                <a:schemeClr val="bg2">
+                  <a:lumMod val="40000"/>
+                  <a:lumOff val="60000"/>
+                  <a:alpha val="6000"/>
+                </a:schemeClr>
+              </a:gs>
+            </a:gsLst>
+            <a:path path="circle">
+              <a:fillToRect l="50000" t="50000" r="50000" b="50000"/>
+            </a:path>
+            <a:tileRect/>
+          </a:gradFill>
+          <a:ln>
+            <a:noFill/>
+          </a:ln>
+          <a:effectLst/>
+        </p:spPr>
+        <p:style>
+          <a:lnRef idx="1">
+            <a:schemeClr val="accent1"/>
+          </a:lnRef>
+          <a:fillRef idx="3">
+            <a:schemeClr val="accent1"/>
+          </a:fillRef>
+          <a:effectRef idx="2">
+            <a:schemeClr val="accent1"/>
+          </a:effectRef>
+          <a:fontRef idx="minor">
+            <a:schemeClr val="lt1"/>
+          </a:fontRef>
+        </p:style>
+      </p:sp>
+      <p:pic>
+        <p:nvPicPr>
+          <p:cNvPr id="9" name="Picture 8"/>
+          <p:cNvPicPr>
+            <a:picLocks noChangeAspect="1"/>
+          </p:cNvPicPr>
+          <p:nvPr/>
+        </p:nvPicPr>
+        <p:blipFill rotWithShape="1">
+          <a:blip r:embed="rId21">
+            <a:extLst>
+              <a:ext uri="{28A0092B-C50C-407E-A947-70E740481C1C}">
+                <a14:useLocalDpi xmlns:a14="http://schemas.microsoft.com/office/drawing/2010/main" val="0"/>
+              </a:ext>
+            </a:extLst>
+          </a:blip>
+          <a:srcRect t="28813"/>
+          <a:stretch/>
+        </p:blipFill>
+        <p:spPr>
+          <a:xfrm>
+            <a:off x="7999412" y="0"/>
+            <a:ext cx="1603387" cy="1141407"/>
           </a:xfrm>
           <a:prstGeom prst="rect">
             <a:avLst/>
           </a:prstGeom>
         </p:spPr>
-        <p:txBody>
-          <a:bodyPr vert="horz" lIns="91440" tIns="45720" rIns="91440" bIns="45720" rtlCol="0" anchor="ctr"/>
+      </p:pic>
+      <p:pic>
+        <p:nvPicPr>
+          <p:cNvPr id="10" name="Picture 9"/>
+          <p:cNvPicPr>
+            <a:picLocks noChangeAspect="1"/>
+          </p:cNvPicPr>
+          <p:nvPr/>
+        </p:nvPicPr>
+        <p:blipFill rotWithShape="1">
+          <a:blip r:embed="rId22">
+            <a:extLst>
+              <a:ext uri="{28A0092B-C50C-407E-A947-70E740481C1C}">
+                <a14:useLocalDpi xmlns:a14="http://schemas.microsoft.com/office/drawing/2010/main" val="0"/>
+              </a:ext>
+            </a:extLst>
+          </a:blip>
+          <a:srcRect b="23320"/>
+          <a:stretch/>
+        </p:blipFill>
+        <p:spPr>
+          <a:xfrm>
+            <a:off x="8609012" y="6096000"/>
+            <a:ext cx="993734" cy="762000"/>
+          </a:xfrm>
+          <a:prstGeom prst="rect">
+            <a:avLst/>
+          </a:prstGeom>
+        </p:spPr>
+      </p:pic>
+      <p:sp>
+        <p:nvSpPr>
+          <p:cNvPr id="14" name="Rectangle 13"/>
+          <p:cNvSpPr/>
+          <p:nvPr/>
+        </p:nvSpPr>
+        <p:spPr>
+          <a:xfrm>
+            <a:off x="10437812" y="0"/>
+            <a:ext cx="685800" cy="1143000"/>
+          </a:xfrm>
+          <a:prstGeom prst="rect">
+            <a:avLst/>
+          </a:prstGeom>
+          <a:solidFill>
+            <a:schemeClr val="accent1"/>
+          </a:solidFill>
+          <a:ln>
+            <a:noFill/>
+          </a:ln>
+        </p:spPr>
+        <p:style>
+          <a:lnRef idx="1">
+            <a:schemeClr val="accent1"/>
+          </a:lnRef>
+          <a:fillRef idx="3">
+            <a:schemeClr val="accent1"/>
+          </a:fillRef>
+          <a:effectRef idx="2">
+            <a:schemeClr val="accent1"/>
+          </a:effectRef>
+          <a:fontRef idx="minor">
+            <a:schemeClr val="lt1"/>
+          </a:fontRef>
+        </p:style>
+      </p:sp>
+      <p:sp>
+        <p:nvSpPr>
+          <p:cNvPr id="2" name="Title Placeholder 1"/>
+          <p:cNvSpPr>
+            <a:spLocks noGrp="1"/>
+          </p:cNvSpPr>
+          <p:nvPr>
+            <p:ph type="title"/>
+          </p:nvPr>
+        </p:nvSpPr>
+        <p:spPr>
+          <a:xfrm>
+            <a:off x="646111" y="452718"/>
+            <a:ext cx="9404723" cy="1400530"/>
+          </a:xfrm>
+          <a:prstGeom prst="rect">
+            <a:avLst/>
+          </a:prstGeom>
+        </p:spPr>
+        <p:txBody>
+          <a:bodyPr vert="horz" lIns="91440" tIns="45720" rIns="91440" bIns="45720" rtlCol="0" anchor="t">
+            <a:noAutofit/>
+          </a:bodyPr>
+          <a:lstStyle/>
+          <a:p>
+            <a:r>
+              <a:rPr lang="en-US" smtClean="0"/>
+              <a:t>Click to edit Master title style</a:t>
+            </a:r>
+            <a:endParaRPr lang="en-US" dirty="0"/>
+          </a:p>
+        </p:txBody>
+      </p:sp>
+      <p:sp>
+        <p:nvSpPr>
+          <p:cNvPr id="3" name="Text Placeholder 2"/>
+          <p:cNvSpPr>
+            <a:spLocks noGrp="1"/>
+          </p:cNvSpPr>
+          <p:nvPr>
+            <p:ph type="body" idx="1"/>
+          </p:nvPr>
+        </p:nvSpPr>
+        <p:spPr>
+          <a:xfrm>
+            <a:off x="1103312" y="2052918"/>
+            <a:ext cx="8946541" cy="4195481"/>
+          </a:xfrm>
+          <a:prstGeom prst="rect">
+            <a:avLst/>
+          </a:prstGeom>
+        </p:spPr>
+        <p:txBody>
+          <a:bodyPr vert="horz" lIns="91440" tIns="45720" rIns="91440" bIns="45720" rtlCol="0">
+            <a:normAutofit/>
+          </a:bodyPr>
+          <a:lstStyle/>
+          <a:p>
+            <a:pPr lvl="0"/>
+            <a:r>
+              <a:rPr lang="en-US" smtClean="0"/>
+              <a:t>Click to edit Master text styles</a:t>
+            </a:r>
+          </a:p>
+          <a:p>
+            <a:pPr lvl="1"/>
+            <a:r>
+              <a:rPr lang="en-US" smtClean="0"/>
+              <a:t>Second level</a:t>
+            </a:r>
+          </a:p>
+          <a:p>
+            <a:pPr lvl="2"/>
+            <a:r>
+              <a:rPr lang="en-US" smtClean="0"/>
+              <a:t>Third level</a:t>
+            </a:r>
+          </a:p>
+          <a:p>
+            <a:pPr lvl="3"/>
+            <a:r>
+              <a:rPr lang="en-US" smtClean="0"/>
+              <a:t>Fourth level</a:t>
+            </a:r>
+          </a:p>
+          <a:p>
+            <a:pPr lvl="4"/>
+            <a:r>
+              <a:rPr lang="en-US" smtClean="0"/>
+              <a:t>Fifth level</a:t>
+            </a:r>
+            <a:endParaRPr lang="en-US" dirty="0"/>
+          </a:p>
+        </p:txBody>
+      </p:sp>
+      <p:sp>
+        <p:nvSpPr>
+          <p:cNvPr id="4" name="Date Placeholder 3"/>
+          <p:cNvSpPr>
+            <a:spLocks noGrp="1"/>
+          </p:cNvSpPr>
+          <p:nvPr>
+            <p:ph type="dt" sz="half" idx="2"/>
+          </p:nvPr>
+        </p:nvSpPr>
+        <p:spPr>
+          <a:xfrm rot="5400000">
+            <a:off x="10155639" y="1790701"/>
+            <a:ext cx="990599" cy="304799"/>
+          </a:xfrm>
+          <a:prstGeom prst="rect">
+            <a:avLst/>
+          </a:prstGeom>
+        </p:spPr>
+        <p:txBody>
+          <a:bodyPr vert="horz" lIns="91440" tIns="45720" rIns="91440" bIns="45720" rtlCol="0" anchor="t"/>
           <a:lstStyle>
             <a:lvl1pPr algn="l">
-              <a:defRPr sz="1200">
+              <a:defRPr sz="1100" b="0" i="0">
+                <a:solidFill>
+                  <a:schemeClr val="tx1">
+                    <a:tint val="75000"/>
+                    <a:alpha val="60000"/>
+                  </a:schemeClr>
+                </a:solidFill>
+              </a:defRPr>
+            </a:lvl1pPr>
+          </a:lstStyle>
+          <a:p>
+            <a:fld id="{C774F0DE-A2F5-41DA-B85A-E3B3E8CB24C6}" type="datetimeFigureOut">
+              <a:rPr lang="en-US" smtClean="0"/>
+              <a:t>12/7/2016</a:t>
+            </a:fld>
+            <a:endParaRPr lang="en-US"/>
+          </a:p>
+        </p:txBody>
+      </p:sp>
+      <p:sp>
+        <p:nvSpPr>
+          <p:cNvPr id="5" name="Footer Placeholder 4"/>
+          <p:cNvSpPr>
+            <a:spLocks noGrp="1"/>
+          </p:cNvSpPr>
+          <p:nvPr>
+            <p:ph type="ftr" sz="quarter" idx="3"/>
+          </p:nvPr>
+        </p:nvSpPr>
+        <p:spPr>
+          <a:xfrm rot="5400000">
+            <a:off x="8951573" y="3225297"/>
+            <a:ext cx="3859795" cy="304801"/>
+          </a:xfrm>
+          <a:prstGeom prst="rect">
+            <a:avLst/>
+          </a:prstGeom>
+        </p:spPr>
+        <p:txBody>
+          <a:bodyPr vert="horz" lIns="91440" tIns="45720" rIns="91440" bIns="45720" rtlCol="0" anchor="b"/>
+          <a:lstStyle>
+            <a:lvl1pPr algn="l">
+              <a:defRPr sz="1100" b="0" i="0">
+                <a:solidFill>
+                  <a:schemeClr val="tx1">
+                    <a:tint val="75000"/>
+                    <a:alpha val="60000"/>
+                  </a:schemeClr>
+                </a:solidFill>
+              </a:defRPr>
+            </a:lvl1pPr>
+          </a:lstStyle>
+          <a:p>
+            <a:endParaRPr lang="en-US"/>
+          </a:p>
+        </p:txBody>
+      </p:sp>
+      <p:sp>
+        <p:nvSpPr>
+          <p:cNvPr id="6" name="Slide Number Placeholder 5"/>
+          <p:cNvSpPr>
+            <a:spLocks noGrp="1"/>
+          </p:cNvSpPr>
+          <p:nvPr>
+            <p:ph type="sldNum" sz="quarter" idx="4"/>
+          </p:nvPr>
+        </p:nvSpPr>
+        <p:spPr>
+          <a:xfrm>
+            <a:off x="10352540" y="295729"/>
+            <a:ext cx="838199" cy="767687"/>
+          </a:xfrm>
+          <a:prstGeom prst="rect">
+            <a:avLst/>
+          </a:prstGeom>
+        </p:spPr>
+        <p:txBody>
+          <a:bodyPr vert="horz" lIns="91440" tIns="45720" rIns="91440" bIns="45720" rtlCol="0" anchor="b"/>
+          <a:lstStyle>
+            <a:lvl1pPr algn="ctr">
+              <a:defRPr sz="2800" b="0" i="0">
                 <a:solidFill>
                   <a:schemeClr val="tx1">
                     <a:tint val="75000"/>
@@ -2558,84 +6390,6 @@
             </a:lvl1pPr>
           </a:lstStyle>
           <a:p>
-            <a:fld id="{C774F0DE-A2F5-41DA-B85A-E3B3E8CB24C6}" type="datetimeFigureOut">
-              <a:rPr lang="en-US" smtClean="0"/>
-              <a:t>27-Nov-16</a:t>
-            </a:fld>
-            <a:endParaRPr lang="en-US"/>
-          </a:p>
-        </p:txBody>
-      </p:sp>
-      <p:sp>
-        <p:nvSpPr>
-          <p:cNvPr id="5" name="Footer Placeholder 4"/>
-          <p:cNvSpPr>
-            <a:spLocks noGrp="1"/>
-          </p:cNvSpPr>
-          <p:nvPr>
-            <p:ph type="ftr" sz="quarter" idx="3"/>
-          </p:nvPr>
-        </p:nvSpPr>
-        <p:spPr>
-          <a:xfrm>
-            <a:off x="4038600" y="6356350"/>
-            <a:ext cx="4114800" cy="365125"/>
-          </a:xfrm>
-          <a:prstGeom prst="rect">
-            <a:avLst/>
-          </a:prstGeom>
-        </p:spPr>
-        <p:txBody>
-          <a:bodyPr vert="horz" lIns="91440" tIns="45720" rIns="91440" bIns="45720" rtlCol="0" anchor="ctr"/>
-          <a:lstStyle>
-            <a:lvl1pPr algn="ctr">
-              <a:defRPr sz="1200">
-                <a:solidFill>
-                  <a:schemeClr val="tx1">
-                    <a:tint val="75000"/>
-                  </a:schemeClr>
-                </a:solidFill>
-              </a:defRPr>
-            </a:lvl1pPr>
-          </a:lstStyle>
-          <a:p>
-            <a:endParaRPr lang="en-US"/>
-          </a:p>
-        </p:txBody>
-      </p:sp>
-      <p:sp>
-        <p:nvSpPr>
-          <p:cNvPr id="6" name="Slide Number Placeholder 5"/>
-          <p:cNvSpPr>
-            <a:spLocks noGrp="1"/>
-          </p:cNvSpPr>
-          <p:nvPr>
-            <p:ph type="sldNum" sz="quarter" idx="4"/>
-          </p:nvPr>
-        </p:nvSpPr>
-        <p:spPr>
-          <a:xfrm>
-            <a:off x="8610600" y="6356350"/>
-            <a:ext cx="2743200" cy="365125"/>
-          </a:xfrm>
-          <a:prstGeom prst="rect">
-            <a:avLst/>
-          </a:prstGeom>
-        </p:spPr>
-        <p:txBody>
-          <a:bodyPr vert="horz" lIns="91440" tIns="45720" rIns="91440" bIns="45720" rtlCol="0" anchor="ctr"/>
-          <a:lstStyle>
-            <a:lvl1pPr algn="r">
-              <a:defRPr sz="1200">
-                <a:solidFill>
-                  <a:schemeClr val="tx1">
-                    <a:tint val="75000"/>
-                  </a:schemeClr>
-                </a:solidFill>
-              </a:defRPr>
-            </a:lvl1pPr>
-          </a:lstStyle>
-          <a:p>
             <a:fld id="{5D4C645C-79E0-422E-B13A-BEF7109FA0D3}" type="slidenum">
               <a:rPr lang="en-US" smtClean="0"/>
               <a:t>‹#›</a:t>
@@ -2647,35 +6401,118 @@
     </p:spTree>
     <p:extLst>
       <p:ext uri="{BB962C8B-B14F-4D97-AF65-F5344CB8AC3E}">
-        <p14:creationId xmlns:p14="http://schemas.microsoft.com/office/powerpoint/2010/main" val="3381318595"/>
+        <p14:creationId xmlns:p14="http://schemas.microsoft.com/office/powerpoint/2010/main" val="3732160716"/>
       </p:ext>
     </p:extLst>
   </p:cSld>
-  <p:clrMap bg1="lt1" tx1="dk1" bg2="lt2" tx2="dk2" accent1="accent1" accent2="accent2" accent3="accent3" accent4="accent4" accent5="accent5" accent6="accent6" hlink="hlink" folHlink="folHlink"/>
+  <p:clrMap bg1="dk1" tx1="lt1" bg2="dk2" tx2="lt2" accent1="accent1" accent2="accent2" accent3="accent3" accent4="accent4" accent5="accent5" accent6="accent6" hlink="hlink" folHlink="folHlink"/>
   <p:sldLayoutIdLst>
-    <p:sldLayoutId id="2147483649" r:id="rId1"/>
-    <p:sldLayoutId id="2147483650" r:id="rId2"/>
-    <p:sldLayoutId id="2147483651" r:id="rId3"/>
-    <p:sldLayoutId id="2147483652" r:id="rId4"/>
-    <p:sldLayoutId id="2147483653" r:id="rId5"/>
-    <p:sldLayoutId id="2147483654" r:id="rId6"/>
-    <p:sldLayoutId id="2147483655" r:id="rId7"/>
-    <p:sldLayoutId id="2147483656" r:id="rId8"/>
-    <p:sldLayoutId id="2147483657" r:id="rId9"/>
-    <p:sldLayoutId id="2147483658" r:id="rId10"/>
-    <p:sldLayoutId id="2147483659" r:id="rId11"/>
+    <p:sldLayoutId id="2147483715" r:id="rId1"/>
+    <p:sldLayoutId id="2147483716" r:id="rId2"/>
+    <p:sldLayoutId id="2147483717" r:id="rId3"/>
+    <p:sldLayoutId id="2147483718" r:id="rId4"/>
+    <p:sldLayoutId id="2147483719" r:id="rId5"/>
+    <p:sldLayoutId id="2147483720" r:id="rId6"/>
+    <p:sldLayoutId id="2147483721" r:id="rId7"/>
+    <p:sldLayoutId id="2147483722" r:id="rId8"/>
+    <p:sldLayoutId id="2147483723" r:id="rId9"/>
+    <p:sldLayoutId id="2147483724" r:id="rId10"/>
+    <p:sldLayoutId id="2147483725" r:id="rId11"/>
+    <p:sldLayoutId id="2147483726" r:id="rId12"/>
+    <p:sldLayoutId id="2147483727" r:id="rId13"/>
+    <p:sldLayoutId id="2147483728" r:id="rId14"/>
+    <p:sldLayoutId id="2147483729" r:id="rId15"/>
+    <p:sldLayoutId id="2147483730" r:id="rId16"/>
+    <p:sldLayoutId id="2147483731" r:id="rId17"/>
   </p:sldLayoutIdLst>
   <p:txStyles>
     <p:titleStyle>
-      <a:lvl1pPr algn="l" defTabSz="914400" rtl="0" eaLnBrk="1" latinLnBrk="0" hangingPunct="1">
-        <a:lnSpc>
-          <a:spcPct val="90000"/>
-        </a:lnSpc>
+      <a:lvl1pPr algn="l" defTabSz="457200" rtl="0" eaLnBrk="1" latinLnBrk="0" hangingPunct="1">
         <a:spcBef>
           <a:spcPct val="0"/>
         </a:spcBef>
         <a:buNone/>
-        <a:defRPr sz="4400" kern="1200">
+        <a:defRPr sz="4200" b="0" i="0" kern="1200">
+          <a:solidFill>
+            <a:schemeClr val="tx2"/>
+          </a:solidFill>
+          <a:latin typeface="+mj-lt"/>
+          <a:ea typeface="+mj-ea"/>
+          <a:cs typeface="+mj-cs"/>
+        </a:defRPr>
+      </a:lvl1pPr>
+      <a:lvl2pPr eaLnBrk="1" hangingPunct="1">
+        <a:defRPr>
+          <a:solidFill>
+            <a:schemeClr val="tx2"/>
+          </a:solidFill>
+        </a:defRPr>
+      </a:lvl2pPr>
+      <a:lvl3pPr eaLnBrk="1" hangingPunct="1">
+        <a:defRPr>
+          <a:solidFill>
+            <a:schemeClr val="tx2"/>
+          </a:solidFill>
+        </a:defRPr>
+      </a:lvl3pPr>
+      <a:lvl4pPr eaLnBrk="1" hangingPunct="1">
+        <a:defRPr>
+          <a:solidFill>
+            <a:schemeClr val="tx2"/>
+          </a:solidFill>
+        </a:defRPr>
+      </a:lvl4pPr>
+      <a:lvl5pPr eaLnBrk="1" hangingPunct="1">
+        <a:defRPr>
+          <a:solidFill>
+            <a:schemeClr val="tx2"/>
+          </a:solidFill>
+        </a:defRPr>
+      </a:lvl5pPr>
+      <a:lvl6pPr eaLnBrk="1" hangingPunct="1">
+        <a:defRPr>
+          <a:solidFill>
+            <a:schemeClr val="tx2"/>
+          </a:solidFill>
+        </a:defRPr>
+      </a:lvl6pPr>
+      <a:lvl7pPr eaLnBrk="1" hangingPunct="1">
+        <a:defRPr>
+          <a:solidFill>
+            <a:schemeClr val="tx2"/>
+          </a:solidFill>
+        </a:defRPr>
+      </a:lvl7pPr>
+      <a:lvl8pPr eaLnBrk="1" hangingPunct="1">
+        <a:defRPr>
+          <a:solidFill>
+            <a:schemeClr val="tx2"/>
+          </a:solidFill>
+        </a:defRPr>
+      </a:lvl8pPr>
+      <a:lvl9pPr eaLnBrk="1" hangingPunct="1">
+        <a:defRPr>
+          <a:solidFill>
+            <a:schemeClr val="tx2"/>
+          </a:solidFill>
+        </a:defRPr>
+      </a:lvl9pPr>
+    </p:titleStyle>
+    <p:bodyStyle>
+      <a:lvl1pPr marL="342900" indent="-342900" algn="l" defTabSz="457200" rtl="0" eaLnBrk="1" latinLnBrk="0" hangingPunct="1">
+        <a:spcBef>
+          <a:spcPts val="1000"/>
+        </a:spcBef>
+        <a:spcAft>
+          <a:spcPts val="0"/>
+        </a:spcAft>
+        <a:buClr>
+          <a:schemeClr val="accent1"/>
+        </a:buClr>
+        <a:buSzPct val="80000"/>
+        <a:buFont typeface="Wingdings 3" charset="2"/>
+        <a:buChar char=""/>
+        <a:defRPr sz="2000" b="0" i="0" kern="1200">
           <a:solidFill>
             <a:schemeClr val="tx1"/>
           </a:solidFill>
@@ -2684,18 +6521,189 @@
           <a:cs typeface="+mj-cs"/>
         </a:defRPr>
       </a:lvl1pPr>
-    </p:titleStyle>
-    <p:bodyStyle>
-      <a:lvl1pPr marL="228600" indent="-228600" algn="l" defTabSz="914400" rtl="0" eaLnBrk="1" latinLnBrk="0" hangingPunct="1">
-        <a:lnSpc>
-          <a:spcPct val="90000"/>
-        </a:lnSpc>
+      <a:lvl2pPr marL="742950" indent="-285750" algn="l" defTabSz="457200" rtl="0" eaLnBrk="1" latinLnBrk="0" hangingPunct="1">
         <a:spcBef>
           <a:spcPts val="1000"/>
         </a:spcBef>
-        <a:buFont typeface="Arial" panose="020B0604020202020204" pitchFamily="34" charset="0"/>
-        <a:buChar char="•"/>
-        <a:defRPr sz="2800" kern="1200">
+        <a:spcAft>
+          <a:spcPts val="0"/>
+        </a:spcAft>
+        <a:buClr>
+          <a:schemeClr val="accent1"/>
+        </a:buClr>
+        <a:buSzPct val="80000"/>
+        <a:buFont typeface="Wingdings 3" charset="2"/>
+        <a:buChar char=""/>
+        <a:defRPr sz="1800" b="0" i="0" kern="1200">
+          <a:solidFill>
+            <a:schemeClr val="tx1"/>
+          </a:solidFill>
+          <a:latin typeface="+mj-lt"/>
+          <a:ea typeface="+mj-ea"/>
+          <a:cs typeface="+mj-cs"/>
+        </a:defRPr>
+      </a:lvl2pPr>
+      <a:lvl3pPr marL="1143000" indent="-228600" algn="l" defTabSz="457200" rtl="0" eaLnBrk="1" latinLnBrk="0" hangingPunct="1">
+        <a:spcBef>
+          <a:spcPts val="1000"/>
+        </a:spcBef>
+        <a:spcAft>
+          <a:spcPts val="0"/>
+        </a:spcAft>
+        <a:buClr>
+          <a:schemeClr val="accent1"/>
+        </a:buClr>
+        <a:buSzPct val="80000"/>
+        <a:buFont typeface="Wingdings 3" charset="2"/>
+        <a:buChar char=""/>
+        <a:defRPr sz="1600" b="0" i="0" kern="1200">
+          <a:solidFill>
+            <a:schemeClr val="tx1"/>
+          </a:solidFill>
+          <a:latin typeface="+mj-lt"/>
+          <a:ea typeface="+mj-ea"/>
+          <a:cs typeface="+mj-cs"/>
+        </a:defRPr>
+      </a:lvl3pPr>
+      <a:lvl4pPr marL="1600200" indent="-228600" algn="l" defTabSz="457200" rtl="0" eaLnBrk="1" latinLnBrk="0" hangingPunct="1">
+        <a:spcBef>
+          <a:spcPts val="1000"/>
+        </a:spcBef>
+        <a:spcAft>
+          <a:spcPts val="0"/>
+        </a:spcAft>
+        <a:buClr>
+          <a:schemeClr val="accent1"/>
+        </a:buClr>
+        <a:buSzPct val="80000"/>
+        <a:buFont typeface="Wingdings 3" charset="2"/>
+        <a:buChar char=""/>
+        <a:defRPr sz="1400" b="0" i="0" kern="1200">
+          <a:solidFill>
+            <a:schemeClr val="tx1"/>
+          </a:solidFill>
+          <a:latin typeface="+mj-lt"/>
+          <a:ea typeface="+mj-ea"/>
+          <a:cs typeface="+mj-cs"/>
+        </a:defRPr>
+      </a:lvl4pPr>
+      <a:lvl5pPr marL="2057400" indent="-228600" algn="l" defTabSz="457200" rtl="0" eaLnBrk="1" latinLnBrk="0" hangingPunct="1">
+        <a:spcBef>
+          <a:spcPts val="1000"/>
+        </a:spcBef>
+        <a:spcAft>
+          <a:spcPts val="0"/>
+        </a:spcAft>
+        <a:buClr>
+          <a:schemeClr val="accent1"/>
+        </a:buClr>
+        <a:buSzPct val="80000"/>
+        <a:buFont typeface="Wingdings 3" charset="2"/>
+        <a:buChar char=""/>
+        <a:defRPr sz="1400" b="0" i="0" kern="1200">
+          <a:solidFill>
+            <a:schemeClr val="tx1"/>
+          </a:solidFill>
+          <a:latin typeface="+mj-lt"/>
+          <a:ea typeface="+mj-ea"/>
+          <a:cs typeface="+mj-cs"/>
+        </a:defRPr>
+      </a:lvl5pPr>
+      <a:lvl6pPr marL="2514600" indent="-228600" algn="l" defTabSz="457200" rtl="0" eaLnBrk="1" latinLnBrk="0" hangingPunct="1">
+        <a:spcBef>
+          <a:spcPts val="1000"/>
+        </a:spcBef>
+        <a:spcAft>
+          <a:spcPts val="0"/>
+        </a:spcAft>
+        <a:buClr>
+          <a:schemeClr val="accent1"/>
+        </a:buClr>
+        <a:buSzPct val="80000"/>
+        <a:buFont typeface="Wingdings 3" charset="2"/>
+        <a:buChar char=""/>
+        <a:defRPr sz="1400" b="0" i="0" kern="1200">
+          <a:solidFill>
+            <a:schemeClr val="tx1"/>
+          </a:solidFill>
+          <a:latin typeface="+mj-lt"/>
+          <a:ea typeface="+mj-ea"/>
+          <a:cs typeface="+mj-cs"/>
+        </a:defRPr>
+      </a:lvl6pPr>
+      <a:lvl7pPr marL="2971800" indent="-228600" algn="l" defTabSz="457200" rtl="0" eaLnBrk="1" latinLnBrk="0" hangingPunct="1">
+        <a:spcBef>
+          <a:spcPts val="1000"/>
+        </a:spcBef>
+        <a:spcAft>
+          <a:spcPts val="0"/>
+        </a:spcAft>
+        <a:buClr>
+          <a:schemeClr val="accent1"/>
+        </a:buClr>
+        <a:buSzPct val="80000"/>
+        <a:buFont typeface="Wingdings 3" charset="2"/>
+        <a:buChar char=""/>
+        <a:defRPr sz="1400" b="0" i="0" kern="1200">
+          <a:solidFill>
+            <a:schemeClr val="tx1"/>
+          </a:solidFill>
+          <a:latin typeface="+mj-lt"/>
+          <a:ea typeface="+mj-ea"/>
+          <a:cs typeface="+mj-cs"/>
+        </a:defRPr>
+      </a:lvl7pPr>
+      <a:lvl8pPr marL="3429000" indent="-228600" algn="l" defTabSz="457200" rtl="0" eaLnBrk="1" latinLnBrk="0" hangingPunct="1">
+        <a:spcBef>
+          <a:spcPts val="1000"/>
+        </a:spcBef>
+        <a:spcAft>
+          <a:spcPts val="0"/>
+        </a:spcAft>
+        <a:buClr>
+          <a:schemeClr val="accent1"/>
+        </a:buClr>
+        <a:buSzPct val="80000"/>
+        <a:buFont typeface="Wingdings 3" charset="2"/>
+        <a:buChar char=""/>
+        <a:defRPr sz="1400" b="0" i="0" kern="1200">
+          <a:solidFill>
+            <a:schemeClr val="tx1"/>
+          </a:solidFill>
+          <a:latin typeface="+mj-lt"/>
+          <a:ea typeface="+mj-ea"/>
+          <a:cs typeface="+mj-cs"/>
+        </a:defRPr>
+      </a:lvl8pPr>
+      <a:lvl9pPr marL="3886200" indent="-228600" algn="l" defTabSz="457200" rtl="0" eaLnBrk="1" latinLnBrk="0" hangingPunct="1">
+        <a:spcBef>
+          <a:spcPts val="1000"/>
+        </a:spcBef>
+        <a:spcAft>
+          <a:spcPts val="0"/>
+        </a:spcAft>
+        <a:buClr>
+          <a:schemeClr val="accent1"/>
+        </a:buClr>
+        <a:buSzPct val="80000"/>
+        <a:buFont typeface="Wingdings 3" charset="2"/>
+        <a:buChar char=""/>
+        <a:defRPr sz="1400" b="0" i="0" kern="1200">
+          <a:solidFill>
+            <a:schemeClr val="tx1"/>
+          </a:solidFill>
+          <a:latin typeface="+mj-lt"/>
+          <a:ea typeface="+mj-ea"/>
+          <a:cs typeface="+mj-cs"/>
+        </a:defRPr>
+      </a:lvl9pPr>
+    </p:bodyStyle>
+    <p:otherStyle>
+      <a:defPPr>
+        <a:defRPr lang="en-US"/>
+      </a:defPPr>
+      <a:lvl1pPr marL="0" algn="l" defTabSz="457200" rtl="0" eaLnBrk="1" latinLnBrk="0" hangingPunct="1">
+        <a:defRPr sz="1800" kern="1200">
           <a:solidFill>
             <a:schemeClr val="tx1"/>
           </a:solidFill>
@@ -2704,16 +6712,8 @@
           <a:cs typeface="+mn-cs"/>
         </a:defRPr>
       </a:lvl1pPr>
-      <a:lvl2pPr marL="685800" indent="-228600" algn="l" defTabSz="914400" rtl="0" eaLnBrk="1" latinLnBrk="0" hangingPunct="1">
-        <a:lnSpc>
-          <a:spcPct val="90000"/>
-        </a:lnSpc>
-        <a:spcBef>
-          <a:spcPts val="500"/>
-        </a:spcBef>
-        <a:buFont typeface="Arial" panose="020B0604020202020204" pitchFamily="34" charset="0"/>
-        <a:buChar char="•"/>
-        <a:defRPr sz="2400" kern="1200">
+      <a:lvl2pPr marL="457200" algn="l" defTabSz="457200" rtl="0" eaLnBrk="1" latinLnBrk="0" hangingPunct="1">
+        <a:defRPr sz="1800" kern="1200">
           <a:solidFill>
             <a:schemeClr val="tx1"/>
           </a:solidFill>
@@ -2722,16 +6722,8 @@
           <a:cs typeface="+mn-cs"/>
         </a:defRPr>
       </a:lvl2pPr>
-      <a:lvl3pPr marL="1143000" indent="-228600" algn="l" defTabSz="914400" rtl="0" eaLnBrk="1" latinLnBrk="0" hangingPunct="1">
-        <a:lnSpc>
-          <a:spcPct val="90000"/>
-        </a:lnSpc>
-        <a:spcBef>
-          <a:spcPts val="500"/>
-        </a:spcBef>
-        <a:buFont typeface="Arial" panose="020B0604020202020204" pitchFamily="34" charset="0"/>
-        <a:buChar char="•"/>
-        <a:defRPr sz="2000" kern="1200">
+      <a:lvl3pPr marL="914400" algn="l" defTabSz="457200" rtl="0" eaLnBrk="1" latinLnBrk="0" hangingPunct="1">
+        <a:defRPr sz="1800" kern="1200">
           <a:solidFill>
             <a:schemeClr val="tx1"/>
           </a:solidFill>
@@ -2740,15 +6732,7 @@
           <a:cs typeface="+mn-cs"/>
         </a:defRPr>
       </a:lvl3pPr>
-      <a:lvl4pPr marL="1600200" indent="-228600" algn="l" defTabSz="914400" rtl="0" eaLnBrk="1" latinLnBrk="0" hangingPunct="1">
-        <a:lnSpc>
-          <a:spcPct val="90000"/>
-        </a:lnSpc>
-        <a:spcBef>
-          <a:spcPts val="500"/>
-        </a:spcBef>
-        <a:buFont typeface="Arial" panose="020B0604020202020204" pitchFamily="34" charset="0"/>
-        <a:buChar char="•"/>
+      <a:lvl4pPr marL="1371600" algn="l" defTabSz="457200" rtl="0" eaLnBrk="1" latinLnBrk="0" hangingPunct="1">
         <a:defRPr sz="1800" kern="1200">
           <a:solidFill>
             <a:schemeClr val="tx1"/>
@@ -2758,15 +6742,7 @@
           <a:cs typeface="+mn-cs"/>
         </a:defRPr>
       </a:lvl4pPr>
-      <a:lvl5pPr marL="2057400" indent="-228600" algn="l" defTabSz="914400" rtl="0" eaLnBrk="1" latinLnBrk="0" hangingPunct="1">
-        <a:lnSpc>
-          <a:spcPct val="90000"/>
-        </a:lnSpc>
-        <a:spcBef>
-          <a:spcPts val="500"/>
-        </a:spcBef>
-        <a:buFont typeface="Arial" panose="020B0604020202020204" pitchFamily="34" charset="0"/>
-        <a:buChar char="•"/>
+      <a:lvl5pPr marL="1828800" algn="l" defTabSz="457200" rtl="0" eaLnBrk="1" latinLnBrk="0" hangingPunct="1">
         <a:defRPr sz="1800" kern="1200">
           <a:solidFill>
             <a:schemeClr val="tx1"/>
@@ -2776,15 +6752,7 @@
           <a:cs typeface="+mn-cs"/>
         </a:defRPr>
       </a:lvl5pPr>
-      <a:lvl6pPr marL="2514600" indent="-228600" algn="l" defTabSz="914400" rtl="0" eaLnBrk="1" latinLnBrk="0" hangingPunct="1">
-        <a:lnSpc>
-          <a:spcPct val="90000"/>
-        </a:lnSpc>
-        <a:spcBef>
-          <a:spcPts val="500"/>
-        </a:spcBef>
-        <a:buFont typeface="Arial" panose="020B0604020202020204" pitchFamily="34" charset="0"/>
-        <a:buChar char="•"/>
+      <a:lvl6pPr marL="2286000" algn="l" defTabSz="457200" rtl="0" eaLnBrk="1" latinLnBrk="0" hangingPunct="1">
         <a:defRPr sz="1800" kern="1200">
           <a:solidFill>
             <a:schemeClr val="tx1"/>
@@ -2794,15 +6762,7 @@
           <a:cs typeface="+mn-cs"/>
         </a:defRPr>
       </a:lvl6pPr>
-      <a:lvl7pPr marL="2971800" indent="-228600" algn="l" defTabSz="914400" rtl="0" eaLnBrk="1" latinLnBrk="0" hangingPunct="1">
-        <a:lnSpc>
-          <a:spcPct val="90000"/>
-        </a:lnSpc>
-        <a:spcBef>
-          <a:spcPts val="500"/>
-        </a:spcBef>
-        <a:buFont typeface="Arial" panose="020B0604020202020204" pitchFamily="34" charset="0"/>
-        <a:buChar char="•"/>
+      <a:lvl7pPr marL="2743200" algn="l" defTabSz="457200" rtl="0" eaLnBrk="1" latinLnBrk="0" hangingPunct="1">
         <a:defRPr sz="1800" kern="1200">
           <a:solidFill>
             <a:schemeClr val="tx1"/>
@@ -2812,15 +6772,7 @@
           <a:cs typeface="+mn-cs"/>
         </a:defRPr>
       </a:lvl7pPr>
-      <a:lvl8pPr marL="3429000" indent="-228600" algn="l" defTabSz="914400" rtl="0" eaLnBrk="1" latinLnBrk="0" hangingPunct="1">
-        <a:lnSpc>
-          <a:spcPct val="90000"/>
-        </a:lnSpc>
-        <a:spcBef>
-          <a:spcPts val="500"/>
-        </a:spcBef>
-        <a:buFont typeface="Arial" panose="020B0604020202020204" pitchFamily="34" charset="0"/>
-        <a:buChar char="•"/>
+      <a:lvl8pPr marL="3200400" algn="l" defTabSz="457200" rtl="0" eaLnBrk="1" latinLnBrk="0" hangingPunct="1">
         <a:defRPr sz="1800" kern="1200">
           <a:solidFill>
             <a:schemeClr val="tx1"/>
@@ -2830,110 +6782,7 @@
           <a:cs typeface="+mn-cs"/>
         </a:defRPr>
       </a:lvl8pPr>
-      <a:lvl9pPr marL="3886200" indent="-228600" algn="l" defTabSz="914400" rtl="0" eaLnBrk="1" latinLnBrk="0" hangingPunct="1">
-        <a:lnSpc>
-          <a:spcPct val="90000"/>
-        </a:lnSpc>
-        <a:spcBef>
-          <a:spcPts val="500"/>
-        </a:spcBef>
-        <a:buFont typeface="Arial" panose="020B0604020202020204" pitchFamily="34" charset="0"/>
-        <a:buChar char="•"/>
-        <a:defRPr sz="1800" kern="1200">
-          <a:solidFill>
-            <a:schemeClr val="tx1"/>
-          </a:solidFill>
-          <a:latin typeface="+mn-lt"/>
-          <a:ea typeface="+mn-ea"/>
-          <a:cs typeface="+mn-cs"/>
-        </a:defRPr>
-      </a:lvl9pPr>
-    </p:bodyStyle>
-    <p:otherStyle>
-      <a:defPPr>
-        <a:defRPr lang="en-US"/>
-      </a:defPPr>
-      <a:lvl1pPr marL="0" algn="l" defTabSz="914400" rtl="0" eaLnBrk="1" latinLnBrk="0" hangingPunct="1">
-        <a:defRPr sz="1800" kern="1200">
-          <a:solidFill>
-            <a:schemeClr val="tx1"/>
-          </a:solidFill>
-          <a:latin typeface="+mn-lt"/>
-          <a:ea typeface="+mn-ea"/>
-          <a:cs typeface="+mn-cs"/>
-        </a:defRPr>
-      </a:lvl1pPr>
-      <a:lvl2pPr marL="457200" algn="l" defTabSz="914400" rtl="0" eaLnBrk="1" latinLnBrk="0" hangingPunct="1">
-        <a:defRPr sz="1800" kern="1200">
-          <a:solidFill>
-            <a:schemeClr val="tx1"/>
-          </a:solidFill>
-          <a:latin typeface="+mn-lt"/>
-          <a:ea typeface="+mn-ea"/>
-          <a:cs typeface="+mn-cs"/>
-        </a:defRPr>
-      </a:lvl2pPr>
-      <a:lvl3pPr marL="914400" algn="l" defTabSz="914400" rtl="0" eaLnBrk="1" latinLnBrk="0" hangingPunct="1">
-        <a:defRPr sz="1800" kern="1200">
-          <a:solidFill>
-            <a:schemeClr val="tx1"/>
-          </a:solidFill>
-          <a:latin typeface="+mn-lt"/>
-          <a:ea typeface="+mn-ea"/>
-          <a:cs typeface="+mn-cs"/>
-        </a:defRPr>
-      </a:lvl3pPr>
-      <a:lvl4pPr marL="1371600" algn="l" defTabSz="914400" rtl="0" eaLnBrk="1" latinLnBrk="0" hangingPunct="1">
-        <a:defRPr sz="1800" kern="1200">
-          <a:solidFill>
-            <a:schemeClr val="tx1"/>
-          </a:solidFill>
-          <a:latin typeface="+mn-lt"/>
-          <a:ea typeface="+mn-ea"/>
-          <a:cs typeface="+mn-cs"/>
-        </a:defRPr>
-      </a:lvl4pPr>
-      <a:lvl5pPr marL="1828800" algn="l" defTabSz="914400" rtl="0" eaLnBrk="1" latinLnBrk="0" hangingPunct="1">
-        <a:defRPr sz="1800" kern="1200">
-          <a:solidFill>
-            <a:schemeClr val="tx1"/>
-          </a:solidFill>
-          <a:latin typeface="+mn-lt"/>
-          <a:ea typeface="+mn-ea"/>
-          <a:cs typeface="+mn-cs"/>
-        </a:defRPr>
-      </a:lvl5pPr>
-      <a:lvl6pPr marL="2286000" algn="l" defTabSz="914400" rtl="0" eaLnBrk="1" latinLnBrk="0" hangingPunct="1">
-        <a:defRPr sz="1800" kern="1200">
-          <a:solidFill>
-            <a:schemeClr val="tx1"/>
-          </a:solidFill>
-          <a:latin typeface="+mn-lt"/>
-          <a:ea typeface="+mn-ea"/>
-          <a:cs typeface="+mn-cs"/>
-        </a:defRPr>
-      </a:lvl6pPr>
-      <a:lvl7pPr marL="2743200" algn="l" defTabSz="914400" rtl="0" eaLnBrk="1" latinLnBrk="0" hangingPunct="1">
-        <a:defRPr sz="1800" kern="1200">
-          <a:solidFill>
-            <a:schemeClr val="tx1"/>
-          </a:solidFill>
-          <a:latin typeface="+mn-lt"/>
-          <a:ea typeface="+mn-ea"/>
-          <a:cs typeface="+mn-cs"/>
-        </a:defRPr>
-      </a:lvl7pPr>
-      <a:lvl8pPr marL="3200400" algn="l" defTabSz="914400" rtl="0" eaLnBrk="1" latinLnBrk="0" hangingPunct="1">
-        <a:defRPr sz="1800" kern="1200">
-          <a:solidFill>
-            <a:schemeClr val="tx1"/>
-          </a:solidFill>
-          <a:latin typeface="+mn-lt"/>
-          <a:ea typeface="+mn-ea"/>
-          <a:cs typeface="+mn-cs"/>
-        </a:defRPr>
-      </a:lvl8pPr>
-      <a:lvl9pPr marL="3657600" algn="l" defTabSz="914400" rtl="0" eaLnBrk="1" latinLnBrk="0" hangingPunct="1">
+      <a:lvl9pPr marL="3657600" algn="l" defTabSz="457200" rtl="0" eaLnBrk="1" latinLnBrk="0" hangingPunct="1">
         <a:defRPr sz="1800" kern="1200">
           <a:solidFill>
             <a:schemeClr val="tx1"/>
@@ -2965,45 +6814,6 @@
           <a:chExt cx="0" cy="0"/>
         </a:xfrm>
       </p:grpSpPr>
-      <p:pic>
-        <p:nvPicPr>
-          <p:cNvPr id="1026" name="Picture 2" descr="https://s-media-cache-ak0.pinimg.com/originals/bb/bc/01/bbbc019dd8da8352a03e224007720501.jpg"/>
-          <p:cNvPicPr>
-            <a:picLocks noChangeAspect="1" noChangeArrowheads="1"/>
-          </p:cNvPicPr>
-          <p:nvPr/>
-        </p:nvPicPr>
-        <p:blipFill rotWithShape="1">
-          <a:blip r:embed="rId2">
-            <a:extLst>
-              <a:ext uri="{28A0092B-C50C-407E-A947-70E740481C1C}">
-                <a14:useLocalDpi xmlns:a14="http://schemas.microsoft.com/office/drawing/2010/main" val="0"/>
-              </a:ext>
-            </a:extLst>
-          </a:blip>
-          <a:srcRect r="4548"/>
-          <a:stretch/>
-        </p:blipFill>
-        <p:spPr bwMode="auto">
-          <a:xfrm>
-            <a:off x="1" y="0"/>
-            <a:ext cx="12192000" cy="6858000"/>
-          </a:xfrm>
-          <a:prstGeom prst="rect">
-            <a:avLst/>
-          </a:prstGeom>
-          <a:noFill/>
-          <a:extLst>
-            <a:ext uri="{909E8E84-426E-40DD-AFC4-6F175D3DCCD1}">
-              <a14:hiddenFill xmlns:a14="http://schemas.microsoft.com/office/drawing/2010/main">
-                <a:solidFill>
-                  <a:srgbClr val="FFFFFF"/>
-                </a:solidFill>
-              </a14:hiddenFill>
-            </a:ext>
-          </a:extLst>
-        </p:spPr>
-      </p:pic>
       <p:sp>
         <p:nvSpPr>
           <p:cNvPr id="2" name="Title 1"/>
@@ -3054,6 +6864,10 @@
           </p:nvPr>
         </p:nvSpPr>
         <p:spPr>
+          <a:xfrm>
+            <a:off x="1154955" y="4777381"/>
+            <a:ext cx="8825658" cy="1137644"/>
+          </a:xfrm>
           <a:effectLst>
             <a:outerShdw blurRad="50800" dist="50800" dir="5400000" sx="1000" sy="1000" algn="ctr" rotWithShape="0">
               <a:srgbClr val="000000">
@@ -3064,12 +6878,12 @@
         </p:spPr>
         <p:txBody>
           <a:bodyPr>
-            <a:normAutofit fontScale="92500" lnSpcReduction="20000"/>
+            <a:noAutofit/>
           </a:bodyPr>
           <a:lstStyle/>
           <a:p>
             <a:r>
-              <a:rPr lang="en-US" b="1" dirty="0" smtClean="0">
+              <a:rPr lang="en-US" sz="1600" b="1" dirty="0" smtClean="0">
                 <a:solidFill>
                   <a:schemeClr val="tx1"/>
                 </a:solidFill>
@@ -3081,11 +6895,24 @@
                   </a:outerShdw>
                 </a:effectLst>
               </a:rPr>
-              <a:t>Super Mario Edition</a:t>
-            </a:r>
-          </a:p>
-          <a:p>
-            <a:endParaRPr lang="en-US" b="1" dirty="0">
+              <a:t>Super Mario </a:t>
+            </a:r>
+            <a:r>
+              <a:rPr lang="en-US" sz="1600" b="1" dirty="0" smtClean="0">
+                <a:solidFill>
+                  <a:schemeClr val="tx1"/>
+                </a:solidFill>
+                <a:effectLst>
+                  <a:outerShdw blurRad="50800" dist="50800" dir="5400000" sx="97000" sy="97000" algn="ctr" rotWithShape="0">
+                    <a:srgbClr val="000000">
+                      <a:alpha val="43137"/>
+                    </a:srgbClr>
+                  </a:outerShdw>
+                </a:effectLst>
+              </a:rPr>
+              <a:t>Edition</a:t>
+            </a:r>
+            <a:endParaRPr lang="en-US" sz="1600" b="1" dirty="0">
               <a:solidFill>
                 <a:schemeClr val="tx1"/>
               </a:solidFill>
@@ -3101,7 +6928,7 @@
           <a:p>
             <a:pPr algn="r"/>
             <a:r>
-              <a:rPr lang="en-US" b="1" dirty="0" err="1" smtClean="0">
+              <a:rPr lang="en-US" sz="1600" b="1" dirty="0" err="1" smtClean="0">
                 <a:solidFill>
                   <a:schemeClr val="tx1"/>
                 </a:solidFill>
@@ -3116,7 +6943,7 @@
               <a:t>Profesor</a:t>
             </a:r>
             <a:r>
-              <a:rPr lang="en-US" b="1" dirty="0" smtClean="0">
+              <a:rPr lang="en-US" sz="1600" b="1" dirty="0" smtClean="0">
                 <a:solidFill>
                   <a:schemeClr val="tx1"/>
                 </a:solidFill>
@@ -3131,7 +6958,7 @@
               <a:t> </a:t>
             </a:r>
             <a:r>
-              <a:rPr lang="en-US" b="1" dirty="0" err="1" smtClean="0">
+              <a:rPr lang="en-US" sz="1600" b="1" dirty="0" err="1" smtClean="0">
                 <a:solidFill>
                   <a:schemeClr val="tx1"/>
                 </a:solidFill>
@@ -3146,7 +6973,7 @@
               <a:t>Coordonator</a:t>
             </a:r>
             <a:r>
-              <a:rPr lang="en-US" b="1" dirty="0" smtClean="0">
+              <a:rPr lang="en-US" sz="1600" b="1" dirty="0" smtClean="0">
                 <a:solidFill>
                   <a:schemeClr val="tx1"/>
                 </a:solidFill>
@@ -3161,7 +6988,7 @@
               <a:t>: </a:t>
             </a:r>
             <a:r>
-              <a:rPr lang="en-US" b="1" dirty="0" err="1" smtClean="0">
+              <a:rPr lang="en-US" sz="1600" b="1" dirty="0" err="1" smtClean="0">
                 <a:solidFill>
                   <a:schemeClr val="tx1"/>
                 </a:solidFill>
@@ -3176,7 +7003,7 @@
               <a:t>Florea</a:t>
             </a:r>
             <a:r>
-              <a:rPr lang="en-US" b="1" dirty="0" smtClean="0">
+              <a:rPr lang="en-US" sz="1600" b="1" dirty="0" smtClean="0">
                 <a:solidFill>
                   <a:schemeClr val="tx1"/>
                 </a:solidFill>
@@ -3194,7 +7021,7 @@
           <a:p>
             <a:pPr algn="r"/>
             <a:r>
-              <a:rPr lang="en-US" b="1" dirty="0" smtClean="0">
+              <a:rPr lang="en-US" sz="1600" b="1" dirty="0" smtClean="0">
                 <a:solidFill>
                   <a:schemeClr val="tx1"/>
                 </a:solidFill>
@@ -3209,7 +7036,7 @@
               <a:t>Student: </a:t>
             </a:r>
             <a:r>
-              <a:rPr lang="en-US" b="1" dirty="0" err="1" smtClean="0">
+              <a:rPr lang="en-US" sz="1600" b="1" dirty="0" err="1" smtClean="0">
                 <a:solidFill>
                   <a:schemeClr val="tx1"/>
                 </a:solidFill>
@@ -3224,7 +7051,7 @@
               <a:t>Luchin</a:t>
             </a:r>
             <a:r>
-              <a:rPr lang="en-US" b="1" dirty="0" smtClean="0">
+              <a:rPr lang="en-US" sz="1600" b="1" dirty="0" smtClean="0">
                 <a:solidFill>
                   <a:schemeClr val="tx1"/>
                 </a:solidFill>
@@ -3238,7 +7065,7 @@
               </a:rPr>
               <a:t> Cristina</a:t>
             </a:r>
-            <a:endParaRPr lang="en-US" b="1" dirty="0">
+            <a:endParaRPr lang="en-US" sz="1600" b="1" dirty="0">
               <a:solidFill>
                 <a:schemeClr val="tx1"/>
               </a:solidFill>
@@ -3257,6 +7084,1556 @@
     <p:extLst>
       <p:ext uri="{BB962C8B-B14F-4D97-AF65-F5344CB8AC3E}">
         <p14:creationId xmlns:p14="http://schemas.microsoft.com/office/powerpoint/2010/main" val="440710483"/>
+      </p:ext>
+    </p:extLst>
+  </p:cSld>
+  <p:clrMapOvr>
+    <a:masterClrMapping/>
+  </p:clrMapOvr>
+  <p:timing>
+    <p:tnLst>
+      <p:par>
+        <p:cTn id="1" dur="indefinite" restart="never" nodeType="tmRoot"/>
+      </p:par>
+    </p:tnLst>
+  </p:timing>
+</p:sld>
+</file>
+
+<file path=ppt/slides/slide10.xml><?xml version="1.0" encoding="utf-8"?>
+<p:sld xmlns:a="http://schemas.openxmlformats.org/drawingml/2006/main" xmlns:r="http://schemas.openxmlformats.org/officeDocument/2006/relationships" xmlns:p="http://schemas.openxmlformats.org/presentationml/2006/main">
+  <p:cSld>
+    <p:spTree>
+      <p:nvGrpSpPr>
+        <p:cNvPr id="1" name=""/>
+        <p:cNvGrpSpPr/>
+        <p:nvPr/>
+      </p:nvGrpSpPr>
+      <p:grpSpPr>
+        <a:xfrm>
+          <a:off x="0" y="0"/>
+          <a:ext cx="0" cy="0"/>
+          <a:chOff x="0" y="0"/>
+          <a:chExt cx="0" cy="0"/>
+        </a:xfrm>
+      </p:grpSpPr>
+      <p:sp>
+        <p:nvSpPr>
+          <p:cNvPr id="2" name="Title 1"/>
+          <p:cNvSpPr>
+            <a:spLocks noGrp="1"/>
+          </p:cNvSpPr>
+          <p:nvPr>
+            <p:ph type="title"/>
+          </p:nvPr>
+        </p:nvSpPr>
+        <p:spPr/>
+        <p:txBody>
+          <a:bodyPr/>
+          <a:lstStyle/>
+          <a:p>
+            <a:r>
+              <a:rPr lang="en-US" dirty="0" smtClean="0"/>
+              <a:t>Enemies</a:t>
+            </a:r>
+            <a:endParaRPr lang="en-US" dirty="0"/>
+          </a:p>
+        </p:txBody>
+      </p:sp>
+      <p:sp>
+        <p:nvSpPr>
+          <p:cNvPr id="3" name="Content Placeholder 2"/>
+          <p:cNvSpPr>
+            <a:spLocks noGrp="1"/>
+          </p:cNvSpPr>
+          <p:nvPr>
+            <p:ph idx="1"/>
+          </p:nvPr>
+        </p:nvSpPr>
+        <p:spPr>
+          <a:xfrm>
+            <a:off x="1103312" y="2052919"/>
+            <a:ext cx="8946541" cy="880782"/>
+          </a:xfrm>
+        </p:spPr>
+        <p:txBody>
+          <a:bodyPr/>
+          <a:lstStyle/>
+          <a:p>
+            <a:r>
+              <a:rPr lang="en-US" dirty="0" smtClean="0"/>
+              <a:t>Placed on ground =&gt; no flying enemies</a:t>
+            </a:r>
+          </a:p>
+          <a:p>
+            <a:r>
+              <a:rPr lang="en-US" dirty="0" smtClean="0"/>
+              <a:t>Types:</a:t>
+            </a:r>
+          </a:p>
+          <a:p>
+            <a:pPr marL="457200" lvl="1" indent="0">
+              <a:buNone/>
+            </a:pPr>
+            <a:endParaRPr lang="en-US" dirty="0" smtClean="0"/>
+          </a:p>
+        </p:txBody>
+      </p:sp>
+      <p:pic>
+        <p:nvPicPr>
+          <p:cNvPr id="4" name="Picture 3"/>
+          <p:cNvPicPr>
+            <a:picLocks noChangeAspect="1"/>
+          </p:cNvPicPr>
+          <p:nvPr/>
+        </p:nvPicPr>
+        <p:blipFill>
+          <a:blip r:embed="rId2">
+            <a:extLst>
+              <a:ext uri="{28A0092B-C50C-407E-A947-70E740481C1C}">
+                <a14:useLocalDpi xmlns:a14="http://schemas.microsoft.com/office/drawing/2010/main" val="0"/>
+              </a:ext>
+            </a:extLst>
+          </a:blip>
+          <a:stretch>
+            <a:fillRect/>
+          </a:stretch>
+        </p:blipFill>
+        <p:spPr>
+          <a:xfrm>
+            <a:off x="7396369" y="3590926"/>
+            <a:ext cx="2319129" cy="2133599"/>
+          </a:xfrm>
+          <a:prstGeom prst="rect">
+            <a:avLst/>
+          </a:prstGeom>
+        </p:spPr>
+      </p:pic>
+      <p:pic>
+        <p:nvPicPr>
+          <p:cNvPr id="5" name="Picture 4"/>
+          <p:cNvPicPr>
+            <a:picLocks noChangeAspect="1"/>
+          </p:cNvPicPr>
+          <p:nvPr/>
+        </p:nvPicPr>
+        <p:blipFill>
+          <a:blip r:embed="rId3">
+            <a:extLst>
+              <a:ext uri="{28A0092B-C50C-407E-A947-70E740481C1C}">
+                <a14:useLocalDpi xmlns:a14="http://schemas.microsoft.com/office/drawing/2010/main" val="0"/>
+              </a:ext>
+            </a:extLst>
+          </a:blip>
+          <a:stretch>
+            <a:fillRect/>
+          </a:stretch>
+        </p:blipFill>
+        <p:spPr>
+          <a:xfrm>
+            <a:off x="4872222" y="3590926"/>
+            <a:ext cx="2133599" cy="2133599"/>
+          </a:xfrm>
+          <a:prstGeom prst="rect">
+            <a:avLst/>
+          </a:prstGeom>
+        </p:spPr>
+      </p:pic>
+      <p:pic>
+        <p:nvPicPr>
+          <p:cNvPr id="6" name="Picture 5"/>
+          <p:cNvPicPr>
+            <a:picLocks noChangeAspect="1"/>
+          </p:cNvPicPr>
+          <p:nvPr/>
+        </p:nvPicPr>
+        <p:blipFill rotWithShape="1">
+          <a:blip r:embed="rId4" cstate="print">
+            <a:extLst>
+              <a:ext uri="{28A0092B-C50C-407E-A947-70E740481C1C}">
+                <a14:useLocalDpi xmlns:a14="http://schemas.microsoft.com/office/drawing/2010/main" val="0"/>
+              </a:ext>
+            </a:extLst>
+          </a:blip>
+          <a:srcRect l="12275" r="12484"/>
+          <a:stretch/>
+        </p:blipFill>
+        <p:spPr>
+          <a:xfrm>
+            <a:off x="2341198" y="3590926"/>
+            <a:ext cx="2140476" cy="2133599"/>
+          </a:xfrm>
+          <a:prstGeom prst="rect">
+            <a:avLst/>
+          </a:prstGeom>
+        </p:spPr>
+      </p:pic>
+    </p:spTree>
+    <p:extLst>
+      <p:ext uri="{BB962C8B-B14F-4D97-AF65-F5344CB8AC3E}">
+        <p14:creationId xmlns:p14="http://schemas.microsoft.com/office/powerpoint/2010/main" val="1426600527"/>
+      </p:ext>
+    </p:extLst>
+  </p:cSld>
+  <p:clrMapOvr>
+    <a:masterClrMapping/>
+  </p:clrMapOvr>
+</p:sld>
+</file>
+
+<file path=ppt/slides/slide11.xml><?xml version="1.0" encoding="utf-8"?>
+<p:sld xmlns:a="http://schemas.openxmlformats.org/drawingml/2006/main" xmlns:r="http://schemas.openxmlformats.org/officeDocument/2006/relationships" xmlns:p="http://schemas.openxmlformats.org/presentationml/2006/main">
+  <p:cSld>
+    <p:spTree>
+      <p:nvGrpSpPr>
+        <p:cNvPr id="1" name=""/>
+        <p:cNvGrpSpPr/>
+        <p:nvPr/>
+      </p:nvGrpSpPr>
+      <p:grpSpPr>
+        <a:xfrm>
+          <a:off x="0" y="0"/>
+          <a:ext cx="0" cy="0"/>
+          <a:chOff x="0" y="0"/>
+          <a:chExt cx="0" cy="0"/>
+        </a:xfrm>
+      </p:grpSpPr>
+      <p:sp>
+        <p:nvSpPr>
+          <p:cNvPr id="4" name="Title 3"/>
+          <p:cNvSpPr>
+            <a:spLocks noGrp="1"/>
+          </p:cNvSpPr>
+          <p:nvPr>
+            <p:ph type="title"/>
+          </p:nvPr>
+        </p:nvSpPr>
+        <p:spPr>
+          <a:xfrm>
+            <a:off x="2427287" y="3195918"/>
+            <a:ext cx="7631114" cy="690282"/>
+          </a:xfrm>
+        </p:spPr>
+        <p:txBody>
+          <a:bodyPr/>
+          <a:lstStyle/>
+          <a:p>
+            <a:r>
+              <a:rPr lang="en-US" dirty="0" smtClean="0"/>
+              <a:t>How to evaluate the fitness?</a:t>
+            </a:r>
+            <a:endParaRPr lang="en-US" dirty="0"/>
+          </a:p>
+        </p:txBody>
+      </p:sp>
+    </p:spTree>
+    <p:extLst>
+      <p:ext uri="{BB962C8B-B14F-4D97-AF65-F5344CB8AC3E}">
+        <p14:creationId xmlns:p14="http://schemas.microsoft.com/office/powerpoint/2010/main" val="3927438013"/>
+      </p:ext>
+    </p:extLst>
+  </p:cSld>
+  <p:clrMapOvr>
+    <a:masterClrMapping/>
+  </p:clrMapOvr>
+</p:sld>
+</file>
+
+<file path=ppt/slides/slide12.xml><?xml version="1.0" encoding="utf-8"?>
+<p:sld xmlns:a="http://schemas.openxmlformats.org/drawingml/2006/main" xmlns:r="http://schemas.openxmlformats.org/officeDocument/2006/relationships" xmlns:p="http://schemas.openxmlformats.org/presentationml/2006/main">
+  <p:cSld>
+    <p:spTree>
+      <p:nvGrpSpPr>
+        <p:cNvPr id="1" name=""/>
+        <p:cNvGrpSpPr/>
+        <p:nvPr/>
+      </p:nvGrpSpPr>
+      <p:grpSpPr>
+        <a:xfrm>
+          <a:off x="0" y="0"/>
+          <a:ext cx="0" cy="0"/>
+          <a:chOff x="0" y="0"/>
+          <a:chExt cx="0" cy="0"/>
+        </a:xfrm>
+      </p:grpSpPr>
+      <p:sp>
+        <p:nvSpPr>
+          <p:cNvPr id="2" name="Title 1"/>
+          <p:cNvSpPr>
+            <a:spLocks noGrp="1"/>
+          </p:cNvSpPr>
+          <p:nvPr>
+            <p:ph type="title"/>
+          </p:nvPr>
+        </p:nvSpPr>
+        <p:spPr/>
+        <p:txBody>
+          <a:bodyPr/>
+          <a:lstStyle/>
+          <a:p>
+            <a:r>
+              <a:rPr lang="en-US" dirty="0" smtClean="0"/>
+              <a:t>Ground levels – Entropy</a:t>
+            </a:r>
+            <a:endParaRPr lang="en-US" dirty="0"/>
+          </a:p>
+        </p:txBody>
+      </p:sp>
+      <p:sp>
+        <p:nvSpPr>
+          <p:cNvPr id="3" name="Content Placeholder 2"/>
+          <p:cNvSpPr>
+            <a:spLocks noGrp="1"/>
+          </p:cNvSpPr>
+          <p:nvPr>
+            <p:ph idx="1"/>
+          </p:nvPr>
+        </p:nvSpPr>
+        <p:spPr/>
+        <p:txBody>
+          <a:bodyPr>
+            <a:normAutofit/>
+          </a:bodyPr>
+          <a:lstStyle/>
+          <a:p>
+            <a:pPr marL="0" indent="0">
+              <a:buNone/>
+            </a:pPr>
+            <a:r>
+              <a:rPr lang="en-US" b="1" dirty="0" smtClean="0"/>
+              <a:t>Entropy</a:t>
+            </a:r>
+            <a:r>
+              <a:rPr lang="en-US" dirty="0" smtClean="0"/>
+              <a:t> - noun</a:t>
+            </a:r>
+            <a:endParaRPr lang="en-US" dirty="0"/>
+          </a:p>
+          <a:p>
+            <a:pPr marL="0" indent="0">
+              <a:buNone/>
+            </a:pPr>
+            <a:r>
+              <a:rPr lang="en-US" dirty="0" smtClean="0"/>
+              <a:t>1. PHYSICS - a </a:t>
+            </a:r>
+            <a:r>
+              <a:rPr lang="en-US" dirty="0"/>
+              <a:t>thermodynamic quantity representing the unavailability of a system's thermal energy for conversion into mechanical work, </a:t>
+            </a:r>
+            <a:r>
+              <a:rPr lang="en-US" b="1" i="1" dirty="0"/>
+              <a:t>often interpreted as the degree of disorder or randomness in the system</a:t>
+            </a:r>
+            <a:r>
+              <a:rPr lang="en-US" dirty="0" smtClean="0"/>
+              <a:t>.</a:t>
+            </a:r>
+            <a:endParaRPr lang="en-US" dirty="0"/>
+          </a:p>
+          <a:p>
+            <a:pPr marL="0" indent="0">
+              <a:buNone/>
+            </a:pPr>
+            <a:r>
+              <a:rPr lang="en-US" dirty="0" smtClean="0"/>
+              <a:t>2. </a:t>
+            </a:r>
+            <a:r>
+              <a:rPr lang="en-US" b="1" i="1" dirty="0" smtClean="0"/>
+              <a:t>lack </a:t>
+            </a:r>
+            <a:r>
+              <a:rPr lang="en-US" b="1" i="1" dirty="0"/>
+              <a:t>of order or predictability; gradual decline into disorder</a:t>
+            </a:r>
+            <a:r>
+              <a:rPr lang="en-US" dirty="0" smtClean="0"/>
+              <a:t>.</a:t>
+            </a:r>
+            <a:endParaRPr lang="en-US" dirty="0"/>
+          </a:p>
+        </p:txBody>
+      </p:sp>
+    </p:spTree>
+    <p:extLst>
+      <p:ext uri="{BB962C8B-B14F-4D97-AF65-F5344CB8AC3E}">
+        <p14:creationId xmlns:p14="http://schemas.microsoft.com/office/powerpoint/2010/main" val="425056123"/>
+      </p:ext>
+    </p:extLst>
+  </p:cSld>
+  <p:clrMapOvr>
+    <a:masterClrMapping/>
+  </p:clrMapOvr>
+</p:sld>
+</file>
+
+<file path=ppt/slides/slide13.xml><?xml version="1.0" encoding="utf-8"?>
+<p:sld xmlns:a="http://schemas.openxmlformats.org/drawingml/2006/main" xmlns:r="http://schemas.openxmlformats.org/officeDocument/2006/relationships" xmlns:p="http://schemas.openxmlformats.org/presentationml/2006/main">
+  <p:cSld>
+    <p:spTree>
+      <p:nvGrpSpPr>
+        <p:cNvPr id="1" name=""/>
+        <p:cNvGrpSpPr/>
+        <p:nvPr/>
+      </p:nvGrpSpPr>
+      <p:grpSpPr>
+        <a:xfrm>
+          <a:off x="0" y="0"/>
+          <a:ext cx="0" cy="0"/>
+          <a:chOff x="0" y="0"/>
+          <a:chExt cx="0" cy="0"/>
+        </a:xfrm>
+      </p:grpSpPr>
+      <p:sp>
+        <p:nvSpPr>
+          <p:cNvPr id="2" name="Title 1"/>
+          <p:cNvSpPr>
+            <a:spLocks noGrp="1"/>
+          </p:cNvSpPr>
+          <p:nvPr>
+            <p:ph type="title"/>
+          </p:nvPr>
+        </p:nvSpPr>
+        <p:spPr/>
+        <p:txBody>
+          <a:bodyPr/>
+          <a:lstStyle/>
+          <a:p>
+            <a:r>
+              <a:rPr lang="en-US" dirty="0" smtClean="0"/>
+              <a:t>Entropy formula [2]</a:t>
+            </a:r>
+            <a:endParaRPr lang="en-US" dirty="0"/>
+          </a:p>
+        </p:txBody>
+      </p:sp>
+      <mc:AlternateContent xmlns:mc="http://schemas.openxmlformats.org/markup-compatibility/2006">
+        <mc:Choice xmlns:a14="http://schemas.microsoft.com/office/drawing/2010/main" Requires="a14">
+          <p:sp>
+            <p:nvSpPr>
+              <p:cNvPr id="3" name="Content Placeholder 2"/>
+              <p:cNvSpPr>
+                <a:spLocks noGrp="1"/>
+              </p:cNvSpPr>
+              <p:nvPr>
+                <p:ph idx="1"/>
+              </p:nvPr>
+            </p:nvSpPr>
+            <p:spPr/>
+            <p:txBody>
+              <a:bodyPr/>
+              <a:lstStyle/>
+              <a:p>
+                <a:pPr marL="0" indent="0">
+                  <a:buNone/>
+                </a:pPr>
+                <a14:m>
+                  <m:oMathPara xmlns:m="http://schemas.openxmlformats.org/officeDocument/2006/math">
+                    <m:oMathParaPr>
+                      <m:jc m:val="centerGroup"/>
+                    </m:oMathParaPr>
+                    <m:oMath xmlns:m="http://schemas.openxmlformats.org/officeDocument/2006/math">
+                      <m:r>
+                        <a:rPr lang="en-US" b="0" i="1" smtClean="0">
+                          <a:latin typeface="Cambria Math" panose="02040503050406030204" pitchFamily="18" charset="0"/>
+                        </a:rPr>
+                        <m:t>𝐻</m:t>
+                      </m:r>
+                      <m:r>
+                        <a:rPr lang="en-US" b="0" i="1" smtClean="0">
+                          <a:latin typeface="Cambria Math" panose="02040503050406030204" pitchFamily="18" charset="0"/>
+                        </a:rPr>
+                        <m:t>=−</m:t>
+                      </m:r>
+                      <m:r>
+                        <a:rPr lang="en-US" b="0" i="1" smtClean="0">
+                          <a:latin typeface="Cambria Math" panose="02040503050406030204" pitchFamily="18" charset="0"/>
+                        </a:rPr>
+                        <m:t>𝐾</m:t>
+                      </m:r>
+                      <m:nary>
+                        <m:naryPr>
+                          <m:chr m:val="∑"/>
+                          <m:ctrlPr>
+                            <a:rPr lang="en-US" b="0" i="1" smtClean="0">
+                              <a:latin typeface="Cambria Math" panose="02040503050406030204" pitchFamily="18" charset="0"/>
+                            </a:rPr>
+                          </m:ctrlPr>
+                        </m:naryPr>
+                        <m:sub>
+                          <m:r>
+                            <m:rPr>
+                              <m:brk m:alnAt="23"/>
+                            </m:rPr>
+                            <a:rPr lang="en-US" b="0" i="1" smtClean="0">
+                              <a:latin typeface="Cambria Math" panose="02040503050406030204" pitchFamily="18" charset="0"/>
+                            </a:rPr>
+                            <m:t>𝑖</m:t>
+                          </m:r>
+                          <m:r>
+                            <a:rPr lang="en-US" b="0" i="1" smtClean="0">
+                              <a:latin typeface="Cambria Math" panose="02040503050406030204" pitchFamily="18" charset="0"/>
+                            </a:rPr>
+                            <m:t>=1</m:t>
+                          </m:r>
+                        </m:sub>
+                        <m:sup>
+                          <m:r>
+                            <a:rPr lang="en-US" b="0" i="1" smtClean="0">
+                              <a:latin typeface="Cambria Math" panose="02040503050406030204" pitchFamily="18" charset="0"/>
+                            </a:rPr>
+                            <m:t>𝑛</m:t>
+                          </m:r>
+                        </m:sup>
+                        <m:e>
+                          <m:sSub>
+                            <m:sSubPr>
+                              <m:ctrlPr>
+                                <a:rPr lang="en-US" b="0" i="1" smtClean="0">
+                                  <a:latin typeface="Cambria Math" panose="02040503050406030204" pitchFamily="18" charset="0"/>
+                                </a:rPr>
+                              </m:ctrlPr>
+                            </m:sSubPr>
+                            <m:e>
+                              <m:r>
+                                <a:rPr lang="en-US" b="0" i="1" smtClean="0">
+                                  <a:latin typeface="Cambria Math" panose="02040503050406030204" pitchFamily="18" charset="0"/>
+                                </a:rPr>
+                                <m:t>𝑝</m:t>
+                              </m:r>
+                            </m:e>
+                            <m:sub>
+                              <m:r>
+                                <a:rPr lang="en-US" b="0" i="1" smtClean="0">
+                                  <a:latin typeface="Cambria Math" panose="02040503050406030204" pitchFamily="18" charset="0"/>
+                                </a:rPr>
+                                <m:t>𝑖</m:t>
+                              </m:r>
+                            </m:sub>
+                          </m:sSub>
+                          <m:r>
+                            <a:rPr lang="en-US" b="0" i="1" smtClean="0">
+                              <a:latin typeface="Cambria Math" panose="02040503050406030204" pitchFamily="18" charset="0"/>
+                            </a:rPr>
+                            <m:t>∗ </m:t>
+                          </m:r>
+                          <m:func>
+                            <m:funcPr>
+                              <m:ctrlPr>
+                                <a:rPr lang="en-US" b="0" i="1" smtClean="0">
+                                  <a:latin typeface="Cambria Math" panose="02040503050406030204" pitchFamily="18" charset="0"/>
+                                </a:rPr>
+                              </m:ctrlPr>
+                            </m:funcPr>
+                            <m:fName>
+                              <m:sSub>
+                                <m:sSubPr>
+                                  <m:ctrlPr>
+                                    <a:rPr lang="en-US" b="0" i="1" smtClean="0">
+                                      <a:latin typeface="Cambria Math" panose="02040503050406030204" pitchFamily="18" charset="0"/>
+                                    </a:rPr>
+                                  </m:ctrlPr>
+                                </m:sSubPr>
+                                <m:e>
+                                  <m:r>
+                                    <m:rPr>
+                                      <m:sty m:val="p"/>
+                                    </m:rPr>
+                                    <a:rPr lang="en-US" b="0" i="0" smtClean="0">
+                                      <a:latin typeface="Cambria Math" panose="02040503050406030204" pitchFamily="18" charset="0"/>
+                                    </a:rPr>
+                                    <m:t>log</m:t>
+                                  </m:r>
+                                </m:e>
+                                <m:sub>
+                                  <m:r>
+                                    <a:rPr lang="en-US" b="0" i="1" smtClean="0">
+                                      <a:latin typeface="Cambria Math" panose="02040503050406030204" pitchFamily="18" charset="0"/>
+                                    </a:rPr>
+                                    <m:t>2</m:t>
+                                  </m:r>
+                                </m:sub>
+                              </m:sSub>
+                            </m:fName>
+                            <m:e>
+                              <m:sSub>
+                                <m:sSubPr>
+                                  <m:ctrlPr>
+                                    <a:rPr lang="en-US" b="0" i="1" smtClean="0">
+                                      <a:latin typeface="Cambria Math" panose="02040503050406030204" pitchFamily="18" charset="0"/>
+                                    </a:rPr>
+                                  </m:ctrlPr>
+                                </m:sSubPr>
+                                <m:e>
+                                  <m:r>
+                                    <a:rPr lang="en-US" b="0" i="1" smtClean="0">
+                                      <a:latin typeface="Cambria Math" panose="02040503050406030204" pitchFamily="18" charset="0"/>
+                                    </a:rPr>
+                                    <m:t>𝑝</m:t>
+                                  </m:r>
+                                </m:e>
+                                <m:sub>
+                                  <m:r>
+                                    <a:rPr lang="en-US" b="0" i="1" smtClean="0">
+                                      <a:latin typeface="Cambria Math" panose="02040503050406030204" pitchFamily="18" charset="0"/>
+                                    </a:rPr>
+                                    <m:t>𝑖</m:t>
+                                  </m:r>
+                                </m:sub>
+                              </m:sSub>
+                            </m:e>
+                          </m:func>
+                        </m:e>
+                      </m:nary>
+                    </m:oMath>
+                  </m:oMathPara>
+                </a14:m>
+                <a:endParaRPr lang="en-US" dirty="0" smtClean="0"/>
+              </a:p>
+              <a:p>
+                <a:r>
+                  <a:rPr lang="en-US" dirty="0" smtClean="0"/>
+                  <a:t>Where K is a positive constant</a:t>
+                </a:r>
+                <a:endParaRPr lang="en-US" dirty="0"/>
+              </a:p>
+            </p:txBody>
+          </p:sp>
+        </mc:Choice>
+        <mc:Fallback>
+          <p:sp>
+            <p:nvSpPr>
+              <p:cNvPr id="3" name="Content Placeholder 2"/>
+              <p:cNvSpPr>
+                <a:spLocks noGrp="1" noRot="1" noChangeAspect="1" noMove="1" noResize="1" noEditPoints="1" noAdjustHandles="1" noChangeArrowheads="1" noChangeShapeType="1" noTextEdit="1"/>
+              </p:cNvSpPr>
+              <p:nvPr>
+                <p:ph idx="1"/>
+              </p:nvPr>
+            </p:nvSpPr>
+            <p:spPr>
+              <a:blipFill rotWithShape="0">
+                <a:blip r:embed="rId2"/>
+                <a:stretch>
+                  <a:fillRect l="-341"/>
+                </a:stretch>
+              </a:blipFill>
+            </p:spPr>
+            <p:txBody>
+              <a:bodyPr/>
+              <a:lstStyle/>
+              <a:p>
+                <a:r>
+                  <a:rPr lang="en-US">
+                    <a:noFill/>
+                  </a:rPr>
+                  <a:t> </a:t>
+                </a:r>
+              </a:p>
+            </p:txBody>
+          </p:sp>
+        </mc:Fallback>
+      </mc:AlternateContent>
+    </p:spTree>
+    <p:extLst>
+      <p:ext uri="{BB962C8B-B14F-4D97-AF65-F5344CB8AC3E}">
+        <p14:creationId xmlns:p14="http://schemas.microsoft.com/office/powerpoint/2010/main" val="1344696090"/>
+      </p:ext>
+    </p:extLst>
+  </p:cSld>
+  <p:clrMapOvr>
+    <a:masterClrMapping/>
+  </p:clrMapOvr>
+</p:sld>
+</file>
+
+<file path=ppt/slides/slide14.xml><?xml version="1.0" encoding="utf-8"?>
+<p:sld xmlns:a="http://schemas.openxmlformats.org/drawingml/2006/main" xmlns:r="http://schemas.openxmlformats.org/officeDocument/2006/relationships" xmlns:p="http://schemas.openxmlformats.org/presentationml/2006/main">
+  <p:cSld>
+    <p:spTree>
+      <p:nvGrpSpPr>
+        <p:cNvPr id="1" name=""/>
+        <p:cNvGrpSpPr/>
+        <p:nvPr/>
+      </p:nvGrpSpPr>
+      <p:grpSpPr>
+        <a:xfrm>
+          <a:off x="0" y="0"/>
+          <a:ext cx="0" cy="0"/>
+          <a:chOff x="0" y="0"/>
+          <a:chExt cx="0" cy="0"/>
+        </a:xfrm>
+      </p:grpSpPr>
+      <p:sp>
+        <p:nvSpPr>
+          <p:cNvPr id="2" name="Title 1"/>
+          <p:cNvSpPr>
+            <a:spLocks noGrp="1"/>
+          </p:cNvSpPr>
+          <p:nvPr>
+            <p:ph type="title"/>
+          </p:nvPr>
+        </p:nvSpPr>
+        <p:spPr/>
+        <p:txBody>
+          <a:bodyPr/>
+          <a:lstStyle/>
+          <a:p>
+            <a:r>
+              <a:rPr lang="en-US" dirty="0" smtClean="0"/>
+              <a:t>Assets and Enemies – Sparseness [3]</a:t>
+            </a:r>
+            <a:endParaRPr lang="en-US" dirty="0"/>
+          </a:p>
+        </p:txBody>
+      </p:sp>
+      <mc:AlternateContent xmlns:mc="http://schemas.openxmlformats.org/markup-compatibility/2006">
+        <mc:Choice xmlns:a14="http://schemas.microsoft.com/office/drawing/2010/main" Requires="a14">
+          <p:sp>
+            <p:nvSpPr>
+              <p:cNvPr id="3" name="Content Placeholder 2"/>
+              <p:cNvSpPr>
+                <a:spLocks noGrp="1"/>
+              </p:cNvSpPr>
+              <p:nvPr>
+                <p:ph idx="1"/>
+              </p:nvPr>
+            </p:nvSpPr>
+            <p:spPr>
+              <a:xfrm>
+                <a:off x="1084262" y="2052918"/>
+                <a:ext cx="8946541" cy="4195481"/>
+              </a:xfrm>
+            </p:spPr>
+            <p:txBody>
+              <a:bodyPr/>
+              <a:lstStyle/>
+              <a:p>
+                <a:r>
+                  <a:rPr lang="en-US" dirty="0" smtClean="0"/>
+                  <a:t>An array is sparse if the average distance between two elements is high.</a:t>
+                </a:r>
+              </a:p>
+              <a:p>
+                <a:pPr marL="0" indent="0">
+                  <a:buNone/>
+                </a:pPr>
+                <a14:m>
+                  <m:oMathPara xmlns:m="http://schemas.openxmlformats.org/officeDocument/2006/math">
+                    <m:oMathParaPr>
+                      <m:jc m:val="centerGroup"/>
+                    </m:oMathParaPr>
+                    <m:oMath xmlns:m="http://schemas.openxmlformats.org/officeDocument/2006/math">
+                      <m:r>
+                        <a:rPr lang="en-US" b="0" i="1" smtClean="0">
+                          <a:latin typeface="Cambria Math" panose="02040503050406030204" pitchFamily="18" charset="0"/>
+                        </a:rPr>
+                        <m:t>2∗</m:t>
+                      </m:r>
+                      <m:d>
+                        <m:dPr>
+                          <m:ctrlPr>
+                            <a:rPr lang="en-US" b="0" i="1" smtClean="0">
+                              <a:latin typeface="Cambria Math" panose="02040503050406030204" pitchFamily="18" charset="0"/>
+                            </a:rPr>
+                          </m:ctrlPr>
+                        </m:dPr>
+                        <m:e>
+                          <m:nary>
+                            <m:naryPr>
+                              <m:chr m:val="∑"/>
+                              <m:ctrlPr>
+                                <a:rPr lang="en-US" b="0" i="1" smtClean="0">
+                                  <a:latin typeface="Cambria Math" panose="02040503050406030204" pitchFamily="18" charset="0"/>
+                                </a:rPr>
+                              </m:ctrlPr>
+                            </m:naryPr>
+                            <m:sub>
+                              <m:r>
+                                <m:rPr>
+                                  <m:brk m:alnAt="23"/>
+                                </m:rPr>
+                                <a:rPr lang="en-US" b="0" i="1" smtClean="0">
+                                  <a:latin typeface="Cambria Math" panose="02040503050406030204" pitchFamily="18" charset="0"/>
+                                </a:rPr>
+                                <m:t>𝑖</m:t>
+                              </m:r>
+                              <m:r>
+                                <a:rPr lang="en-US" b="0" i="1" smtClean="0">
+                                  <a:latin typeface="Cambria Math" panose="02040503050406030204" pitchFamily="18" charset="0"/>
+                                </a:rPr>
+                                <m:t>=1</m:t>
+                              </m:r>
+                            </m:sub>
+                            <m:sup>
+                              <m:r>
+                                <a:rPr lang="en-US" b="0" i="1" smtClean="0">
+                                  <a:latin typeface="Cambria Math" panose="02040503050406030204" pitchFamily="18" charset="0"/>
+                                </a:rPr>
+                                <m:t>𝑛</m:t>
+                              </m:r>
+                            </m:sup>
+                            <m:e>
+                              <m:nary>
+                                <m:naryPr>
+                                  <m:chr m:val="∑"/>
+                                  <m:ctrlPr>
+                                    <a:rPr lang="en-US" b="0" i="1" smtClean="0">
+                                      <a:latin typeface="Cambria Math" panose="02040503050406030204" pitchFamily="18" charset="0"/>
+                                    </a:rPr>
+                                  </m:ctrlPr>
+                                </m:naryPr>
+                                <m:sub>
+                                  <m:r>
+                                    <m:rPr>
+                                      <m:brk m:alnAt="23"/>
+                                    </m:rPr>
+                                    <a:rPr lang="en-US" b="0" i="1" smtClean="0">
+                                      <a:latin typeface="Cambria Math" panose="02040503050406030204" pitchFamily="18" charset="0"/>
+                                    </a:rPr>
+                                    <m:t>𝑗</m:t>
+                                  </m:r>
+                                  <m:r>
+                                    <a:rPr lang="en-US" b="0" i="1" smtClean="0">
+                                      <a:latin typeface="Cambria Math" panose="02040503050406030204" pitchFamily="18" charset="0"/>
+                                    </a:rPr>
+                                    <m:t>=1</m:t>
+                                  </m:r>
+                                </m:sub>
+                                <m:sup>
+                                  <m:r>
+                                    <a:rPr lang="en-US" b="0" i="1" smtClean="0">
+                                      <a:latin typeface="Cambria Math" panose="02040503050406030204" pitchFamily="18" charset="0"/>
+                                    </a:rPr>
+                                    <m:t>𝑛</m:t>
+                                  </m:r>
+                                </m:sup>
+                                <m:e>
+                                  <m:r>
+                                    <a:rPr lang="en-US" b="0" i="1" smtClean="0">
+                                      <a:latin typeface="Cambria Math" panose="02040503050406030204" pitchFamily="18" charset="0"/>
+                                    </a:rPr>
+                                    <m:t>𝑑𝑖𝑠𝑡</m:t>
+                                  </m:r>
+                                  <m:d>
+                                    <m:dPr>
+                                      <m:ctrlPr>
+                                        <a:rPr lang="en-US" b="0" i="1" smtClean="0">
+                                          <a:latin typeface="Cambria Math" panose="02040503050406030204" pitchFamily="18" charset="0"/>
+                                        </a:rPr>
+                                      </m:ctrlPr>
+                                    </m:dPr>
+                                    <m:e>
+                                      <m:r>
+                                        <a:rPr lang="en-US" b="0" i="1" smtClean="0">
+                                          <a:latin typeface="Cambria Math" panose="02040503050406030204" pitchFamily="18" charset="0"/>
+                                        </a:rPr>
+                                        <m:t>𝑖</m:t>
+                                      </m:r>
+                                      <m:r>
+                                        <a:rPr lang="en-US" b="0" i="1" smtClean="0">
+                                          <a:latin typeface="Cambria Math" panose="02040503050406030204" pitchFamily="18" charset="0"/>
+                                        </a:rPr>
+                                        <m:t>,</m:t>
+                                      </m:r>
+                                      <m:r>
+                                        <a:rPr lang="en-US" b="0" i="1" smtClean="0">
+                                          <a:latin typeface="Cambria Math" panose="02040503050406030204" pitchFamily="18" charset="0"/>
+                                        </a:rPr>
+                                        <m:t>𝑗</m:t>
+                                      </m:r>
+                                    </m:e>
+                                  </m:d>
+                                </m:e>
+                              </m:nary>
+                            </m:e>
+                          </m:nary>
+                        </m:e>
+                      </m:d>
+                      <m:r>
+                        <a:rPr lang="en-US" b="0" i="1" smtClean="0">
+                          <a:latin typeface="Cambria Math" panose="02040503050406030204" pitchFamily="18" charset="0"/>
+                        </a:rPr>
+                        <m:t>∗ </m:t>
+                      </m:r>
+                      <m:f>
+                        <m:fPr>
+                          <m:ctrlPr>
+                            <a:rPr lang="en-US" b="0" i="1" smtClean="0">
+                              <a:latin typeface="Cambria Math" panose="02040503050406030204" pitchFamily="18" charset="0"/>
+                            </a:rPr>
+                          </m:ctrlPr>
+                        </m:fPr>
+                        <m:num>
+                          <m:r>
+                            <a:rPr lang="en-US" b="0" i="1" smtClean="0">
+                              <a:latin typeface="Cambria Math" panose="02040503050406030204" pitchFamily="18" charset="0"/>
+                            </a:rPr>
+                            <m:t>1</m:t>
+                          </m:r>
+                        </m:num>
+                        <m:den>
+                          <m:d>
+                            <m:dPr>
+                              <m:ctrlPr>
+                                <a:rPr lang="en-US" b="0" i="1" smtClean="0">
+                                  <a:latin typeface="Cambria Math" panose="02040503050406030204" pitchFamily="18" charset="0"/>
+                                </a:rPr>
+                              </m:ctrlPr>
+                            </m:dPr>
+                            <m:e>
+                              <m:r>
+                                <a:rPr lang="en-US" b="0" i="1" smtClean="0">
+                                  <a:latin typeface="Cambria Math" panose="02040503050406030204" pitchFamily="18" charset="0"/>
+                                </a:rPr>
+                                <m:t>𝑛</m:t>
+                              </m:r>
+                              <m:r>
+                                <a:rPr lang="en-US" b="0" i="1" smtClean="0">
+                                  <a:latin typeface="Cambria Math" panose="02040503050406030204" pitchFamily="18" charset="0"/>
+                                </a:rPr>
+                                <m:t> ∗ </m:t>
+                              </m:r>
+                              <m:r>
+                                <a:rPr lang="en-US" b="0" i="1" smtClean="0">
+                                  <a:latin typeface="Cambria Math" panose="02040503050406030204" pitchFamily="18" charset="0"/>
+                                </a:rPr>
+                                <m:t>𝑛</m:t>
+                              </m:r>
+                              <m:r>
+                                <a:rPr lang="en-US" b="0" i="1" smtClean="0">
+                                  <a:latin typeface="Cambria Math" panose="02040503050406030204" pitchFamily="18" charset="0"/>
+                                </a:rPr>
+                                <m:t> − 1</m:t>
+                              </m:r>
+                            </m:e>
+                          </m:d>
+                        </m:den>
+                      </m:f>
+                    </m:oMath>
+                  </m:oMathPara>
+                </a14:m>
+                <a:endParaRPr lang="en-US" dirty="0" smtClean="0"/>
+              </a:p>
+              <a:p>
+                <a:r>
+                  <a:rPr lang="en-US" dirty="0"/>
+                  <a:t>Where n is the number elements </a:t>
+                </a:r>
+                <a:r>
+                  <a:rPr lang="en-US" dirty="0" smtClean="0"/>
+                  <a:t>(ex: coins on the map)</a:t>
+                </a:r>
+                <a:endParaRPr lang="en-US" dirty="0"/>
+              </a:p>
+            </p:txBody>
+          </p:sp>
+        </mc:Choice>
+        <mc:Fallback>
+          <p:sp>
+            <p:nvSpPr>
+              <p:cNvPr id="3" name="Content Placeholder 2"/>
+              <p:cNvSpPr>
+                <a:spLocks noGrp="1" noRot="1" noChangeAspect="1" noMove="1" noResize="1" noEditPoints="1" noAdjustHandles="1" noChangeArrowheads="1" noChangeShapeType="1" noTextEdit="1"/>
+              </p:cNvSpPr>
+              <p:nvPr>
+                <p:ph idx="1"/>
+              </p:nvPr>
+            </p:nvSpPr>
+            <p:spPr>
+              <a:xfrm>
+                <a:off x="1084262" y="2052918"/>
+                <a:ext cx="8946541" cy="4195481"/>
+              </a:xfrm>
+              <a:blipFill rotWithShape="0">
+                <a:blip r:embed="rId2"/>
+                <a:stretch>
+                  <a:fillRect l="-341" t="-872"/>
+                </a:stretch>
+              </a:blipFill>
+            </p:spPr>
+            <p:txBody>
+              <a:bodyPr/>
+              <a:lstStyle/>
+              <a:p>
+                <a:r>
+                  <a:rPr lang="en-US">
+                    <a:noFill/>
+                  </a:rPr>
+                  <a:t> </a:t>
+                </a:r>
+              </a:p>
+            </p:txBody>
+          </p:sp>
+        </mc:Fallback>
+      </mc:AlternateContent>
+    </p:spTree>
+    <p:extLst>
+      <p:ext uri="{BB962C8B-B14F-4D97-AF65-F5344CB8AC3E}">
+        <p14:creationId xmlns:p14="http://schemas.microsoft.com/office/powerpoint/2010/main" val="2218027038"/>
+      </p:ext>
+    </p:extLst>
+  </p:cSld>
+  <p:clrMapOvr>
+    <a:masterClrMapping/>
+  </p:clrMapOvr>
+</p:sld>
+</file>
+
+<file path=ppt/slides/slide15.xml><?xml version="1.0" encoding="utf-8"?>
+<p:sld xmlns:a="http://schemas.openxmlformats.org/drawingml/2006/main" xmlns:r="http://schemas.openxmlformats.org/officeDocument/2006/relationships" xmlns:p="http://schemas.openxmlformats.org/presentationml/2006/main">
+  <p:cSld>
+    <p:spTree>
+      <p:nvGrpSpPr>
+        <p:cNvPr id="1" name=""/>
+        <p:cNvGrpSpPr/>
+        <p:nvPr/>
+      </p:nvGrpSpPr>
+      <p:grpSpPr>
+        <a:xfrm>
+          <a:off x="0" y="0"/>
+          <a:ext cx="0" cy="0"/>
+          <a:chOff x="0" y="0"/>
+          <a:chExt cx="0" cy="0"/>
+        </a:xfrm>
+      </p:grpSpPr>
+      <p:sp>
+        <p:nvSpPr>
+          <p:cNvPr id="2" name="Title 1"/>
+          <p:cNvSpPr>
+            <a:spLocks noGrp="1"/>
+          </p:cNvSpPr>
+          <p:nvPr>
+            <p:ph type="title"/>
+          </p:nvPr>
+        </p:nvSpPr>
+        <p:spPr/>
+        <p:txBody>
+          <a:bodyPr/>
+          <a:lstStyle/>
+          <a:p>
+            <a:r>
+              <a:rPr lang="en-US" dirty="0" smtClean="0"/>
+              <a:t>Using batches for evaluation</a:t>
+            </a:r>
+            <a:endParaRPr lang="en-US" dirty="0"/>
+          </a:p>
+        </p:txBody>
+      </p:sp>
+      <p:sp>
+        <p:nvSpPr>
+          <p:cNvPr id="3" name="Content Placeholder 2"/>
+          <p:cNvSpPr>
+            <a:spLocks noGrp="1"/>
+          </p:cNvSpPr>
+          <p:nvPr>
+            <p:ph idx="1"/>
+          </p:nvPr>
+        </p:nvSpPr>
+        <p:spPr/>
+        <p:txBody>
+          <a:bodyPr/>
+          <a:lstStyle/>
+          <a:p>
+            <a:pPr marL="0" indent="0">
+              <a:buNone/>
+            </a:pPr>
+            <a:r>
+              <a:rPr lang="en-US" dirty="0" smtClean="0"/>
+              <a:t>Avoid having either:</a:t>
+            </a:r>
+          </a:p>
+          <a:p>
+            <a:pPr lvl="1"/>
+            <a:r>
+              <a:rPr lang="en-US" dirty="0" smtClean="0"/>
+              <a:t>a flat shape (minimal </a:t>
+            </a:r>
+            <a:r>
+              <a:rPr lang="en-US" dirty="0"/>
+              <a:t>entropy</a:t>
+            </a:r>
+            <a:r>
+              <a:rPr lang="en-US" dirty="0" smtClean="0"/>
+              <a:t>)</a:t>
+            </a:r>
+          </a:p>
+          <a:p>
+            <a:pPr lvl="1"/>
+            <a:r>
+              <a:rPr lang="en-US" dirty="0" smtClean="0"/>
+              <a:t>Too uncertain terrain (</a:t>
+            </a:r>
+            <a:r>
+              <a:rPr lang="en-US" dirty="0"/>
+              <a:t>maximal entropy</a:t>
+            </a:r>
+            <a:r>
+              <a:rPr lang="en-US" dirty="0" smtClean="0"/>
+              <a:t>)</a:t>
+            </a:r>
+          </a:p>
+        </p:txBody>
+      </p:sp>
+    </p:spTree>
+    <p:extLst>
+      <p:ext uri="{BB962C8B-B14F-4D97-AF65-F5344CB8AC3E}">
+        <p14:creationId xmlns:p14="http://schemas.microsoft.com/office/powerpoint/2010/main" val="2738746827"/>
+      </p:ext>
+    </p:extLst>
+  </p:cSld>
+  <p:clrMapOvr>
+    <a:masterClrMapping/>
+  </p:clrMapOvr>
+</p:sld>
+</file>
+
+<file path=ppt/slides/slide16.xml><?xml version="1.0" encoding="utf-8"?>
+<p:sld xmlns:a="http://schemas.openxmlformats.org/drawingml/2006/main" xmlns:r="http://schemas.openxmlformats.org/officeDocument/2006/relationships" xmlns:p="http://schemas.openxmlformats.org/presentationml/2006/main">
+  <p:cSld>
+    <p:spTree>
+      <p:nvGrpSpPr>
+        <p:cNvPr id="1" name=""/>
+        <p:cNvGrpSpPr/>
+        <p:nvPr/>
+      </p:nvGrpSpPr>
+      <p:grpSpPr>
+        <a:xfrm>
+          <a:off x="0" y="0"/>
+          <a:ext cx="0" cy="0"/>
+          <a:chOff x="0" y="0"/>
+          <a:chExt cx="0" cy="0"/>
+        </a:xfrm>
+      </p:grpSpPr>
+      <p:sp>
+        <p:nvSpPr>
+          <p:cNvPr id="2" name="Title 1"/>
+          <p:cNvSpPr>
+            <a:spLocks noGrp="1"/>
+          </p:cNvSpPr>
+          <p:nvPr>
+            <p:ph type="title"/>
+          </p:nvPr>
+        </p:nvSpPr>
+        <p:spPr/>
+        <p:txBody>
+          <a:bodyPr/>
+          <a:lstStyle/>
+          <a:p>
+            <a:r>
+              <a:rPr lang="en-US" dirty="0" smtClean="0"/>
+              <a:t>Variation on the original algorithm</a:t>
+            </a:r>
+            <a:endParaRPr lang="en-US" dirty="0"/>
+          </a:p>
+        </p:txBody>
+      </p:sp>
+      <p:sp>
+        <p:nvSpPr>
+          <p:cNvPr id="4" name="Content Placeholder 3"/>
+          <p:cNvSpPr>
+            <a:spLocks noGrp="1"/>
+          </p:cNvSpPr>
+          <p:nvPr>
+            <p:ph sz="half" idx="1"/>
+          </p:nvPr>
+        </p:nvSpPr>
+        <p:spPr/>
+        <p:txBody>
+          <a:bodyPr/>
+          <a:lstStyle/>
+          <a:p>
+            <a:r>
+              <a:rPr lang="en-US" dirty="0" smtClean="0"/>
+              <a:t>Develop each aspect individually (ground, blocks, coins, enemies)</a:t>
+            </a:r>
+          </a:p>
+          <a:p>
+            <a:r>
+              <a:rPr lang="en-US" dirty="0" smtClean="0"/>
+              <a:t>Get the best individual in each population and combine to get a single level</a:t>
+            </a:r>
+            <a:endParaRPr lang="en-US" dirty="0"/>
+          </a:p>
+        </p:txBody>
+      </p:sp>
+      <p:sp>
+        <p:nvSpPr>
+          <p:cNvPr id="5" name="Content Placeholder 4"/>
+          <p:cNvSpPr>
+            <a:spLocks noGrp="1"/>
+          </p:cNvSpPr>
+          <p:nvPr>
+            <p:ph sz="half" idx="2"/>
+          </p:nvPr>
+        </p:nvSpPr>
+        <p:spPr/>
+        <p:txBody>
+          <a:bodyPr/>
+          <a:lstStyle/>
+          <a:p>
+            <a:r>
+              <a:rPr lang="en-US" dirty="0" smtClean="0"/>
+              <a:t>Develop all aspects as a single level being generated.</a:t>
+            </a:r>
+            <a:endParaRPr lang="en-US" dirty="0"/>
+          </a:p>
+        </p:txBody>
+      </p:sp>
+    </p:spTree>
+    <p:extLst>
+      <p:ext uri="{BB962C8B-B14F-4D97-AF65-F5344CB8AC3E}">
+        <p14:creationId xmlns:p14="http://schemas.microsoft.com/office/powerpoint/2010/main" val="2758463246"/>
+      </p:ext>
+    </p:extLst>
+  </p:cSld>
+  <p:clrMapOvr>
+    <a:masterClrMapping/>
+  </p:clrMapOvr>
+</p:sld>
+</file>
+
+<file path=ppt/slides/slide17.xml><?xml version="1.0" encoding="utf-8"?>
+<p:sld xmlns:a="http://schemas.openxmlformats.org/drawingml/2006/main" xmlns:r="http://schemas.openxmlformats.org/officeDocument/2006/relationships" xmlns:p="http://schemas.openxmlformats.org/presentationml/2006/main">
+  <p:cSld>
+    <p:spTree>
+      <p:nvGrpSpPr>
+        <p:cNvPr id="1" name=""/>
+        <p:cNvGrpSpPr/>
+        <p:nvPr/>
+      </p:nvGrpSpPr>
+      <p:grpSpPr>
+        <a:xfrm>
+          <a:off x="0" y="0"/>
+          <a:ext cx="0" cy="0"/>
+          <a:chOff x="0" y="0"/>
+          <a:chExt cx="0" cy="0"/>
+        </a:xfrm>
+      </p:grpSpPr>
+      <p:sp>
+        <p:nvSpPr>
+          <p:cNvPr id="2" name="Title 1"/>
+          <p:cNvSpPr>
+            <a:spLocks noGrp="1"/>
+          </p:cNvSpPr>
+          <p:nvPr>
+            <p:ph type="title"/>
+          </p:nvPr>
+        </p:nvSpPr>
+        <p:spPr/>
+        <p:txBody>
+          <a:bodyPr/>
+          <a:lstStyle/>
+          <a:p>
+            <a:r>
+              <a:rPr lang="en-US" dirty="0" smtClean="0"/>
+              <a:t>Getting to the actual level generation</a:t>
+            </a:r>
+            <a:endParaRPr lang="en-US" dirty="0"/>
+          </a:p>
+        </p:txBody>
+      </p:sp>
+      <p:sp>
+        <p:nvSpPr>
+          <p:cNvPr id="11" name="Content Placeholder 10"/>
+          <p:cNvSpPr>
+            <a:spLocks noGrp="1"/>
+          </p:cNvSpPr>
+          <p:nvPr>
+            <p:ph sz="half" idx="1"/>
+          </p:nvPr>
+        </p:nvSpPr>
+        <p:spPr/>
+        <p:txBody>
+          <a:bodyPr/>
+          <a:lstStyle/>
+          <a:p>
+            <a:r>
+              <a:rPr lang="en-US" dirty="0" smtClean="0"/>
+              <a:t>Fitness evaluation by computing distance to desired function value </a:t>
+            </a:r>
+            <a:endParaRPr lang="en-US" dirty="0"/>
+          </a:p>
+        </p:txBody>
+      </p:sp>
+      <p:pic>
+        <p:nvPicPr>
+          <p:cNvPr id="14" name="Content Placeholder 13"/>
+          <p:cNvPicPr>
+            <a:picLocks noGrp="1" noChangeAspect="1"/>
+          </p:cNvPicPr>
+          <p:nvPr>
+            <p:ph sz="half" idx="2"/>
+          </p:nvPr>
+        </p:nvPicPr>
+        <p:blipFill>
+          <a:blip r:embed="rId3"/>
+          <a:stretch>
+            <a:fillRect/>
+          </a:stretch>
+        </p:blipFill>
+        <p:spPr>
+          <a:xfrm>
+            <a:off x="5654675" y="2703005"/>
+            <a:ext cx="4395788" cy="2906141"/>
+          </a:xfrm>
+          <a:prstGeom prst="rect">
+            <a:avLst/>
+          </a:prstGeom>
+        </p:spPr>
+      </p:pic>
+      <p:cxnSp>
+        <p:nvCxnSpPr>
+          <p:cNvPr id="16" name="Straight Arrow Connector 15"/>
+          <p:cNvCxnSpPr/>
+          <p:nvPr/>
+        </p:nvCxnSpPr>
+        <p:spPr>
+          <a:xfrm flipH="1">
+            <a:off x="8210549" y="2476500"/>
+            <a:ext cx="523876" cy="965835"/>
+          </a:xfrm>
+          <a:prstGeom prst="straightConnector1">
+            <a:avLst/>
+          </a:prstGeom>
+          <a:ln w="28575">
+            <a:solidFill>
+              <a:srgbClr val="FF0000"/>
+            </a:solidFill>
+            <a:tailEnd type="triangle"/>
+          </a:ln>
+        </p:spPr>
+        <p:style>
+          <a:lnRef idx="1">
+            <a:schemeClr val="accent1"/>
+          </a:lnRef>
+          <a:fillRef idx="0">
+            <a:schemeClr val="accent1"/>
+          </a:fillRef>
+          <a:effectRef idx="0">
+            <a:schemeClr val="accent1"/>
+          </a:effectRef>
+          <a:fontRef idx="minor">
+            <a:schemeClr val="tx1"/>
+          </a:fontRef>
+        </p:style>
+      </p:cxnSp>
+      <p:sp>
+        <p:nvSpPr>
+          <p:cNvPr id="18" name="TextBox 17"/>
+          <p:cNvSpPr txBox="1"/>
+          <p:nvPr/>
+        </p:nvSpPr>
+        <p:spPr>
+          <a:xfrm>
+            <a:off x="8348387" y="1896934"/>
+            <a:ext cx="2805388" cy="584775"/>
+          </a:xfrm>
+          <a:prstGeom prst="rect">
+            <a:avLst/>
+          </a:prstGeom>
+          <a:noFill/>
+        </p:spPr>
+        <p:txBody>
+          <a:bodyPr wrap="square" rtlCol="0">
+            <a:spAutoFit/>
+          </a:bodyPr>
+          <a:lstStyle/>
+          <a:p>
+            <a:r>
+              <a:rPr lang="en-US" sz="1600" dirty="0" smtClean="0"/>
+              <a:t>I believe this to be “Ground minimum height”</a:t>
+            </a:r>
+            <a:endParaRPr lang="en-US" sz="1600" dirty="0"/>
+          </a:p>
+        </p:txBody>
+      </p:sp>
+    </p:spTree>
+    <p:extLst>
+      <p:ext uri="{BB962C8B-B14F-4D97-AF65-F5344CB8AC3E}">
+        <p14:creationId xmlns:p14="http://schemas.microsoft.com/office/powerpoint/2010/main" val="3146534915"/>
+      </p:ext>
+    </p:extLst>
+  </p:cSld>
+  <p:clrMapOvr>
+    <a:masterClrMapping/>
+  </p:clrMapOvr>
+</p:sld>
+</file>
+
+<file path=ppt/slides/slide18.xml><?xml version="1.0" encoding="utf-8"?>
+<p:sld xmlns:a="http://schemas.openxmlformats.org/drawingml/2006/main" xmlns:r="http://schemas.openxmlformats.org/officeDocument/2006/relationships" xmlns:p="http://schemas.openxmlformats.org/presentationml/2006/main">
+  <p:cSld>
+    <p:spTree>
+      <p:nvGrpSpPr>
+        <p:cNvPr id="1" name=""/>
+        <p:cNvGrpSpPr/>
+        <p:nvPr/>
+      </p:nvGrpSpPr>
+      <p:grpSpPr>
+        <a:xfrm>
+          <a:off x="0" y="0"/>
+          <a:ext cx="0" cy="0"/>
+          <a:chOff x="0" y="0"/>
+          <a:chExt cx="0" cy="0"/>
+        </a:xfrm>
+      </p:grpSpPr>
+      <p:sp>
+        <p:nvSpPr>
+          <p:cNvPr id="4" name="Title 3"/>
+          <p:cNvSpPr>
+            <a:spLocks noGrp="1"/>
+          </p:cNvSpPr>
+          <p:nvPr>
+            <p:ph type="title"/>
+          </p:nvPr>
+        </p:nvSpPr>
+        <p:spPr>
+          <a:xfrm>
+            <a:off x="2122487" y="3234018"/>
+            <a:ext cx="7631114" cy="690282"/>
+          </a:xfrm>
+        </p:spPr>
+        <p:txBody>
+          <a:bodyPr/>
+          <a:lstStyle/>
+          <a:p>
+            <a:pPr algn="ctr"/>
+            <a:r>
+              <a:rPr lang="en-US" dirty="0" smtClean="0"/>
+              <a:t>The application</a:t>
+            </a:r>
+            <a:endParaRPr lang="en-US" dirty="0"/>
+          </a:p>
+        </p:txBody>
+      </p:sp>
+    </p:spTree>
+    <p:extLst>
+      <p:ext uri="{BB962C8B-B14F-4D97-AF65-F5344CB8AC3E}">
+        <p14:creationId xmlns:p14="http://schemas.microsoft.com/office/powerpoint/2010/main" val="441111390"/>
+      </p:ext>
+    </p:extLst>
+  </p:cSld>
+  <p:clrMapOvr>
+    <a:masterClrMapping/>
+  </p:clrMapOvr>
+</p:sld>
+</file>
+
+<file path=ppt/slides/slide19.xml><?xml version="1.0" encoding="utf-8"?>
+<p:sld xmlns:a="http://schemas.openxmlformats.org/drawingml/2006/main" xmlns:r="http://schemas.openxmlformats.org/officeDocument/2006/relationships" xmlns:p="http://schemas.openxmlformats.org/presentationml/2006/main">
+  <p:cSld>
+    <p:spTree>
+      <p:nvGrpSpPr>
+        <p:cNvPr id="1" name=""/>
+        <p:cNvGrpSpPr/>
+        <p:nvPr/>
+      </p:nvGrpSpPr>
+      <p:grpSpPr>
+        <a:xfrm>
+          <a:off x="0" y="0"/>
+          <a:ext cx="0" cy="0"/>
+          <a:chOff x="0" y="0"/>
+          <a:chExt cx="0" cy="0"/>
+        </a:xfrm>
+      </p:grpSpPr>
+      <p:sp>
+        <p:nvSpPr>
+          <p:cNvPr id="2" name="Title 1"/>
+          <p:cNvSpPr>
+            <a:spLocks noGrp="1"/>
+          </p:cNvSpPr>
+          <p:nvPr>
+            <p:ph type="title"/>
+          </p:nvPr>
+        </p:nvSpPr>
+        <p:spPr/>
+        <p:txBody>
+          <a:bodyPr/>
+          <a:lstStyle/>
+          <a:p>
+            <a:r>
+              <a:rPr lang="en-US" dirty="0" smtClean="0"/>
+              <a:t>Issues or plausibility checks</a:t>
+            </a:r>
+            <a:endParaRPr lang="en-US" dirty="0"/>
+          </a:p>
+        </p:txBody>
+      </p:sp>
+      <p:sp>
+        <p:nvSpPr>
+          <p:cNvPr id="3" name="Content Placeholder 2"/>
+          <p:cNvSpPr>
+            <a:spLocks noGrp="1"/>
+          </p:cNvSpPr>
+          <p:nvPr>
+            <p:ph idx="1"/>
+          </p:nvPr>
+        </p:nvSpPr>
+        <p:spPr/>
+        <p:txBody>
+          <a:bodyPr/>
+          <a:lstStyle/>
+          <a:p>
+            <a:r>
+              <a:rPr lang="en-US" dirty="0" smtClean="0"/>
+              <a:t>Generated level might not be playable due to:</a:t>
+            </a:r>
+          </a:p>
+          <a:p>
+            <a:pPr lvl="1"/>
+            <a:r>
+              <a:rPr lang="en-US" dirty="0" smtClean="0"/>
+              <a:t>Gaps Mario can not jump</a:t>
+            </a:r>
+          </a:p>
+          <a:p>
+            <a:pPr lvl="1"/>
+            <a:r>
+              <a:rPr lang="en-US" dirty="0" smtClean="0"/>
+              <a:t>Ground that increases in height too fast and Mario can not climb</a:t>
+            </a:r>
+          </a:p>
+          <a:p>
+            <a:pPr lvl="1"/>
+            <a:r>
+              <a:rPr lang="en-US" dirty="0" smtClean="0"/>
+              <a:t>Enemies placed in gaps</a:t>
+            </a:r>
+          </a:p>
+          <a:p>
+            <a:pPr lvl="1"/>
+            <a:r>
+              <a:rPr lang="en-US" dirty="0" smtClean="0"/>
+              <a:t>Coins placed over blocks</a:t>
+            </a:r>
+            <a:endParaRPr lang="en-US" dirty="0"/>
+          </a:p>
+          <a:p>
+            <a:pPr lvl="1"/>
+            <a:r>
+              <a:rPr lang="en-US" dirty="0" smtClean="0"/>
+              <a:t>Coins that can not be reached</a:t>
+            </a:r>
+          </a:p>
+          <a:p>
+            <a:pPr lvl="1"/>
+            <a:endParaRPr lang="en-US" dirty="0"/>
+          </a:p>
+          <a:p>
+            <a:pPr lvl="1"/>
+            <a:r>
+              <a:rPr lang="en-US" dirty="0" smtClean="0"/>
+              <a:t>Proper aggregation function for the entropy and sparseness evaluation</a:t>
+            </a:r>
+          </a:p>
+        </p:txBody>
+      </p:sp>
+    </p:spTree>
+    <p:extLst>
+      <p:ext uri="{BB962C8B-B14F-4D97-AF65-F5344CB8AC3E}">
+        <p14:creationId xmlns:p14="http://schemas.microsoft.com/office/powerpoint/2010/main" val="188222539"/>
       </p:ext>
     </p:extLst>
   </p:cSld>
@@ -3285,7 +8662,7 @@
       </p:grpSpPr>
       <p:sp>
         <p:nvSpPr>
-          <p:cNvPr id="4" name="Title 3"/>
+          <p:cNvPr id="3" name="Title 2"/>
           <p:cNvSpPr>
             <a:spLocks noGrp="1"/>
           </p:cNvSpPr>
@@ -3293,33 +8670,619 @@
             <p:ph type="title"/>
           </p:nvPr>
         </p:nvSpPr>
+        <p:spPr/>
+        <p:txBody>
+          <a:bodyPr/>
+          <a:lstStyle/>
+          <a:p>
+            <a:r>
+              <a:rPr lang="en-US" dirty="0" smtClean="0"/>
+              <a:t>Introduction</a:t>
+            </a:r>
+            <a:endParaRPr lang="en-US" dirty="0"/>
+          </a:p>
+        </p:txBody>
+      </p:sp>
+      <p:sp>
+        <p:nvSpPr>
+          <p:cNvPr id="5" name="Content Placeholder 4"/>
+          <p:cNvSpPr>
+            <a:spLocks noGrp="1"/>
+          </p:cNvSpPr>
+          <p:nvPr>
+            <p:ph idx="1"/>
+          </p:nvPr>
+        </p:nvSpPr>
+        <p:spPr/>
+        <p:txBody>
+          <a:bodyPr/>
+          <a:lstStyle/>
+          <a:p>
+            <a:r>
+              <a:rPr lang="en-US" dirty="0" smtClean="0"/>
+              <a:t>Game Level Generation with Genetic Algorithms for </a:t>
+            </a:r>
+            <a:r>
+              <a:rPr lang="en-US" b="1" dirty="0" smtClean="0"/>
+              <a:t>Mario</a:t>
+            </a:r>
+          </a:p>
+          <a:p>
+            <a:r>
+              <a:rPr lang="en-US" dirty="0" smtClean="0"/>
+              <a:t>Based on a Paper by Lucas Ferreira, Leonardo Pereira and Claudio Toledo</a:t>
+            </a:r>
+            <a:endParaRPr lang="en-US" dirty="0"/>
+          </a:p>
+          <a:p>
+            <a:r>
+              <a:rPr lang="en-US" dirty="0" smtClean="0"/>
+              <a:t>Challenges when writing the application</a:t>
+            </a:r>
+          </a:p>
+        </p:txBody>
+      </p:sp>
+    </p:spTree>
+    <p:extLst>
+      <p:ext uri="{BB962C8B-B14F-4D97-AF65-F5344CB8AC3E}">
+        <p14:creationId xmlns:p14="http://schemas.microsoft.com/office/powerpoint/2010/main" val="636345364"/>
+      </p:ext>
+    </p:extLst>
+  </p:cSld>
+  <p:clrMapOvr>
+    <a:masterClrMapping/>
+  </p:clrMapOvr>
+  <p:timing>
+    <p:tnLst>
+      <p:par>
+        <p:cTn id="1" dur="indefinite" restart="never" nodeType="tmRoot"/>
+      </p:par>
+    </p:tnLst>
+  </p:timing>
+</p:sld>
+</file>
+
+<file path=ppt/slides/slide20.xml><?xml version="1.0" encoding="utf-8"?>
+<p:sld xmlns:a="http://schemas.openxmlformats.org/drawingml/2006/main" xmlns:r="http://schemas.openxmlformats.org/officeDocument/2006/relationships" xmlns:p="http://schemas.openxmlformats.org/presentationml/2006/main">
+  <p:cSld>
+    <p:spTree>
+      <p:nvGrpSpPr>
+        <p:cNvPr id="1" name=""/>
+        <p:cNvGrpSpPr/>
+        <p:nvPr/>
+      </p:nvGrpSpPr>
+      <p:grpSpPr>
+        <a:xfrm>
+          <a:off x="0" y="0"/>
+          <a:ext cx="0" cy="0"/>
+          <a:chOff x="0" y="0"/>
+          <a:chExt cx="0" cy="0"/>
+        </a:xfrm>
+      </p:grpSpPr>
+      <p:sp>
+        <p:nvSpPr>
+          <p:cNvPr id="2" name="Title 1"/>
+          <p:cNvSpPr>
+            <a:spLocks noGrp="1"/>
+          </p:cNvSpPr>
+          <p:nvPr>
+            <p:ph type="title"/>
+          </p:nvPr>
+        </p:nvSpPr>
+        <p:spPr/>
+        <p:txBody>
+          <a:bodyPr/>
+          <a:lstStyle/>
+          <a:p>
+            <a:r>
+              <a:rPr lang="en-US" dirty="0" smtClean="0"/>
+              <a:t>Making it playable</a:t>
+            </a:r>
+            <a:endParaRPr lang="en-US" dirty="0"/>
+          </a:p>
+        </p:txBody>
+      </p:sp>
+      <p:sp>
+        <p:nvSpPr>
+          <p:cNvPr id="3" name="Content Placeholder 2"/>
+          <p:cNvSpPr>
+            <a:spLocks noGrp="1"/>
+          </p:cNvSpPr>
+          <p:nvPr>
+            <p:ph idx="1"/>
+          </p:nvPr>
+        </p:nvSpPr>
+        <p:spPr/>
+        <p:txBody>
+          <a:bodyPr>
+            <a:normAutofit fontScale="92500" lnSpcReduction="20000"/>
+          </a:bodyPr>
+          <a:lstStyle/>
+          <a:p>
+            <a:r>
+              <a:rPr lang="en-US" dirty="0" smtClean="0">
+                <a:hlinkClick r:id="rId3"/>
+              </a:rPr>
+              <a:t>Link here</a:t>
+            </a:r>
+            <a:endParaRPr lang="en-US" dirty="0" smtClean="0"/>
+          </a:p>
+          <a:p>
+            <a:r>
+              <a:rPr lang="en-US" dirty="0" smtClean="0"/>
+              <a:t>HTML5 Game Engine</a:t>
+            </a:r>
+          </a:p>
+          <a:p>
+            <a:r>
+              <a:rPr lang="en-US" dirty="0" smtClean="0"/>
+              <a:t>JavaScript-friendly syntax</a:t>
+            </a:r>
+          </a:p>
+          <a:p>
+            <a:r>
+              <a:rPr lang="en-US" dirty="0"/>
+              <a:t> </a:t>
+            </a:r>
+            <a:r>
+              <a:rPr lang="en-US" dirty="0" smtClean="0"/>
+              <a:t>Provides </a:t>
+            </a:r>
+            <a:r>
+              <a:rPr lang="en-US" dirty="0"/>
+              <a:t>plugins, events and a selector </a:t>
+            </a:r>
+            <a:r>
+              <a:rPr lang="en-US" dirty="0" smtClean="0"/>
+              <a:t>syntax </a:t>
+            </a:r>
+          </a:p>
+          <a:p>
+            <a:pPr lvl="1"/>
+            <a:r>
+              <a:rPr lang="en-US" dirty="0"/>
+              <a:t>B</a:t>
+            </a:r>
+            <a:r>
+              <a:rPr lang="en-US" dirty="0" smtClean="0"/>
+              <a:t>asically it is highly extensible code</a:t>
+            </a:r>
+          </a:p>
+          <a:p>
+            <a:pPr lvl="1"/>
+            <a:r>
+              <a:rPr lang="en-US" dirty="0" smtClean="0"/>
+              <a:t>Allows fast development of games</a:t>
+            </a:r>
+          </a:p>
+          <a:p>
+            <a:endParaRPr lang="en-US" dirty="0" smtClean="0"/>
+          </a:p>
+          <a:p>
+            <a:r>
+              <a:rPr lang="en-US" dirty="0" smtClean="0"/>
+              <a:t>Implementation requires:</a:t>
+            </a:r>
+          </a:p>
+          <a:p>
+            <a:pPr lvl="1"/>
+            <a:r>
+              <a:rPr lang="en-US" dirty="0" smtClean="0"/>
+              <a:t>Implementing the game in </a:t>
+            </a:r>
+            <a:r>
+              <a:rPr lang="en-US" dirty="0"/>
+              <a:t>Q</a:t>
+            </a:r>
+            <a:r>
+              <a:rPr lang="en-US" dirty="0" smtClean="0"/>
+              <a:t>uintus</a:t>
+            </a:r>
+          </a:p>
+          <a:p>
+            <a:pPr lvl="1"/>
+            <a:r>
+              <a:rPr lang="en-US" dirty="0" smtClean="0"/>
+              <a:t>Generating the TMX map file from the result of the genetic algorithm (ground and blocks)</a:t>
+            </a:r>
+          </a:p>
+          <a:p>
+            <a:pPr lvl="1"/>
+            <a:r>
+              <a:rPr lang="en-US" dirty="0" smtClean="0"/>
+              <a:t>Adding the assets (enemies and coins) to the game using JavaScript</a:t>
+            </a:r>
+          </a:p>
+          <a:p>
+            <a:pPr lvl="1"/>
+            <a:endParaRPr lang="en-US" dirty="0"/>
+          </a:p>
+        </p:txBody>
+      </p:sp>
+      <p:pic>
+        <p:nvPicPr>
+          <p:cNvPr id="4" name="Picture 3"/>
+          <p:cNvPicPr>
+            <a:picLocks noChangeAspect="1"/>
+          </p:cNvPicPr>
+          <p:nvPr/>
+        </p:nvPicPr>
+        <p:blipFill>
+          <a:blip r:embed="rId4"/>
+          <a:stretch>
+            <a:fillRect/>
+          </a:stretch>
+        </p:blipFill>
         <p:spPr>
           <a:xfrm>
-            <a:off x="1440492" y="365125"/>
-            <a:ext cx="9913307" cy="1325563"/>
+            <a:off x="5838825" y="252871"/>
+            <a:ext cx="3562350" cy="1133475"/>
           </a:xfrm>
+          <a:prstGeom prst="rect">
+            <a:avLst/>
+          </a:prstGeom>
         </p:spPr>
-        <p:txBody>
-          <a:bodyPr/>
-          <a:lstStyle/>
-          <a:p>
+      </p:pic>
+    </p:spTree>
+    <p:extLst>
+      <p:ext uri="{BB962C8B-B14F-4D97-AF65-F5344CB8AC3E}">
+        <p14:creationId xmlns:p14="http://schemas.microsoft.com/office/powerpoint/2010/main" val="1206264450"/>
+      </p:ext>
+    </p:extLst>
+  </p:cSld>
+  <p:clrMapOvr>
+    <a:masterClrMapping/>
+  </p:clrMapOvr>
+</p:sld>
+</file>
+
+<file path=ppt/slides/slide21.xml><?xml version="1.0" encoding="utf-8"?>
+<p:sld xmlns:a="http://schemas.openxmlformats.org/drawingml/2006/main" xmlns:r="http://schemas.openxmlformats.org/officeDocument/2006/relationships" xmlns:p="http://schemas.openxmlformats.org/presentationml/2006/main">
+  <p:cSld>
+    <p:spTree>
+      <p:nvGrpSpPr>
+        <p:cNvPr id="1" name=""/>
+        <p:cNvGrpSpPr/>
+        <p:nvPr/>
+      </p:nvGrpSpPr>
+      <p:grpSpPr>
+        <a:xfrm>
+          <a:off x="0" y="0"/>
+          <a:ext cx="0" cy="0"/>
+          <a:chOff x="0" y="0"/>
+          <a:chExt cx="0" cy="0"/>
+        </a:xfrm>
+      </p:grpSpPr>
+      <p:sp>
+        <p:nvSpPr>
+          <p:cNvPr id="2" name="Title 1"/>
+          <p:cNvSpPr>
+            <a:spLocks noGrp="1"/>
+          </p:cNvSpPr>
+          <p:nvPr>
+            <p:ph type="title"/>
+          </p:nvPr>
+        </p:nvSpPr>
+        <p:spPr/>
+        <p:txBody>
+          <a:bodyPr/>
+          <a:lstStyle/>
+          <a:p>
+            <a:r>
+              <a:rPr lang="en-US" dirty="0" smtClean="0"/>
+              <a:t>Bibliography</a:t>
+            </a:r>
+            <a:endParaRPr lang="en-US" dirty="0"/>
+          </a:p>
+        </p:txBody>
+      </p:sp>
+      <p:sp>
+        <p:nvSpPr>
+          <p:cNvPr id="3" name="Content Placeholder 2"/>
+          <p:cNvSpPr>
+            <a:spLocks noGrp="1"/>
+          </p:cNvSpPr>
+          <p:nvPr>
+            <p:ph idx="1"/>
+          </p:nvPr>
+        </p:nvSpPr>
+        <p:spPr/>
+        <p:txBody>
+          <a:bodyPr/>
+          <a:lstStyle/>
+          <a:p>
+            <a:r>
+              <a:rPr lang="en-US" b="1" dirty="0" smtClean="0"/>
+              <a:t>[1] A </a:t>
+            </a:r>
+            <a:r>
+              <a:rPr lang="en-US" b="1" dirty="0"/>
+              <a:t>Multi-population Genetic Algorithm for </a:t>
+            </a:r>
+            <a:r>
+              <a:rPr lang="en-US" b="1" dirty="0" smtClean="0"/>
+              <a:t>Procedural Generation </a:t>
+            </a:r>
+            <a:r>
+              <a:rPr lang="en-US" b="1" dirty="0"/>
+              <a:t>of Levels for Platform </a:t>
+            </a:r>
+            <a:r>
+              <a:rPr lang="en-US" b="1" dirty="0" smtClean="0"/>
+              <a:t>Games - </a:t>
+            </a:r>
+            <a:r>
+              <a:rPr lang="en-US" dirty="0"/>
+              <a:t>Lucas </a:t>
+            </a:r>
+            <a:r>
+              <a:rPr lang="en-US" dirty="0" smtClean="0"/>
+              <a:t>Ferreira,</a:t>
+            </a:r>
+            <a:r>
+              <a:rPr lang="en-US" dirty="0"/>
+              <a:t> Leonardo </a:t>
+            </a:r>
+            <a:r>
+              <a:rPr lang="en-US" dirty="0" smtClean="0"/>
+              <a:t>Pereira, </a:t>
+            </a:r>
+            <a:r>
+              <a:rPr lang="en-US" dirty="0"/>
+              <a:t>Claudio </a:t>
+            </a:r>
+            <a:r>
+              <a:rPr lang="en-US" dirty="0" smtClean="0"/>
+              <a:t>Toledo</a:t>
+            </a:r>
+          </a:p>
+          <a:p>
+            <a:r>
+              <a:rPr lang="en-US" b="1" dirty="0" smtClean="0"/>
+              <a:t>[2] A </a:t>
+            </a:r>
+            <a:r>
+              <a:rPr lang="en-US" b="1" dirty="0"/>
+              <a:t>Mathematical Theory of </a:t>
+            </a:r>
+            <a:r>
+              <a:rPr lang="en-US" b="1" dirty="0" smtClean="0"/>
+              <a:t>Communication</a:t>
+            </a:r>
+            <a:r>
+              <a:rPr lang="en-US" dirty="0" smtClean="0"/>
+              <a:t> - </a:t>
+            </a:r>
+            <a:r>
+              <a:rPr lang="en-US" dirty="0"/>
+              <a:t>C. E. </a:t>
+            </a:r>
+            <a:r>
+              <a:rPr lang="en-US" dirty="0" smtClean="0"/>
+              <a:t>Shannon</a:t>
+            </a:r>
+          </a:p>
+          <a:p>
+            <a:r>
+              <a:rPr lang="en-US" b="1" dirty="0" smtClean="0"/>
+              <a:t>[3] Multi-Faceted </a:t>
+            </a:r>
+            <a:r>
+              <a:rPr lang="en-US" b="1" dirty="0"/>
+              <a:t>Evolution Of Simple Arcade </a:t>
+            </a:r>
+            <a:r>
+              <a:rPr lang="en-US" b="1" dirty="0" smtClean="0"/>
+              <a:t>Games </a:t>
+            </a:r>
+            <a:r>
+              <a:rPr lang="en-US" dirty="0" smtClean="0"/>
+              <a:t>- </a:t>
+            </a:r>
+            <a:r>
+              <a:rPr lang="en-US" dirty="0"/>
+              <a:t>Michael Cook and Simon Colton</a:t>
+            </a:r>
+            <a:endParaRPr lang="en-US" dirty="0"/>
+          </a:p>
+        </p:txBody>
+      </p:sp>
+    </p:spTree>
+    <p:extLst>
+      <p:ext uri="{BB962C8B-B14F-4D97-AF65-F5344CB8AC3E}">
+        <p14:creationId xmlns:p14="http://schemas.microsoft.com/office/powerpoint/2010/main" val="4268438192"/>
+      </p:ext>
+    </p:extLst>
+  </p:cSld>
+  <p:clrMapOvr>
+    <a:masterClrMapping/>
+  </p:clrMapOvr>
+</p:sld>
+</file>
+
+<file path=ppt/slides/slide22.xml><?xml version="1.0" encoding="utf-8"?>
+<p:sld xmlns:a="http://schemas.openxmlformats.org/drawingml/2006/main" xmlns:r="http://schemas.openxmlformats.org/officeDocument/2006/relationships" xmlns:p="http://schemas.openxmlformats.org/presentationml/2006/main">
+  <p:cSld>
+    <p:spTree>
+      <p:nvGrpSpPr>
+        <p:cNvPr id="1" name=""/>
+        <p:cNvGrpSpPr/>
+        <p:nvPr/>
+      </p:nvGrpSpPr>
+      <p:grpSpPr>
+        <a:xfrm>
+          <a:off x="0" y="0"/>
+          <a:ext cx="0" cy="0"/>
+          <a:chOff x="0" y="0"/>
+          <a:chExt cx="0" cy="0"/>
+        </a:xfrm>
+      </p:grpSpPr>
+      <p:sp>
+        <p:nvSpPr>
+          <p:cNvPr id="2" name="Title 1"/>
+          <p:cNvSpPr>
+            <a:spLocks noGrp="1"/>
+          </p:cNvSpPr>
+          <p:nvPr>
+            <p:ph type="title"/>
+          </p:nvPr>
+        </p:nvSpPr>
+        <p:spPr/>
+        <p:txBody>
+          <a:bodyPr/>
+          <a:lstStyle/>
+          <a:p>
+            <a:r>
+              <a:rPr lang="en-US" dirty="0" smtClean="0"/>
+              <a:t>Questions?</a:t>
+            </a:r>
             <a:endParaRPr lang="en-US" dirty="0"/>
           </a:p>
         </p:txBody>
       </p:sp>
       <p:pic>
         <p:nvPicPr>
-          <p:cNvPr id="6" name="Content Placeholder 5" descr="Mushroom"/>
+          <p:cNvPr id="4" name="Content Placeholder 3"/>
           <p:cNvPicPr>
             <a:picLocks noGrp="1" noChangeAspect="1"/>
           </p:cNvPicPr>
-          <p:nvPr isPhoto="1">
+          <p:nvPr>
             <p:ph idx="1"/>
           </p:nvPr>
         </p:nvPicPr>
         <p:blipFill>
-          <a:blip r:embed="rId2" cstate="print">
-            <a:lum/>
+          <a:blip r:embed="rId2"/>
+          <a:stretch>
+            <a:fillRect/>
+          </a:stretch>
+        </p:blipFill>
+        <p:spPr>
+          <a:xfrm>
+            <a:off x="2360356" y="1309688"/>
+            <a:ext cx="7059869" cy="5103278"/>
+          </a:xfrm>
+          <a:prstGeom prst="rect">
+            <a:avLst/>
+          </a:prstGeom>
+        </p:spPr>
+      </p:pic>
+    </p:spTree>
+    <p:extLst>
+      <p:ext uri="{BB962C8B-B14F-4D97-AF65-F5344CB8AC3E}">
+        <p14:creationId xmlns:p14="http://schemas.microsoft.com/office/powerpoint/2010/main" val="1758982229"/>
+      </p:ext>
+    </p:extLst>
+  </p:cSld>
+  <p:clrMapOvr>
+    <a:masterClrMapping/>
+  </p:clrMapOvr>
+</p:sld>
+</file>
+
+<file path=ppt/slides/slide3.xml><?xml version="1.0" encoding="utf-8"?>
+<p:sld xmlns:a="http://schemas.openxmlformats.org/drawingml/2006/main" xmlns:r="http://schemas.openxmlformats.org/officeDocument/2006/relationships" xmlns:p="http://schemas.openxmlformats.org/presentationml/2006/main">
+  <p:cSld>
+    <p:spTree>
+      <p:nvGrpSpPr>
+        <p:cNvPr id="1" name=""/>
+        <p:cNvGrpSpPr/>
+        <p:nvPr/>
+      </p:nvGrpSpPr>
+      <p:grpSpPr>
+        <a:xfrm>
+          <a:off x="0" y="0"/>
+          <a:ext cx="0" cy="0"/>
+          <a:chOff x="0" y="0"/>
+          <a:chExt cx="0" cy="0"/>
+        </a:xfrm>
+      </p:grpSpPr>
+      <p:sp>
+        <p:nvSpPr>
+          <p:cNvPr id="6" name="Title 5"/>
+          <p:cNvSpPr>
+            <a:spLocks noGrp="1"/>
+          </p:cNvSpPr>
+          <p:nvPr>
+            <p:ph type="title"/>
+          </p:nvPr>
+        </p:nvSpPr>
+        <p:spPr/>
+        <p:txBody>
+          <a:bodyPr/>
+          <a:lstStyle/>
+          <a:p>
+            <a:r>
+              <a:rPr lang="en-US" dirty="0" smtClean="0"/>
+              <a:t>The Game</a:t>
+            </a:r>
+            <a:endParaRPr lang="en-US" dirty="0"/>
+          </a:p>
+        </p:txBody>
+      </p:sp>
+      <p:sp>
+        <p:nvSpPr>
+          <p:cNvPr id="16" name="Content Placeholder 15"/>
+          <p:cNvSpPr>
+            <a:spLocks noGrp="1"/>
+          </p:cNvSpPr>
+          <p:nvPr>
+            <p:ph sz="half" idx="1"/>
+          </p:nvPr>
+        </p:nvSpPr>
+        <p:spPr/>
+        <p:txBody>
+          <a:bodyPr/>
+          <a:lstStyle/>
+          <a:p>
+            <a:pPr marL="0" indent="0">
+              <a:buNone/>
+            </a:pPr>
+            <a:r>
+              <a:rPr lang="en-US" dirty="0" smtClean="0"/>
+              <a:t>Mario Can:</a:t>
+            </a:r>
+          </a:p>
+          <a:p>
+            <a:r>
+              <a:rPr lang="en-US" dirty="0" smtClean="0"/>
+              <a:t>Walk or jump to get to the end of the level</a:t>
+            </a:r>
+          </a:p>
+          <a:p>
+            <a:r>
+              <a:rPr lang="en-US" dirty="0" smtClean="0"/>
+              <a:t>Jump on blocks, collect power-ups (blocks)</a:t>
+            </a:r>
+          </a:p>
+          <a:p>
+            <a:r>
+              <a:rPr lang="en-US" dirty="0" smtClean="0"/>
+              <a:t>Collect coins (coins)</a:t>
+            </a:r>
+          </a:p>
+          <a:p>
+            <a:r>
+              <a:rPr lang="en-US" dirty="0" smtClean="0"/>
+              <a:t>Fight enemies</a:t>
+            </a:r>
+          </a:p>
+          <a:p>
+            <a:endParaRPr lang="en-US" dirty="0"/>
+          </a:p>
+        </p:txBody>
+      </p:sp>
+      <p:pic>
+        <p:nvPicPr>
+          <p:cNvPr id="19" name="Content Placeholder 18"/>
+          <p:cNvPicPr>
+            <a:picLocks noGrp="1" noChangeAspect="1"/>
+          </p:cNvPicPr>
+          <p:nvPr>
+            <p:ph sz="half" idx="2"/>
+          </p:nvPr>
+        </p:nvPicPr>
+        <p:blipFill>
+          <a:blip r:embed="rId3">
             <a:extLst>
               <a:ext uri="{28A0092B-C50C-407E-A947-70E740481C1C}">
                 <a14:useLocalDpi xmlns:a14="http://schemas.microsoft.com/office/drawing/2010/main" val="0"/>
@@ -3332,22 +9295,595 @@
         </p:blipFill>
         <p:spPr>
           <a:xfrm>
-            <a:off x="357638" y="550329"/>
-            <a:ext cx="961123" cy="955153"/>
+            <a:off x="5654675" y="2508597"/>
+            <a:ext cx="4395788" cy="3294956"/>
           </a:xfrm>
-          <a:prstGeom prst="rect">
-            <a:avLst/>
-          </a:prstGeom>
-          <a:noFill/>
-          <a:ln>
-            <a:noFill/>
-          </a:ln>
         </p:spPr>
       </p:pic>
     </p:spTree>
     <p:extLst>
       <p:ext uri="{BB962C8B-B14F-4D97-AF65-F5344CB8AC3E}">
-        <p14:creationId xmlns:p14="http://schemas.microsoft.com/office/powerpoint/2010/main" val="636345364"/>
+        <p14:creationId xmlns:p14="http://schemas.microsoft.com/office/powerpoint/2010/main" val="3857937955"/>
+      </p:ext>
+    </p:extLst>
+  </p:cSld>
+  <p:clrMapOvr>
+    <a:masterClrMapping/>
+  </p:clrMapOvr>
+  <p:timing>
+    <p:tnLst>
+      <p:par>
+        <p:cTn id="1" dur="indefinite" restart="never" nodeType="tmRoot"/>
+      </p:par>
+    </p:tnLst>
+  </p:timing>
+</p:sld>
+</file>
+
+<file path=ppt/slides/slide4.xml><?xml version="1.0" encoding="utf-8"?>
+<p:sld xmlns:a="http://schemas.openxmlformats.org/drawingml/2006/main" xmlns:r="http://schemas.openxmlformats.org/officeDocument/2006/relationships" xmlns:p="http://schemas.openxmlformats.org/presentationml/2006/main">
+  <p:cSld>
+    <p:spTree>
+      <p:nvGrpSpPr>
+        <p:cNvPr id="1" name=""/>
+        <p:cNvGrpSpPr/>
+        <p:nvPr/>
+      </p:nvGrpSpPr>
+      <p:grpSpPr>
+        <a:xfrm>
+          <a:off x="0" y="0"/>
+          <a:ext cx="0" cy="0"/>
+          <a:chOff x="0" y="0"/>
+          <a:chExt cx="0" cy="0"/>
+        </a:xfrm>
+      </p:grpSpPr>
+      <p:sp>
+        <p:nvSpPr>
+          <p:cNvPr id="5" name="Title 4"/>
+          <p:cNvSpPr>
+            <a:spLocks noGrp="1"/>
+          </p:cNvSpPr>
+          <p:nvPr>
+            <p:ph type="title"/>
+          </p:nvPr>
+        </p:nvSpPr>
+        <p:spPr/>
+        <p:txBody>
+          <a:bodyPr/>
+          <a:lstStyle/>
+          <a:p>
+            <a:r>
+              <a:rPr lang="en-US" dirty="0" smtClean="0"/>
+              <a:t>Limitations</a:t>
+            </a:r>
+            <a:endParaRPr lang="en-US" dirty="0"/>
+          </a:p>
+        </p:txBody>
+      </p:sp>
+      <p:sp>
+        <p:nvSpPr>
+          <p:cNvPr id="6" name="Content Placeholder 5"/>
+          <p:cNvSpPr>
+            <a:spLocks noGrp="1"/>
+          </p:cNvSpPr>
+          <p:nvPr>
+            <p:ph idx="1"/>
+          </p:nvPr>
+        </p:nvSpPr>
+        <p:spPr/>
+        <p:txBody>
+          <a:bodyPr/>
+          <a:lstStyle/>
+          <a:p>
+            <a:r>
+              <a:rPr lang="en-US" dirty="0" smtClean="0"/>
+              <a:t>Mario can only jump 4 blocks in height</a:t>
+            </a:r>
+          </a:p>
+          <a:p>
+            <a:r>
+              <a:rPr lang="en-US" dirty="0" smtClean="0"/>
+              <a:t>Mario has a limit as to how long a gap he can jump</a:t>
+            </a:r>
+            <a:endParaRPr lang="en-US" dirty="0"/>
+          </a:p>
+        </p:txBody>
+      </p:sp>
+    </p:spTree>
+    <p:extLst>
+      <p:ext uri="{BB962C8B-B14F-4D97-AF65-F5344CB8AC3E}">
+        <p14:creationId xmlns:p14="http://schemas.microsoft.com/office/powerpoint/2010/main" val="2208956972"/>
+      </p:ext>
+    </p:extLst>
+  </p:cSld>
+  <p:clrMapOvr>
+    <a:masterClrMapping/>
+  </p:clrMapOvr>
+</p:sld>
+</file>
+
+<file path=ppt/slides/slide5.xml><?xml version="1.0" encoding="utf-8"?>
+<p:sld xmlns:a="http://schemas.openxmlformats.org/drawingml/2006/main" xmlns:r="http://schemas.openxmlformats.org/officeDocument/2006/relationships" xmlns:p="http://schemas.openxmlformats.org/presentationml/2006/main">
+  <p:cSld>
+    <p:spTree>
+      <p:nvGrpSpPr>
+        <p:cNvPr id="1" name=""/>
+        <p:cNvGrpSpPr/>
+        <p:nvPr/>
+      </p:nvGrpSpPr>
+      <p:grpSpPr>
+        <a:xfrm>
+          <a:off x="0" y="0"/>
+          <a:ext cx="0" cy="0"/>
+          <a:chOff x="0" y="0"/>
+          <a:chExt cx="0" cy="0"/>
+        </a:xfrm>
+      </p:grpSpPr>
+      <p:sp>
+        <p:nvSpPr>
+          <p:cNvPr id="2" name="Title 1"/>
+          <p:cNvSpPr>
+            <a:spLocks noGrp="1"/>
+          </p:cNvSpPr>
+          <p:nvPr>
+            <p:ph type="title"/>
+          </p:nvPr>
+        </p:nvSpPr>
+        <p:spPr/>
+        <p:txBody>
+          <a:bodyPr/>
+          <a:lstStyle/>
+          <a:p>
+            <a:r>
+              <a:rPr lang="en-US" dirty="0" smtClean="0"/>
+              <a:t>The proposed algorithm [1]</a:t>
+            </a:r>
+            <a:endParaRPr lang="en-US" dirty="0"/>
+          </a:p>
+        </p:txBody>
+      </p:sp>
+      <p:sp>
+        <p:nvSpPr>
+          <p:cNvPr id="3" name="Content Placeholder 2"/>
+          <p:cNvSpPr>
+            <a:spLocks noGrp="1"/>
+          </p:cNvSpPr>
+          <p:nvPr>
+            <p:ph idx="1"/>
+          </p:nvPr>
+        </p:nvSpPr>
+        <p:spPr/>
+        <p:txBody>
+          <a:bodyPr/>
+          <a:lstStyle/>
+          <a:p>
+            <a:r>
+              <a:rPr lang="en-US" b="1" dirty="0"/>
+              <a:t>A Multi-population Genetic Algorithm for Procedural Generation of Levels for Platform </a:t>
+            </a:r>
+            <a:r>
+              <a:rPr lang="en-US" b="1" dirty="0" smtClean="0"/>
+              <a:t>Games - </a:t>
+            </a:r>
+            <a:r>
+              <a:rPr lang="en-US" dirty="0"/>
+              <a:t>Lucas </a:t>
+            </a:r>
+            <a:r>
+              <a:rPr lang="en-US" dirty="0" smtClean="0"/>
+              <a:t>Ferreira, </a:t>
+            </a:r>
+            <a:r>
+              <a:rPr lang="en-US" dirty="0"/>
+              <a:t>Leonardo </a:t>
+            </a:r>
+            <a:r>
+              <a:rPr lang="en-US" dirty="0" smtClean="0"/>
+              <a:t>Pereira, </a:t>
+            </a:r>
+            <a:r>
+              <a:rPr lang="en-US" dirty="0"/>
+              <a:t>Claudio Toledo</a:t>
+            </a:r>
+            <a:endParaRPr lang="en-US" dirty="0"/>
+          </a:p>
+          <a:p>
+            <a:endParaRPr lang="en-US" dirty="0"/>
+          </a:p>
+        </p:txBody>
+      </p:sp>
+    </p:spTree>
+    <p:extLst>
+      <p:ext uri="{BB962C8B-B14F-4D97-AF65-F5344CB8AC3E}">
+        <p14:creationId xmlns:p14="http://schemas.microsoft.com/office/powerpoint/2010/main" val="4236650268"/>
+      </p:ext>
+    </p:extLst>
+  </p:cSld>
+  <p:clrMapOvr>
+    <a:masterClrMapping/>
+  </p:clrMapOvr>
+</p:sld>
+</file>
+
+<file path=ppt/slides/slide6.xml><?xml version="1.0" encoding="utf-8"?>
+<p:sld xmlns:a="http://schemas.openxmlformats.org/drawingml/2006/main" xmlns:r="http://schemas.openxmlformats.org/officeDocument/2006/relationships" xmlns:p="http://schemas.openxmlformats.org/presentationml/2006/main">
+  <p:cSld>
+    <p:spTree>
+      <p:nvGrpSpPr>
+        <p:cNvPr id="1" name=""/>
+        <p:cNvGrpSpPr/>
+        <p:nvPr/>
+      </p:nvGrpSpPr>
+      <p:grpSpPr>
+        <a:xfrm>
+          <a:off x="0" y="0"/>
+          <a:ext cx="0" cy="0"/>
+          <a:chOff x="0" y="0"/>
+          <a:chExt cx="0" cy="0"/>
+        </a:xfrm>
+      </p:grpSpPr>
+      <p:sp>
+        <p:nvSpPr>
+          <p:cNvPr id="2" name="Title 1"/>
+          <p:cNvSpPr>
+            <a:spLocks noGrp="1"/>
+          </p:cNvSpPr>
+          <p:nvPr>
+            <p:ph type="title"/>
+          </p:nvPr>
+        </p:nvSpPr>
+        <p:spPr/>
+        <p:txBody>
+          <a:bodyPr/>
+          <a:lstStyle/>
+          <a:p>
+            <a:r>
+              <a:rPr lang="en-US" dirty="0" smtClean="0"/>
+              <a:t>Representation</a:t>
+            </a:r>
+            <a:endParaRPr lang="en-US" dirty="0"/>
+          </a:p>
+        </p:txBody>
+      </p:sp>
+      <p:sp>
+        <p:nvSpPr>
+          <p:cNvPr id="3" name="Content Placeholder 2"/>
+          <p:cNvSpPr>
+            <a:spLocks noGrp="1"/>
+          </p:cNvSpPr>
+          <p:nvPr>
+            <p:ph idx="1"/>
+          </p:nvPr>
+        </p:nvSpPr>
+        <p:spPr/>
+        <p:txBody>
+          <a:bodyPr/>
+          <a:lstStyle/>
+          <a:p>
+            <a:pPr marL="0" indent="0">
+              <a:buNone/>
+            </a:pPr>
+            <a:r>
+              <a:rPr lang="en-US" dirty="0" smtClean="0"/>
+              <a:t>Level is to be represented as 4 vectors:</a:t>
+            </a:r>
+          </a:p>
+          <a:p>
+            <a:r>
+              <a:rPr lang="en-US" dirty="0" smtClean="0"/>
+              <a:t>Ground</a:t>
+            </a:r>
+          </a:p>
+          <a:p>
+            <a:r>
+              <a:rPr lang="en-US" dirty="0" smtClean="0"/>
+              <a:t>Blocks</a:t>
+            </a:r>
+          </a:p>
+          <a:p>
+            <a:r>
+              <a:rPr lang="en-US" dirty="0" smtClean="0"/>
+              <a:t>Enemies</a:t>
+            </a:r>
+          </a:p>
+          <a:p>
+            <a:r>
+              <a:rPr lang="en-US" dirty="0" smtClean="0"/>
+              <a:t>Coins</a:t>
+            </a:r>
+            <a:endParaRPr lang="en-US" dirty="0"/>
+          </a:p>
+        </p:txBody>
+      </p:sp>
+    </p:spTree>
+    <p:extLst>
+      <p:ext uri="{BB962C8B-B14F-4D97-AF65-F5344CB8AC3E}">
+        <p14:creationId xmlns:p14="http://schemas.microsoft.com/office/powerpoint/2010/main" val="1175286628"/>
+      </p:ext>
+    </p:extLst>
+  </p:cSld>
+  <p:clrMapOvr>
+    <a:masterClrMapping/>
+  </p:clrMapOvr>
+</p:sld>
+</file>
+
+<file path=ppt/slides/slide7.xml><?xml version="1.0" encoding="utf-8"?>
+<p:sld xmlns:a="http://schemas.openxmlformats.org/drawingml/2006/main" xmlns:r="http://schemas.openxmlformats.org/officeDocument/2006/relationships" xmlns:p="http://schemas.openxmlformats.org/presentationml/2006/main">
+  <p:cSld>
+    <p:spTree>
+      <p:nvGrpSpPr>
+        <p:cNvPr id="1" name=""/>
+        <p:cNvGrpSpPr/>
+        <p:nvPr/>
+      </p:nvGrpSpPr>
+      <p:grpSpPr>
+        <a:xfrm>
+          <a:off x="0" y="0"/>
+          <a:ext cx="0" cy="0"/>
+          <a:chOff x="0" y="0"/>
+          <a:chExt cx="0" cy="0"/>
+        </a:xfrm>
+      </p:grpSpPr>
+      <p:sp>
+        <p:nvSpPr>
+          <p:cNvPr id="2" name="Title 1"/>
+          <p:cNvSpPr>
+            <a:spLocks noGrp="1"/>
+          </p:cNvSpPr>
+          <p:nvPr>
+            <p:ph type="title"/>
+          </p:nvPr>
+        </p:nvSpPr>
+        <p:spPr/>
+        <p:txBody>
+          <a:bodyPr/>
+          <a:lstStyle/>
+          <a:p>
+            <a:r>
+              <a:rPr lang="en-US" dirty="0" smtClean="0"/>
+              <a:t>Ground</a:t>
+            </a:r>
+            <a:endParaRPr lang="en-US" dirty="0"/>
+          </a:p>
+        </p:txBody>
+      </p:sp>
+      <p:sp>
+        <p:nvSpPr>
+          <p:cNvPr id="3" name="Content Placeholder 2"/>
+          <p:cNvSpPr>
+            <a:spLocks noGrp="1"/>
+          </p:cNvSpPr>
+          <p:nvPr>
+            <p:ph idx="1"/>
+          </p:nvPr>
+        </p:nvSpPr>
+        <p:spPr/>
+        <p:txBody>
+          <a:bodyPr/>
+          <a:lstStyle/>
+          <a:p>
+            <a:r>
+              <a:rPr lang="en-US" dirty="0" smtClean="0"/>
+              <a:t>Defined by heights</a:t>
+            </a:r>
+          </a:p>
+          <a:p>
+            <a:r>
+              <a:rPr lang="en-US" dirty="0" smtClean="0"/>
+              <a:t>Can take values from 0 to 15</a:t>
+            </a:r>
+          </a:p>
+          <a:p>
+            <a:r>
+              <a:rPr lang="en-US" dirty="0" smtClean="0"/>
+              <a:t>Value 0 represents a gap</a:t>
+            </a:r>
+          </a:p>
+        </p:txBody>
+      </p:sp>
+    </p:spTree>
+    <p:extLst>
+      <p:ext uri="{BB962C8B-B14F-4D97-AF65-F5344CB8AC3E}">
+        <p14:creationId xmlns:p14="http://schemas.microsoft.com/office/powerpoint/2010/main" val="1294732268"/>
+      </p:ext>
+    </p:extLst>
+  </p:cSld>
+  <p:clrMapOvr>
+    <a:masterClrMapping/>
+  </p:clrMapOvr>
+</p:sld>
+</file>
+
+<file path=ppt/slides/slide8.xml><?xml version="1.0" encoding="utf-8"?>
+<p:sld xmlns:a="http://schemas.openxmlformats.org/drawingml/2006/main" xmlns:r="http://schemas.openxmlformats.org/officeDocument/2006/relationships" xmlns:p="http://schemas.openxmlformats.org/presentationml/2006/main">
+  <p:cSld>
+    <p:spTree>
+      <p:nvGrpSpPr>
+        <p:cNvPr id="1" name=""/>
+        <p:cNvGrpSpPr/>
+        <p:nvPr/>
+      </p:nvGrpSpPr>
+      <p:grpSpPr>
+        <a:xfrm>
+          <a:off x="0" y="0"/>
+          <a:ext cx="0" cy="0"/>
+          <a:chOff x="0" y="0"/>
+          <a:chExt cx="0" cy="0"/>
+        </a:xfrm>
+      </p:grpSpPr>
+      <p:sp>
+        <p:nvSpPr>
+          <p:cNvPr id="2" name="Title 1"/>
+          <p:cNvSpPr>
+            <a:spLocks noGrp="1"/>
+          </p:cNvSpPr>
+          <p:nvPr>
+            <p:ph type="title"/>
+          </p:nvPr>
+        </p:nvSpPr>
+        <p:spPr/>
+        <p:txBody>
+          <a:bodyPr/>
+          <a:lstStyle/>
+          <a:p>
+            <a:r>
+              <a:rPr lang="en-US" dirty="0" smtClean="0"/>
+              <a:t>Blocks</a:t>
+            </a:r>
+            <a:endParaRPr lang="en-US" dirty="0"/>
+          </a:p>
+        </p:txBody>
+      </p:sp>
+      <p:sp>
+        <p:nvSpPr>
+          <p:cNvPr id="3" name="Content Placeholder 2"/>
+          <p:cNvSpPr>
+            <a:spLocks noGrp="1"/>
+          </p:cNvSpPr>
+          <p:nvPr>
+            <p:ph idx="1"/>
+          </p:nvPr>
+        </p:nvSpPr>
+        <p:spPr/>
+        <p:txBody>
+          <a:bodyPr/>
+          <a:lstStyle/>
+          <a:p>
+            <a:r>
+              <a:rPr lang="en-US" dirty="0" smtClean="0"/>
+              <a:t>Placed over the ground</a:t>
+            </a:r>
+          </a:p>
+          <a:p>
+            <a:r>
+              <a:rPr lang="en-US" dirty="0" smtClean="0"/>
+              <a:t>Height values of 1 to 4 (when 1 only small Mario can hit)</a:t>
+            </a:r>
+          </a:p>
+          <a:p>
+            <a:r>
+              <a:rPr lang="en-US" dirty="0" smtClean="0"/>
+              <a:t>Types</a:t>
+            </a:r>
+          </a:p>
+          <a:p>
+            <a:pPr lvl="1"/>
+            <a:r>
+              <a:rPr lang="en-US" dirty="0" smtClean="0"/>
+              <a:t>Empty</a:t>
+            </a:r>
+          </a:p>
+          <a:p>
+            <a:pPr lvl="1"/>
+            <a:r>
+              <a:rPr lang="en-US" dirty="0" smtClean="0"/>
+              <a:t>Power-up</a:t>
+            </a:r>
+          </a:p>
+          <a:p>
+            <a:pPr lvl="1"/>
+            <a:r>
+              <a:rPr lang="en-US" dirty="0" smtClean="0"/>
+              <a:t>Coin</a:t>
+            </a:r>
+          </a:p>
+          <a:p>
+            <a:pPr lvl="1"/>
+            <a:r>
+              <a:rPr lang="en-US" dirty="0" smtClean="0"/>
+              <a:t>Rock</a:t>
+            </a:r>
+            <a:endParaRPr lang="en-US" dirty="0"/>
+          </a:p>
+        </p:txBody>
+      </p:sp>
+    </p:spTree>
+    <p:extLst>
+      <p:ext uri="{BB962C8B-B14F-4D97-AF65-F5344CB8AC3E}">
+        <p14:creationId xmlns:p14="http://schemas.microsoft.com/office/powerpoint/2010/main" val="1153007066"/>
+      </p:ext>
+    </p:extLst>
+  </p:cSld>
+  <p:clrMapOvr>
+    <a:masterClrMapping/>
+  </p:clrMapOvr>
+</p:sld>
+</file>
+
+<file path=ppt/slides/slide9.xml><?xml version="1.0" encoding="utf-8"?>
+<p:sld xmlns:a="http://schemas.openxmlformats.org/drawingml/2006/main" xmlns:r="http://schemas.openxmlformats.org/officeDocument/2006/relationships" xmlns:p="http://schemas.openxmlformats.org/presentationml/2006/main">
+  <p:cSld>
+    <p:spTree>
+      <p:nvGrpSpPr>
+        <p:cNvPr id="1" name=""/>
+        <p:cNvGrpSpPr/>
+        <p:nvPr/>
+      </p:nvGrpSpPr>
+      <p:grpSpPr>
+        <a:xfrm>
+          <a:off x="0" y="0"/>
+          <a:ext cx="0" cy="0"/>
+          <a:chOff x="0" y="0"/>
+          <a:chExt cx="0" cy="0"/>
+        </a:xfrm>
+      </p:grpSpPr>
+      <p:sp>
+        <p:nvSpPr>
+          <p:cNvPr id="2" name="Title 1"/>
+          <p:cNvSpPr>
+            <a:spLocks noGrp="1"/>
+          </p:cNvSpPr>
+          <p:nvPr>
+            <p:ph type="title"/>
+          </p:nvPr>
+        </p:nvSpPr>
+        <p:spPr/>
+        <p:txBody>
+          <a:bodyPr/>
+          <a:lstStyle/>
+          <a:p>
+            <a:r>
+              <a:rPr lang="en-US" dirty="0" smtClean="0"/>
+              <a:t>Coins</a:t>
+            </a:r>
+            <a:endParaRPr lang="en-US" dirty="0"/>
+          </a:p>
+        </p:txBody>
+      </p:sp>
+      <p:sp>
+        <p:nvSpPr>
+          <p:cNvPr id="3" name="Content Placeholder 2"/>
+          <p:cNvSpPr>
+            <a:spLocks noGrp="1"/>
+          </p:cNvSpPr>
+          <p:nvPr>
+            <p:ph idx="1"/>
+          </p:nvPr>
+        </p:nvSpPr>
+        <p:spPr/>
+        <p:txBody>
+          <a:bodyPr/>
+          <a:lstStyle/>
+          <a:p>
+            <a:r>
+              <a:rPr lang="en-US" dirty="0" smtClean="0"/>
+              <a:t>Each entry represents height</a:t>
+            </a:r>
+          </a:p>
+          <a:p>
+            <a:r>
+              <a:rPr lang="en-US" dirty="0" smtClean="0"/>
+              <a:t>Values from 0 to 10</a:t>
+            </a:r>
+            <a:endParaRPr lang="en-US" dirty="0"/>
+          </a:p>
+        </p:txBody>
+      </p:sp>
+    </p:spTree>
+    <p:extLst>
+      <p:ext uri="{BB962C8B-B14F-4D97-AF65-F5344CB8AC3E}">
+        <p14:creationId xmlns:p14="http://schemas.microsoft.com/office/powerpoint/2010/main" val="1273603706"/>
       </p:ext>
     </p:extLst>
   </p:cSld>
@@ -3358,6 +9894,271 @@
 </file>
 
 <file path=ppt/theme/theme1.xml><?xml version="1.0" encoding="utf-8"?>
+<a:theme xmlns:a="http://schemas.openxmlformats.org/drawingml/2006/main" name="Ion">
+  <a:themeElements>
+    <a:clrScheme name="Blue">
+      <a:dk1>
+        <a:sysClr val="windowText" lastClr="000000"/>
+      </a:dk1>
+      <a:lt1>
+        <a:sysClr val="window" lastClr="FFFFFF"/>
+      </a:lt1>
+      <a:dk2>
+        <a:srgbClr val="17406D"/>
+      </a:dk2>
+      <a:lt2>
+        <a:srgbClr val="DBEFF9"/>
+      </a:lt2>
+      <a:accent1>
+        <a:srgbClr val="0F6FC6"/>
+      </a:accent1>
+      <a:accent2>
+        <a:srgbClr val="009DD9"/>
+      </a:accent2>
+      <a:accent3>
+        <a:srgbClr val="0BD0D9"/>
+      </a:accent3>
+      <a:accent4>
+        <a:srgbClr val="10CF9B"/>
+      </a:accent4>
+      <a:accent5>
+        <a:srgbClr val="7CCA62"/>
+      </a:accent5>
+      <a:accent6>
+        <a:srgbClr val="A5C249"/>
+      </a:accent6>
+      <a:hlink>
+        <a:srgbClr val="F49100"/>
+      </a:hlink>
+      <a:folHlink>
+        <a:srgbClr val="85DFD0"/>
+      </a:folHlink>
+    </a:clrScheme>
+    <a:fontScheme name="Ion">
+      <a:majorFont>
+        <a:latin typeface="Century Gothic" panose="020B0502020202020204"/>
+        <a:ea typeface=""/>
+        <a:cs typeface=""/>
+        <a:font script="Jpan" typeface="メイリオ"/>
+        <a:font script="Hang" typeface="맑은 고딕"/>
+        <a:font script="Hans" typeface="宋体"/>
+        <a:font script="Hant" typeface="新細明體"/>
+        <a:font script="Arab" typeface="Times New Roman"/>
+        <a:font script="Hebr" typeface="Times New Roman"/>
+        <a:font script="Thai" typeface="Angsana New"/>
+        <a:font script="Ethi" typeface="Nyala"/>
+        <a:font script="Beng" typeface="Vrinda"/>
+        <a:font script="Gujr" typeface="Shruti"/>
+        <a:font script="Khmr" typeface="MoolBoran"/>
+        <a:font script="Knda" typeface="Tunga"/>
+        <a:font script="Guru" typeface="Raavi"/>
+        <a:font script="Cans" typeface="Euphemia"/>
+        <a:font script="Cher" typeface="Plantagenet Cherokee"/>
+        <a:font script="Yiii" typeface="Microsoft Yi Baiti"/>
+        <a:font script="Tibt" typeface="Microsoft Himalaya"/>
+        <a:font script="Thaa" typeface="MV Boli"/>
+        <a:font script="Deva" typeface="Mangal"/>
+        <a:font script="Telu" typeface="Gautami"/>
+        <a:font script="Taml" typeface="Latha"/>
+        <a:font script="Syrc" typeface="Estrangelo Edessa"/>
+        <a:font script="Orya" typeface="Kalinga"/>
+        <a:font script="Mlym" typeface="Kartika"/>
+        <a:font script="Laoo" typeface="DokChampa"/>
+        <a:font script="Sinh" typeface="Iskoola Pota"/>
+        <a:font script="Mong" typeface="Mongolian Baiti"/>
+        <a:font script="Viet" typeface="Times New Roman"/>
+        <a:font script="Uigh" typeface="Microsoft Uighur"/>
+        <a:font script="Geor" typeface="Sylfaen"/>
+      </a:majorFont>
+      <a:minorFont>
+        <a:latin typeface="Century Gothic" panose="020B0502020202020204"/>
+        <a:ea typeface=""/>
+        <a:cs typeface=""/>
+        <a:font script="Jpan" typeface="メイリオ"/>
+        <a:font script="Hang" typeface="맑은 고딕"/>
+        <a:font script="Hans" typeface="宋体"/>
+        <a:font script="Hant" typeface="新細明體"/>
+        <a:font script="Arab" typeface="Arial"/>
+        <a:font script="Hebr" typeface="Arial"/>
+        <a:font script="Thai" typeface="Cordia New"/>
+        <a:font script="Ethi" typeface="Nyala"/>
+        <a:font script="Beng" typeface="Vrinda"/>
+        <a:font script="Gujr" typeface="Shruti"/>
+        <a:font script="Khmr" typeface="DaunPenh"/>
+        <a:font script="Knda" typeface="Tunga"/>
+        <a:font script="Guru" typeface="Raavi"/>
+        <a:font script="Cans" typeface="Euphemia"/>
+        <a:font script="Cher" typeface="Plantagenet Cherokee"/>
+        <a:font script="Yiii" typeface="Microsoft Yi Baiti"/>
+        <a:font script="Tibt" typeface="Microsoft Himalaya"/>
+        <a:font script="Thaa" typeface="MV Boli"/>
+        <a:font script="Deva" typeface="Mangal"/>
+        <a:font script="Telu" typeface="Gautami"/>
+        <a:font script="Taml" typeface="Latha"/>
+        <a:font script="Syrc" typeface="Estrangelo Edessa"/>
+        <a:font script="Orya" typeface="Kalinga"/>
+        <a:font script="Mlym" typeface="Kartika"/>
+        <a:font script="Laoo" typeface="DokChampa"/>
+        <a:font script="Sinh" typeface="Iskoola Pota"/>
+        <a:font script="Mong" typeface="Mongolian Baiti"/>
+        <a:font script="Viet" typeface="Arial"/>
+        <a:font script="Uigh" typeface="Microsoft Uighur"/>
+        <a:font script="Geor" typeface="Sylfaen"/>
+      </a:minorFont>
+    </a:fontScheme>
+    <a:fmtScheme name="Ion">
+      <a:fillStyleLst>
+        <a:solidFill>
+          <a:schemeClr val="phClr"/>
+        </a:solidFill>
+        <a:gradFill rotWithShape="1">
+          <a:gsLst>
+            <a:gs pos="0">
+              <a:schemeClr val="phClr">
+                <a:tint val="64000"/>
+                <a:lumMod val="118000"/>
+              </a:schemeClr>
+            </a:gs>
+            <a:gs pos="100000">
+              <a:schemeClr val="phClr">
+                <a:tint val="92000"/>
+                <a:alpha val="100000"/>
+                <a:lumMod val="110000"/>
+              </a:schemeClr>
+            </a:gs>
+          </a:gsLst>
+          <a:lin ang="5400000" scaled="0"/>
+        </a:gradFill>
+        <a:gradFill rotWithShape="1">
+          <a:gsLst>
+            <a:gs pos="0">
+              <a:schemeClr val="phClr">
+                <a:tint val="98000"/>
+                <a:lumMod val="114000"/>
+              </a:schemeClr>
+            </a:gs>
+            <a:gs pos="100000">
+              <a:schemeClr val="phClr">
+                <a:shade val="90000"/>
+                <a:lumMod val="84000"/>
+              </a:schemeClr>
+            </a:gs>
+          </a:gsLst>
+          <a:lin ang="5400000" scaled="0"/>
+        </a:gradFill>
+      </a:fillStyleLst>
+      <a:lnStyleLst>
+        <a:ln w="9525" cap="rnd" cmpd="sng" algn="ctr">
+          <a:solidFill>
+            <a:schemeClr val="phClr"/>
+          </a:solidFill>
+          <a:prstDash val="solid"/>
+        </a:ln>
+        <a:ln w="19050" cap="rnd" cmpd="sng" algn="ctr">
+          <a:solidFill>
+            <a:schemeClr val="phClr"/>
+          </a:solidFill>
+          <a:prstDash val="solid"/>
+        </a:ln>
+        <a:ln w="28575" cap="rnd" cmpd="sng" algn="ctr">
+          <a:solidFill>
+            <a:schemeClr val="phClr"/>
+          </a:solidFill>
+          <a:prstDash val="solid"/>
+        </a:ln>
+      </a:lnStyleLst>
+      <a:effectStyleLst>
+        <a:effectStyle>
+          <a:effectLst/>
+        </a:effectStyle>
+        <a:effectStyle>
+          <a:effectLst>
+            <a:outerShdw blurRad="38100" dist="25400" dir="5400000" rotWithShape="0">
+              <a:srgbClr val="000000">
+                <a:alpha val="45000"/>
+              </a:srgbClr>
+            </a:outerShdw>
+          </a:effectLst>
+        </a:effectStyle>
+        <a:effectStyle>
+          <a:effectLst>
+            <a:outerShdw blurRad="63500" dist="38100" dir="5400000" rotWithShape="0">
+              <a:srgbClr val="000000">
+                <a:alpha val="60000"/>
+              </a:srgbClr>
+            </a:outerShdw>
+          </a:effectLst>
+          <a:scene3d>
+            <a:camera prst="orthographicFront">
+              <a:rot lat="0" lon="0" rev="0"/>
+            </a:camera>
+            <a:lightRig rig="threePt" dir="tl"/>
+          </a:scene3d>
+          <a:sp3d prstMaterial="plastic">
+            <a:bevelT w="0" h="0"/>
+          </a:sp3d>
+        </a:effectStyle>
+      </a:effectStyleLst>
+      <a:bgFillStyleLst>
+        <a:solidFill>
+          <a:schemeClr val="phClr"/>
+        </a:solidFill>
+        <a:gradFill rotWithShape="1">
+          <a:gsLst>
+            <a:gs pos="0">
+              <a:schemeClr val="phClr">
+                <a:tint val="92000"/>
+                <a:hueMod val="96000"/>
+                <a:satMod val="128000"/>
+                <a:lumMod val="114000"/>
+              </a:schemeClr>
+            </a:gs>
+            <a:gs pos="100000">
+              <a:schemeClr val="phClr">
+                <a:shade val="62000"/>
+                <a:hueMod val="100000"/>
+                <a:satMod val="134000"/>
+                <a:lumMod val="56000"/>
+              </a:schemeClr>
+            </a:gs>
+          </a:gsLst>
+          <a:path path="circle">
+            <a:fillToRect l="45000" t="65000" r="125000" b="100000"/>
+          </a:path>
+        </a:gradFill>
+        <a:blipFill rotWithShape="1">
+          <a:blip xmlns:r="http://schemas.openxmlformats.org/officeDocument/2006/relationships" r:embed="rId1">
+            <a:duotone>
+              <a:schemeClr val="phClr">
+                <a:shade val="62000"/>
+                <a:hueMod val="108000"/>
+                <a:satMod val="164000"/>
+                <a:lumMod val="69000"/>
+              </a:schemeClr>
+              <a:schemeClr val="phClr">
+                <a:tint val="96000"/>
+                <a:hueMod val="90000"/>
+                <a:satMod val="130000"/>
+                <a:lumMod val="134000"/>
+              </a:schemeClr>
+            </a:duotone>
+          </a:blip>
+          <a:stretch/>
+        </a:blipFill>
+      </a:bgFillStyleLst>
+    </a:fmtScheme>
+  </a:themeElements>
+  <a:objectDefaults/>
+  <a:extraClrSchemeLst/>
+  <a:extLst>
+    <a:ext uri="{05A4C25C-085E-4340-85A3-A5531E510DB2}">
+      <thm15:themeFamily xmlns:thm15="http://schemas.microsoft.com/office/thememl/2012/main" name="Ion" id="{B8441ADB-2E43-4AF7-B97A-BD870242C6A8}" vid="{BACC050B-8757-4460-95D8-E37B46A6B421}"/>
+    </a:ext>
+  </a:extLst>
+</a:theme>
+</file>
+
+<file path=ppt/theme/theme2.xml><?xml version="1.0" encoding="utf-8"?>
 <a:theme xmlns:a="http://schemas.openxmlformats.org/drawingml/2006/main" name="Office Theme">
   <a:themeElements>
     <a:clrScheme name="Office">
